--- a/Slides.pptx
+++ b/Slides.pptx
@@ -5,18 +5,22 @@
     <p:sldMasterId id="2147483648" r:id="rId1"/>
   </p:sldMasterIdLst>
   <p:notesMasterIdLst>
-    <p:notesMasterId r:id="rId8"/>
+    <p:notesMasterId r:id="rId12"/>
   </p:notesMasterIdLst>
   <p:handoutMasterIdLst>
-    <p:handoutMasterId r:id="rId9"/>
+    <p:handoutMasterId r:id="rId13"/>
   </p:handoutMasterIdLst>
   <p:sldIdLst>
     <p:sldId id="283" r:id="rId2"/>
-    <p:sldId id="512" r:id="rId3"/>
-    <p:sldId id="398" r:id="rId4"/>
-    <p:sldId id="513" r:id="rId5"/>
-    <p:sldId id="514" r:id="rId6"/>
-    <p:sldId id="386" r:id="rId7"/>
+    <p:sldId id="398" r:id="rId3"/>
+    <p:sldId id="516" r:id="rId4"/>
+    <p:sldId id="517" r:id="rId5"/>
+    <p:sldId id="518" r:id="rId6"/>
+    <p:sldId id="519" r:id="rId7"/>
+    <p:sldId id="513" r:id="rId8"/>
+    <p:sldId id="514" r:id="rId9"/>
+    <p:sldId id="515" r:id="rId10"/>
+    <p:sldId id="386" r:id="rId11"/>
   </p:sldIdLst>
   <p:sldSz cx="12192000" cy="6858000"/>
   <p:notesSz cx="10234613" cy="7099300"/>
@@ -240,7 +244,7 @@
           <a:p>
             <a:fld id="{357692FD-D79F-4284-AF0E-3D831B63BC6E}" type="datetimeFigureOut">
               <a:rPr lang="de-DE" smtClean="0"/>
-              <a:t>27.11.2022</a:t>
+              <a:t>10.12.2022</a:t>
             </a:fld>
             <a:endParaRPr lang="de-DE"/>
           </a:p>
@@ -350,33 +354,6 @@
 </inkml:ink>
 </file>
 
-<file path=ppt/ink/ink2.xml><?xml version="1.0" encoding="utf-8"?>
-<inkml:ink xmlns:inkml="http://www.w3.org/2003/InkML">
-  <inkml:definitions>
-    <inkml:context xml:id="ctx0">
-      <inkml:inkSource xml:id="inkSrc0">
-        <inkml:traceFormat>
-          <inkml:channel name="X" type="integer" min="-2.14748E9" max="2.14748E9" units="cm"/>
-          <inkml:channel name="Y" type="integer" min="-2.14748E9" max="2.14748E9" units="cm"/>
-          <inkml:channel name="F" type="integer" max="32767" units="dev"/>
-        </inkml:traceFormat>
-        <inkml:channelProperties>
-          <inkml:channelProperty channel="X" name="resolution" value="1000" units="1/cm"/>
-          <inkml:channelProperty channel="Y" name="resolution" value="1000" units="1/cm"/>
-          <inkml:channelProperty channel="F" name="resolution" value="0" units="1/dev"/>
-        </inkml:channelProperties>
-      </inkml:inkSource>
-      <inkml:timestamp xml:id="ts0" timeString="2019-12-13T08:42:25.155"/>
-    </inkml:context>
-    <inkml:brush xml:id="br0">
-      <inkml:brushProperty name="width" value="0.05" units="cm"/>
-      <inkml:brushProperty name="height" value="0.05" units="cm"/>
-    </inkml:brush>
-  </inkml:definitions>
-  <inkml:trace contextRef="#ctx0" brushRef="#br0">21 1 7042,'0'0'1880,"0"0"-1176,0 0-472,0 0 264,0 0-112,0 0-256,0 0-128,0 0-272,0 0-232,0 0-224,0 0-592,-21 0-3033</inkml:trace>
-</inkml:ink>
-</file>
-
 <file path=ppt/notesMasters/notesMaster1.xml><?xml version="1.0" encoding="utf-8"?>
 <p:notesMaster xmlns:a="http://schemas.openxmlformats.org/drawingml/2006/main" xmlns:r="http://schemas.openxmlformats.org/officeDocument/2006/relationships" xmlns:p="http://schemas.openxmlformats.org/presentationml/2006/main">
   <p:cSld>
@@ -459,7 +436,7 @@
           <a:p>
             <a:fld id="{4147423F-3895-481F-BD2D-63EE2805900F}" type="datetimeFigureOut">
               <a:rPr lang="de-DE" smtClean="0"/>
-              <a:t>27.11.2022</a:t>
+              <a:t>10.12.2022</a:t>
             </a:fld>
             <a:endParaRPr lang="de-DE"/>
           </a:p>
@@ -844,95 +821,6 @@
         </p:nvSpPr>
         <p:spPr>
           <a:xfrm>
-            <a:off x="2749550" y="531813"/>
-            <a:ext cx="4735513" cy="2663825"/>
-          </a:xfrm>
-        </p:spPr>
-      </p:sp>
-      <p:sp>
-        <p:nvSpPr>
-          <p:cNvPr id="3" name="Notizenplatzhalter 2"/>
-          <p:cNvSpPr>
-            <a:spLocks noGrp="1"/>
-          </p:cNvSpPr>
-          <p:nvPr>
-            <p:ph type="body" idx="1"/>
-          </p:nvPr>
-        </p:nvSpPr>
-        <p:spPr/>
-        <p:txBody>
-          <a:bodyPr/>
-          <a:lstStyle/>
-          <a:p>
-            <a:endParaRPr lang="de-DE"/>
-          </a:p>
-        </p:txBody>
-      </p:sp>
-      <p:sp>
-        <p:nvSpPr>
-          <p:cNvPr id="4" name="Foliennummernplatzhalter 3"/>
-          <p:cNvSpPr>
-            <a:spLocks noGrp="1"/>
-          </p:cNvSpPr>
-          <p:nvPr>
-            <p:ph type="sldNum" sz="quarter" idx="10"/>
-          </p:nvPr>
-        </p:nvSpPr>
-        <p:spPr/>
-        <p:txBody>
-          <a:bodyPr/>
-          <a:lstStyle/>
-          <a:p>
-            <a:fld id="{C826E26A-C4B5-432D-957A-EDE7989EE617}" type="slidenum">
-              <a:rPr lang="de-DE" smtClean="0"/>
-              <a:t>2</a:t>
-            </a:fld>
-            <a:endParaRPr lang="de-DE"/>
-          </a:p>
-        </p:txBody>
-      </p:sp>
-    </p:spTree>
-    <p:extLst>
-      <p:ext uri="{BB962C8B-B14F-4D97-AF65-F5344CB8AC3E}">
-        <p14:creationId xmlns:p14="http://schemas.microsoft.com/office/powerpoint/2010/main" val="384822034"/>
-      </p:ext>
-    </p:extLst>
-  </p:cSld>
-  <p:clrMapOvr>
-    <a:masterClrMapping/>
-  </p:clrMapOvr>
-</p:notes>
-</file>
-
-<file path=ppt/notesSlides/notesSlide3.xml><?xml version="1.0" encoding="utf-8"?>
-<p:notes xmlns:a="http://schemas.openxmlformats.org/drawingml/2006/main" xmlns:r="http://schemas.openxmlformats.org/officeDocument/2006/relationships" xmlns:p="http://schemas.openxmlformats.org/presentationml/2006/main">
-  <p:cSld>
-    <p:spTree>
-      <p:nvGrpSpPr>
-        <p:cNvPr id="1" name=""/>
-        <p:cNvGrpSpPr/>
-        <p:nvPr/>
-      </p:nvGrpSpPr>
-      <p:grpSpPr>
-        <a:xfrm>
-          <a:off x="0" y="0"/>
-          <a:ext cx="0" cy="0"/>
-          <a:chOff x="0" y="0"/>
-          <a:chExt cx="0" cy="0"/>
-        </a:xfrm>
-      </p:grpSpPr>
-      <p:sp>
-        <p:nvSpPr>
-          <p:cNvPr id="2" name="Folienbildplatzhalter 1"/>
-          <p:cNvSpPr>
-            <a:spLocks noGrp="1" noRot="1" noChangeAspect="1"/>
-          </p:cNvSpPr>
-          <p:nvPr>
-            <p:ph type="sldImg"/>
-          </p:nvPr>
-        </p:nvSpPr>
-        <p:spPr>
-          <a:xfrm>
             <a:off x="2501900" y="409575"/>
             <a:ext cx="5124450" cy="2882900"/>
           </a:xfrm>
@@ -1016,6 +904,90 @@
             <a:fld id="{53E904B6-5F91-42DE-A347-89865559B910}" type="slidenum">
               <a:rPr lang="de-DE" smtClean="0"/>
               <a:pPr/>
+              <a:t>2</a:t>
+            </a:fld>
+            <a:endParaRPr lang="de-DE"/>
+          </a:p>
+        </p:txBody>
+      </p:sp>
+    </p:spTree>
+    <p:extLst>
+      <p:ext uri="{BB962C8B-B14F-4D97-AF65-F5344CB8AC3E}">
+        <p14:creationId xmlns:p14="http://schemas.microsoft.com/office/powerpoint/2010/main" val="3556166139"/>
+      </p:ext>
+    </p:extLst>
+  </p:cSld>
+  <p:clrMapOvr>
+    <a:masterClrMapping/>
+  </p:clrMapOvr>
+</p:notes>
+</file>
+
+<file path=ppt/notesSlides/notesSlide3.xml><?xml version="1.0" encoding="utf-8"?>
+<p:notes xmlns:a="http://schemas.openxmlformats.org/drawingml/2006/main" xmlns:r="http://schemas.openxmlformats.org/officeDocument/2006/relationships" xmlns:p="http://schemas.openxmlformats.org/presentationml/2006/main">
+  <p:cSld>
+    <p:spTree>
+      <p:nvGrpSpPr>
+        <p:cNvPr id="1" name=""/>
+        <p:cNvGrpSpPr/>
+        <p:nvPr/>
+      </p:nvGrpSpPr>
+      <p:grpSpPr>
+        <a:xfrm>
+          <a:off x="0" y="0"/>
+          <a:ext cx="0" cy="0"/>
+          <a:chOff x="0" y="0"/>
+          <a:chExt cx="0" cy="0"/>
+        </a:xfrm>
+      </p:grpSpPr>
+      <p:sp>
+        <p:nvSpPr>
+          <p:cNvPr id="2" name="Образ слайда 1"/>
+          <p:cNvSpPr>
+            <a:spLocks noGrp="1" noRot="1" noChangeAspect="1"/>
+          </p:cNvSpPr>
+          <p:nvPr>
+            <p:ph type="sldImg"/>
+          </p:nvPr>
+        </p:nvSpPr>
+        <p:spPr/>
+      </p:sp>
+      <p:sp>
+        <p:nvSpPr>
+          <p:cNvPr id="3" name="Заметки 2"/>
+          <p:cNvSpPr>
+            <a:spLocks noGrp="1"/>
+          </p:cNvSpPr>
+          <p:nvPr>
+            <p:ph type="body" idx="1"/>
+          </p:nvPr>
+        </p:nvSpPr>
+        <p:spPr/>
+        <p:txBody>
+          <a:bodyPr/>
+          <a:lstStyle/>
+          <a:p>
+            <a:endParaRPr lang="ru-RU" dirty="0"/>
+          </a:p>
+        </p:txBody>
+      </p:sp>
+      <p:sp>
+        <p:nvSpPr>
+          <p:cNvPr id="4" name="Номер слайда 3"/>
+          <p:cNvSpPr>
+            <a:spLocks noGrp="1"/>
+          </p:cNvSpPr>
+          <p:nvPr>
+            <p:ph type="sldNum" sz="quarter" idx="10"/>
+          </p:nvPr>
+        </p:nvSpPr>
+        <p:spPr/>
+        <p:txBody>
+          <a:bodyPr/>
+          <a:lstStyle/>
+          <a:p>
+            <a:fld id="{C826E26A-C4B5-432D-957A-EDE7989EE617}" type="slidenum">
+              <a:rPr lang="de-DE" smtClean="0"/>
               <a:t>3</a:t>
             </a:fld>
             <a:endParaRPr lang="de-DE"/>
@@ -1025,7 +997,175 @@
     </p:spTree>
     <p:extLst>
       <p:ext uri="{BB962C8B-B14F-4D97-AF65-F5344CB8AC3E}">
-        <p14:creationId xmlns:p14="http://schemas.microsoft.com/office/powerpoint/2010/main" val="3556166139"/>
+        <p14:creationId xmlns:p14="http://schemas.microsoft.com/office/powerpoint/2010/main" val="2407853734"/>
+      </p:ext>
+    </p:extLst>
+  </p:cSld>
+  <p:clrMapOvr>
+    <a:masterClrMapping/>
+  </p:clrMapOvr>
+</p:notes>
+</file>
+
+<file path=ppt/notesSlides/notesSlide4.xml><?xml version="1.0" encoding="utf-8"?>
+<p:notes xmlns:a="http://schemas.openxmlformats.org/drawingml/2006/main" xmlns:r="http://schemas.openxmlformats.org/officeDocument/2006/relationships" xmlns:p="http://schemas.openxmlformats.org/presentationml/2006/main">
+  <p:cSld>
+    <p:spTree>
+      <p:nvGrpSpPr>
+        <p:cNvPr id="1" name=""/>
+        <p:cNvGrpSpPr/>
+        <p:nvPr/>
+      </p:nvGrpSpPr>
+      <p:grpSpPr>
+        <a:xfrm>
+          <a:off x="0" y="0"/>
+          <a:ext cx="0" cy="0"/>
+          <a:chOff x="0" y="0"/>
+          <a:chExt cx="0" cy="0"/>
+        </a:xfrm>
+      </p:grpSpPr>
+      <p:sp>
+        <p:nvSpPr>
+          <p:cNvPr id="2" name="Образ слайда 1"/>
+          <p:cNvSpPr>
+            <a:spLocks noGrp="1" noRot="1" noChangeAspect="1"/>
+          </p:cNvSpPr>
+          <p:nvPr>
+            <p:ph type="sldImg"/>
+          </p:nvPr>
+        </p:nvSpPr>
+        <p:spPr/>
+      </p:sp>
+      <p:sp>
+        <p:nvSpPr>
+          <p:cNvPr id="3" name="Заметки 2"/>
+          <p:cNvSpPr>
+            <a:spLocks noGrp="1"/>
+          </p:cNvSpPr>
+          <p:nvPr>
+            <p:ph type="body" idx="1"/>
+          </p:nvPr>
+        </p:nvSpPr>
+        <p:spPr/>
+        <p:txBody>
+          <a:bodyPr/>
+          <a:lstStyle/>
+          <a:p>
+            <a:endParaRPr lang="ru-RU" dirty="0"/>
+          </a:p>
+        </p:txBody>
+      </p:sp>
+      <p:sp>
+        <p:nvSpPr>
+          <p:cNvPr id="4" name="Номер слайда 3"/>
+          <p:cNvSpPr>
+            <a:spLocks noGrp="1"/>
+          </p:cNvSpPr>
+          <p:nvPr>
+            <p:ph type="sldNum" sz="quarter" idx="10"/>
+          </p:nvPr>
+        </p:nvSpPr>
+        <p:spPr/>
+        <p:txBody>
+          <a:bodyPr/>
+          <a:lstStyle/>
+          <a:p>
+            <a:fld id="{C826E26A-C4B5-432D-957A-EDE7989EE617}" type="slidenum">
+              <a:rPr lang="de-DE" smtClean="0"/>
+              <a:t>4</a:t>
+            </a:fld>
+            <a:endParaRPr lang="de-DE"/>
+          </a:p>
+        </p:txBody>
+      </p:sp>
+    </p:spTree>
+    <p:extLst>
+      <p:ext uri="{BB962C8B-B14F-4D97-AF65-F5344CB8AC3E}">
+        <p14:creationId xmlns:p14="http://schemas.microsoft.com/office/powerpoint/2010/main" val="355574597"/>
+      </p:ext>
+    </p:extLst>
+  </p:cSld>
+  <p:clrMapOvr>
+    <a:masterClrMapping/>
+  </p:clrMapOvr>
+</p:notes>
+</file>
+
+<file path=ppt/notesSlides/notesSlide5.xml><?xml version="1.0" encoding="utf-8"?>
+<p:notes xmlns:a="http://schemas.openxmlformats.org/drawingml/2006/main" xmlns:r="http://schemas.openxmlformats.org/officeDocument/2006/relationships" xmlns:p="http://schemas.openxmlformats.org/presentationml/2006/main">
+  <p:cSld>
+    <p:spTree>
+      <p:nvGrpSpPr>
+        <p:cNvPr id="1" name=""/>
+        <p:cNvGrpSpPr/>
+        <p:nvPr/>
+      </p:nvGrpSpPr>
+      <p:grpSpPr>
+        <a:xfrm>
+          <a:off x="0" y="0"/>
+          <a:ext cx="0" cy="0"/>
+          <a:chOff x="0" y="0"/>
+          <a:chExt cx="0" cy="0"/>
+        </a:xfrm>
+      </p:grpSpPr>
+      <p:sp>
+        <p:nvSpPr>
+          <p:cNvPr id="2" name="Образ слайда 1"/>
+          <p:cNvSpPr>
+            <a:spLocks noGrp="1" noRot="1" noChangeAspect="1"/>
+          </p:cNvSpPr>
+          <p:nvPr>
+            <p:ph type="sldImg"/>
+          </p:nvPr>
+        </p:nvSpPr>
+        <p:spPr/>
+      </p:sp>
+      <p:sp>
+        <p:nvSpPr>
+          <p:cNvPr id="3" name="Заметки 2"/>
+          <p:cNvSpPr>
+            <a:spLocks noGrp="1"/>
+          </p:cNvSpPr>
+          <p:nvPr>
+            <p:ph type="body" idx="1"/>
+          </p:nvPr>
+        </p:nvSpPr>
+        <p:spPr/>
+        <p:txBody>
+          <a:bodyPr/>
+          <a:lstStyle/>
+          <a:p>
+            <a:endParaRPr lang="ru-RU" dirty="0"/>
+          </a:p>
+        </p:txBody>
+      </p:sp>
+      <p:sp>
+        <p:nvSpPr>
+          <p:cNvPr id="4" name="Номер слайда 3"/>
+          <p:cNvSpPr>
+            <a:spLocks noGrp="1"/>
+          </p:cNvSpPr>
+          <p:nvPr>
+            <p:ph type="sldNum" sz="quarter" idx="10"/>
+          </p:nvPr>
+        </p:nvSpPr>
+        <p:spPr/>
+        <p:txBody>
+          <a:bodyPr/>
+          <a:lstStyle/>
+          <a:p>
+            <a:fld id="{C826E26A-C4B5-432D-957A-EDE7989EE617}" type="slidenum">
+              <a:rPr lang="de-DE" smtClean="0"/>
+              <a:t>5</a:t>
+            </a:fld>
+            <a:endParaRPr lang="de-DE"/>
+          </a:p>
+        </p:txBody>
+      </p:sp>
+    </p:spTree>
+    <p:extLst>
+      <p:ext uri="{BB962C8B-B14F-4D97-AF65-F5344CB8AC3E}">
+        <p14:creationId xmlns:p14="http://schemas.microsoft.com/office/powerpoint/2010/main" val="3879076732"/>
       </p:ext>
     </p:extLst>
   </p:cSld>
@@ -2621,7 +2761,7 @@
 </p:sld>
 </file>
 
-<file path=ppt/slides/slide2.xml><?xml version="1.0" encoding="utf-8"?>
+<file path=ppt/slides/slide10.xml><?xml version="1.0" encoding="utf-8"?>
 <p:sld xmlns:a="http://schemas.openxmlformats.org/drawingml/2006/main" xmlns:r="http://schemas.openxmlformats.org/officeDocument/2006/relationships" xmlns:p="http://schemas.openxmlformats.org/presentationml/2006/main">
   <p:cSld>
     <p:spTree>
@@ -2640,227 +2780,70 @@
       </p:grpSpPr>
       <p:sp>
         <p:nvSpPr>
-          <p:cNvPr id="2" name="Titel 1"/>
-          <p:cNvSpPr>
-            <a:spLocks noGrp="1"/>
+          <p:cNvPr id="8" name="Titel 1"/>
+          <p:cNvSpPr txBox="1">
+            <a:spLocks/>
           </p:cNvSpPr>
-          <p:nvPr>
-            <p:ph type="title"/>
-          </p:nvPr>
-        </p:nvSpPr>
-        <p:spPr>
-          <a:xfrm>
-            <a:off x="623888" y="557808"/>
-            <a:ext cx="8229600" cy="636784"/>
-          </a:xfrm>
-        </p:spPr>
-        <p:txBody>
-          <a:bodyPr anchor="t"/>
-          <a:lstStyle/>
-          <a:p>
-            <a:r>
-              <a:rPr lang="de-DE" sz="2800" dirty="0"/>
-              <a:t>Inhalt</a:t>
-            </a:r>
-          </a:p>
-        </p:txBody>
-      </p:sp>
-      <p:sp>
-        <p:nvSpPr>
-          <p:cNvPr id="3" name="Rechteck 2"/>
-          <p:cNvSpPr/>
           <p:nvPr/>
         </p:nvSpPr>
         <p:spPr>
           <a:xfrm>
-            <a:off x="551882" y="1196752"/>
-            <a:ext cx="7416825" cy="2169825"/>
+            <a:off x="623888" y="1268760"/>
+            <a:ext cx="7772400" cy="1470025"/>
           </a:xfrm>
           <a:prstGeom prst="rect">
             <a:avLst/>
           </a:prstGeom>
         </p:spPr>
         <p:txBody>
-          <a:bodyPr wrap="square">
-            <a:spAutoFit/>
+          <a:bodyPr vert="horz" lIns="0" tIns="45720" rIns="91440" bIns="45720" rtlCol="0" anchor="ctr">
+            <a:normAutofit/>
           </a:bodyPr>
-          <a:lstStyle/>
+          <a:lstStyle>
+            <a:lvl1pPr algn="l" defTabSz="914400" rtl="0" eaLnBrk="1" latinLnBrk="0" hangingPunct="1">
+              <a:spcBef>
+                <a:spcPct val="0"/>
+              </a:spcBef>
+              <a:buNone/>
+              <a:defRPr sz="4400" kern="1200">
+                <a:solidFill>
+                  <a:schemeClr val="bg1"/>
+                </a:solidFill>
+                <a:latin typeface="Liberation Serif" pitchFamily="18" charset="0"/>
+                <a:ea typeface="+mj-ea"/>
+                <a:cs typeface="+mj-cs"/>
+              </a:defRPr>
+            </a:lvl1pPr>
+          </a:lstStyle>
           <a:p>
-            <a:pPr marL="342900" indent="-342900">
-              <a:lnSpc>
-                <a:spcPct val="150000"/>
-              </a:lnSpc>
-              <a:buFont typeface="Arial" panose="020B0604020202020204" pitchFamily="34" charset="0"/>
-              <a:buChar char="•"/>
-            </a:pPr>
             <a:r>
-              <a:rPr lang="de-DE" dirty="0" smtClean="0">
-                <a:solidFill>
-                  <a:schemeClr val="accent6">
-                    <a:lumMod val="50000"/>
-                  </a:schemeClr>
-                </a:solidFill>
-                <a:latin typeface="Liberation Serif" panose="02020603050405020304" pitchFamily="18" charset="0"/>
-              </a:rPr>
-              <a:t>Stabilität</a:t>
+              <a:rPr lang="de-DE" sz="4000" dirty="0"/>
+              <a:t>Herzlichen Dank </a:t>
             </a:r>
-          </a:p>
-          <a:p>
-            <a:pPr marL="342900" indent="-342900">
-              <a:lnSpc>
-                <a:spcPct val="150000"/>
-              </a:lnSpc>
-              <a:buFont typeface="Arial" panose="020B0604020202020204" pitchFamily="34" charset="0"/>
-              <a:buChar char="•"/>
-            </a:pPr>
+            <a:br>
+              <a:rPr lang="de-DE" sz="4000" dirty="0"/>
+            </a:br>
             <a:r>
-              <a:rPr lang="de-DE" dirty="0" smtClean="0">
-                <a:solidFill>
-                  <a:schemeClr val="accent6">
-                    <a:lumMod val="50000"/>
-                  </a:schemeClr>
-                </a:solidFill>
-                <a:latin typeface="Liberation Serif" panose="02020603050405020304" pitchFamily="18" charset="0"/>
-              </a:rPr>
-              <a:t>Schießverfahren Nachteile bezüglich Stabilität</a:t>
+              <a:rPr lang="de-DE" sz="4000" dirty="0"/>
+              <a:t>für Ihre Aufmerksamkeit</a:t>
             </a:r>
-          </a:p>
-          <a:p>
-            <a:pPr marL="342900" indent="-342900">
-              <a:lnSpc>
-                <a:spcPct val="150000"/>
-              </a:lnSpc>
-              <a:buFont typeface="Arial" panose="020B0604020202020204" pitchFamily="34" charset="0"/>
-              <a:buChar char="•"/>
-            </a:pPr>
-            <a:r>
-              <a:rPr lang="de-DE" dirty="0" smtClean="0">
-                <a:solidFill>
-                  <a:schemeClr val="accent6">
-                    <a:lumMod val="50000"/>
-                  </a:schemeClr>
-                </a:solidFill>
-                <a:latin typeface="Liberation Serif" panose="02020603050405020304" pitchFamily="18" charset="0"/>
-              </a:rPr>
-              <a:t>Beispiele</a:t>
-            </a:r>
-          </a:p>
-          <a:p>
-            <a:pPr marL="342900" indent="-342900">
-              <a:lnSpc>
-                <a:spcPct val="150000"/>
-              </a:lnSpc>
-              <a:buFont typeface="Arial" panose="020B0604020202020204" pitchFamily="34" charset="0"/>
-              <a:buChar char="•"/>
-            </a:pPr>
-            <a:r>
-              <a:rPr lang="de-DE" dirty="0" smtClean="0">
-                <a:solidFill>
-                  <a:schemeClr val="accent6">
-                    <a:lumMod val="50000"/>
-                  </a:schemeClr>
-                </a:solidFill>
-                <a:latin typeface="Liberation Serif" panose="02020603050405020304" pitchFamily="18" charset="0"/>
-              </a:rPr>
-              <a:t>…</a:t>
-            </a:r>
-          </a:p>
-          <a:p>
-            <a:pPr marL="342900" indent="-342900">
-              <a:lnSpc>
-                <a:spcPct val="150000"/>
-              </a:lnSpc>
-              <a:buFont typeface="Arial" panose="020B0604020202020204" pitchFamily="34" charset="0"/>
-              <a:buChar char="•"/>
-            </a:pPr>
-            <a:endParaRPr lang="de-DE" dirty="0">
-              <a:solidFill>
-                <a:schemeClr val="tx1">
-                  <a:lumMod val="50000"/>
-                </a:schemeClr>
-              </a:solidFill>
-              <a:latin typeface="Liberation Serif" panose="02020603050405020304" pitchFamily="18" charset="0"/>
-            </a:endParaRPr>
           </a:p>
         </p:txBody>
       </p:sp>
-      <mc:AlternateContent xmlns:mc="http://schemas.openxmlformats.org/markup-compatibility/2006" xmlns:p14="http://schemas.microsoft.com/office/powerpoint/2010/main">
-        <mc:Choice Requires="p14">
-          <p:contentPart p14:bwMode="auto" r:id="rId3">
-            <p14:nvContentPartPr>
-              <p14:cNvPr id="18" name="Freihand 17">
-                <a:extLst>
-                  <a:ext uri="{FF2B5EF4-FFF2-40B4-BE49-F238E27FC236}">
-                    <a16:creationId xmlns:a16="http://schemas.microsoft.com/office/drawing/2014/main" id="{68850856-7FC9-4F43-B816-C87DB11EF081}"/>
-                  </a:ext>
-                </a:extLst>
-              </p14:cNvPr>
-              <p14:cNvContentPartPr/>
-              <p14:nvPr/>
-            </p14:nvContentPartPr>
-            <p14:xfrm>
-              <a:off x="15107240" y="1047120"/>
-              <a:ext cx="7920" cy="360"/>
-            </p14:xfrm>
-          </p:contentPart>
-        </mc:Choice>
-        <mc:Fallback xmlns="">
-          <p:pic>
-            <p:nvPicPr>
-              <p:cNvPr id="18" name="Freihand 17">
-                <a:extLst>
-                  <a:ext uri="{FF2B5EF4-FFF2-40B4-BE49-F238E27FC236}">
-                    <a16:creationId xmlns:a16="http://schemas.microsoft.com/office/drawing/2014/main" id="{68850856-7FC9-4F43-B816-C87DB11EF081}"/>
-                  </a:ext>
-                </a:extLst>
-              </p:cNvPr>
-              <p:cNvPicPr/>
-              <p:nvPr/>
-            </p:nvPicPr>
-            <p:blipFill>
-              <a:blip r:embed="rId4"/>
-              <a:stretch>
-                <a:fillRect/>
-              </a:stretch>
-            </p:blipFill>
-            <p:spPr>
-              <a:xfrm>
-                <a:off x="15098240" y="1038120"/>
-                <a:ext cx="25560" cy="18000"/>
-              </a:xfrm>
-              <a:prstGeom prst="rect">
-                <a:avLst/>
-              </a:prstGeom>
-            </p:spPr>
-          </p:pic>
-        </mc:Fallback>
-      </mc:AlternateContent>
     </p:spTree>
     <p:extLst>
       <p:ext uri="{BB962C8B-B14F-4D97-AF65-F5344CB8AC3E}">
-        <p14:creationId xmlns:p14="http://schemas.microsoft.com/office/powerpoint/2010/main" val="197504124"/>
+        <p14:creationId xmlns:p14="http://schemas.microsoft.com/office/powerpoint/2010/main" val="4162257437"/>
       </p:ext>
     </p:extLst>
   </p:cSld>
   <p:clrMapOvr>
     <a:masterClrMapping/>
   </p:clrMapOvr>
-  <mc:AlternateContent xmlns:mc="http://schemas.openxmlformats.org/markup-compatibility/2006" xmlns:p14="http://schemas.microsoft.com/office/powerpoint/2010/main">
-    <mc:Choice Requires="p14">
-      <p:transition spd="med" p14:dur="700">
-        <p:fade/>
-      </p:transition>
-    </mc:Choice>
-    <mc:Fallback xmlns="">
-      <p:transition spd="med">
-        <p:fade/>
-      </p:transition>
-    </mc:Fallback>
-  </mc:AlternateContent>
 </p:sld>
 </file>
 
-<file path=ppt/slides/slide3.xml><?xml version="1.0" encoding="utf-8"?>
+<file path=ppt/slides/slide2.xml><?xml version="1.0" encoding="utf-8"?>
 <p:sld xmlns:a="http://schemas.openxmlformats.org/drawingml/2006/main" xmlns:r="http://schemas.openxmlformats.org/officeDocument/2006/relationships" xmlns:p="http://schemas.openxmlformats.org/presentationml/2006/main">
   <p:cSld>
     <p:spTree>
@@ -2915,45 +2898,48 @@
               <a:buNone/>
             </a:pPr>
             <a:r>
-              <a:rPr lang="de-DE" sz="2400" dirty="0">
+              <a:rPr lang="de-DE" sz="2800" dirty="0">
                 <a:solidFill>
                   <a:schemeClr val="accent6">
                     <a:lumMod val="50000"/>
                   </a:schemeClr>
                 </a:solidFill>
               </a:rPr>
-              <a:t>Ein numerisches Verfahren heißt </a:t>
+              <a:t>der Zustand, in dem eine geringe Störung in einem System keine </a:t>
             </a:r>
             <a:r>
-              <a:rPr lang="de-DE" sz="2400" b="1" dirty="0">
+              <a:rPr lang="de-DE" sz="2800" dirty="0" smtClean="0">
                 <a:solidFill>
                   <a:schemeClr val="accent6">
                     <a:lumMod val="50000"/>
                   </a:schemeClr>
                 </a:solidFill>
               </a:rPr>
-              <a:t>stabil</a:t>
+              <a:t>störenden </a:t>
             </a:r>
             <a:r>
-              <a:rPr lang="de-DE" sz="2400" dirty="0">
+              <a:rPr lang="de-DE" sz="2800" dirty="0">
                 <a:solidFill>
                   <a:schemeClr val="accent6">
                     <a:lumMod val="50000"/>
                   </a:schemeClr>
                 </a:solidFill>
               </a:rPr>
-              <a:t>, wenn es gegenüber kleinen Störungen der Daten unempfindlich ist. Insbesondere bedeutet dies, dass sich Rundungsfehler nicht zu stark auf die Berechnung auswirken.</a:t>
+              <a:t>Auswirkungen auf dieses System </a:t>
             </a:r>
-            <a:endParaRPr lang="de-DE" sz="1400" dirty="0">
-              <a:solidFill>
-                <a:schemeClr val="accent6">
-                  <a:lumMod val="50000"/>
-                </a:schemeClr>
-              </a:solidFill>
-            </a:endParaRPr>
+            <a:r>
+              <a:rPr lang="de-DE" sz="2800" dirty="0" smtClean="0">
+                <a:solidFill>
+                  <a:schemeClr val="accent6">
+                    <a:lumMod val="50000"/>
+                  </a:schemeClr>
+                </a:solidFill>
+              </a:rPr>
+              <a:t>hat.</a:t>
+            </a:r>
           </a:p>
           <a:p>
-            <a:pPr marL="0" indent="0">
+            <a:pPr marL="0" indent="0" fontAlgn="t">
               <a:lnSpc>
                 <a:spcPct val="150000"/>
               </a:lnSpc>
@@ -3046,8 +3032,8 @@
         </p:nvGrpSpPr>
         <p:grpSpPr>
           <a:xfrm>
-            <a:off x="7720330" y="1592751"/>
-            <a:ext cx="2877861" cy="3504623"/>
+            <a:off x="7104112" y="1124744"/>
+            <a:ext cx="4142151" cy="4608511"/>
             <a:chOff x="7720330" y="1592751"/>
             <a:chExt cx="2877861" cy="3504623"/>
           </a:xfrm>
@@ -3385,7 +3371,4711 @@
 </p:sld>
 </file>
 
+<file path=ppt/slides/slide3.xml><?xml version="1.0" encoding="utf-8"?>
+<p:sld xmlns:a="http://schemas.openxmlformats.org/drawingml/2006/main" xmlns:r="http://schemas.openxmlformats.org/officeDocument/2006/relationships" xmlns:p="http://schemas.openxmlformats.org/presentationml/2006/main">
+  <p:cSld>
+    <p:spTree>
+      <p:nvGrpSpPr>
+        <p:cNvPr id="1" name=""/>
+        <p:cNvGrpSpPr/>
+        <p:nvPr/>
+      </p:nvGrpSpPr>
+      <p:grpSpPr>
+        <a:xfrm>
+          <a:off x="0" y="0"/>
+          <a:ext cx="0" cy="0"/>
+          <a:chOff x="0" y="0"/>
+          <a:chExt cx="0" cy="0"/>
+        </a:xfrm>
+      </p:grpSpPr>
+      <p:sp>
+        <p:nvSpPr>
+          <p:cNvPr id="3" name="Заголовок 2"/>
+          <p:cNvSpPr>
+            <a:spLocks noGrp="1"/>
+          </p:cNvSpPr>
+          <p:nvPr>
+            <p:ph type="title"/>
+          </p:nvPr>
+        </p:nvSpPr>
+        <p:spPr/>
+        <p:txBody>
+          <a:bodyPr/>
+          <a:lstStyle/>
+          <a:p>
+            <a:r>
+              <a:rPr lang="en-US" dirty="0"/>
+              <a:t> </a:t>
+            </a:r>
+            <a:r>
+              <a:rPr lang="en-US" dirty="0" err="1"/>
+              <a:t>Lösung</a:t>
+            </a:r>
+            <a:r>
+              <a:rPr lang="en-US" dirty="0"/>
+              <a:t> </a:t>
+            </a:r>
+            <a:r>
+              <a:rPr lang="en-US" dirty="0" err="1"/>
+              <a:t>einer</a:t>
+            </a:r>
+            <a:r>
+              <a:rPr lang="en-US" dirty="0"/>
+              <a:t> </a:t>
+            </a:r>
+            <a:r>
+              <a:rPr lang="en-US" dirty="0" err="1" smtClean="0"/>
+              <a:t>Differentialgleichung</a:t>
+            </a:r>
+            <a:r>
+              <a:rPr lang="en-US" dirty="0" smtClean="0"/>
+              <a:t>  </a:t>
+            </a:r>
+            <a:endParaRPr lang="ru-RU" dirty="0"/>
+          </a:p>
+        </p:txBody>
+      </p:sp>
+      <mc:AlternateContent xmlns:mc="http://schemas.openxmlformats.org/markup-compatibility/2006">
+        <mc:Choice xmlns:a14="http://schemas.microsoft.com/office/drawing/2010/main" Requires="a14">
+          <p:sp>
+            <p:nvSpPr>
+              <p:cNvPr id="4" name="Inhaltsplatzhalter 12">
+                <a:extLst>
+                  <a:ext uri="{FF2B5EF4-FFF2-40B4-BE49-F238E27FC236}">
+                    <a16:creationId xmlns:a16="http://schemas.microsoft.com/office/drawing/2014/main" id="{07645024-0585-4061-B4E7-0E97AFA8FA8A}"/>
+                  </a:ext>
+                </a:extLst>
+              </p:cNvPr>
+              <p:cNvSpPr>
+                <a:spLocks noGrp="1"/>
+              </p:cNvSpPr>
+              <p:nvPr>
+                <p:ph idx="1"/>
+              </p:nvPr>
+            </p:nvSpPr>
+            <p:spPr>
+              <a:xfrm>
+                <a:off x="479376" y="1237986"/>
+                <a:ext cx="10943704" cy="4598718"/>
+              </a:xfrm>
+              <a:prstGeom prst="rect">
+                <a:avLst/>
+              </a:prstGeom>
+            </p:spPr>
+            <p:txBody>
+              <a:bodyPr lIns="0" numCol="3">
+                <a:noAutofit/>
+              </a:bodyPr>
+              <a:lstStyle/>
+              <a:p>
+                <a:pPr fontAlgn="t">
+                  <a:lnSpc>
+                    <a:spcPct val="150000"/>
+                  </a:lnSpc>
+                </a:pPr>
+                <a:r>
+                  <a:rPr lang="de-DE" sz="2400" dirty="0" smtClean="0">
+                    <a:solidFill>
+                      <a:schemeClr val="accent6">
+                        <a:lumMod val="50000"/>
+                      </a:schemeClr>
+                    </a:solidFill>
+                  </a:rPr>
+                  <a:t> </a:t>
+                </a:r>
+                <a:r>
+                  <a:rPr lang="de-DE" sz="2400" dirty="0">
+                    <a:solidFill>
+                      <a:schemeClr val="accent6">
+                        <a:lumMod val="50000"/>
+                      </a:schemeClr>
+                    </a:solidFill>
+                  </a:rPr>
+                  <a:t>a</a:t>
+                </a:r>
+                <a:r>
+                  <a:rPr lang="de-DE" sz="2400" dirty="0" smtClean="0">
+                    <a:solidFill>
+                      <a:schemeClr val="accent6">
+                        <a:lumMod val="50000"/>
+                      </a:schemeClr>
+                    </a:solidFill>
+                  </a:rPr>
+                  <a:t>symptotisch stabil</a:t>
+                </a:r>
+              </a:p>
+              <a:p>
+                <a:pPr fontAlgn="t">
+                  <a:lnSpc>
+                    <a:spcPct val="150000"/>
+                  </a:lnSpc>
+                </a:pPr>
+                <a14:m>
+                  <m:oMathPara xmlns:m="http://schemas.openxmlformats.org/officeDocument/2006/math">
+                    <m:oMathParaPr>
+                      <m:jc m:val="centerGroup"/>
+                    </m:oMathParaPr>
+                    <m:oMath xmlns:m="http://schemas.openxmlformats.org/officeDocument/2006/math">
+                      <m:func>
+                        <m:funcPr>
+                          <m:ctrlPr>
+                            <a:rPr lang="de-DE" sz="2400" i="1" smtClean="0">
+                              <a:solidFill>
+                                <a:schemeClr val="accent6">
+                                  <a:lumMod val="50000"/>
+                                </a:schemeClr>
+                              </a:solidFill>
+                              <a:latin typeface="Cambria Math" panose="02040503050406030204" pitchFamily="18" charset="0"/>
+                            </a:rPr>
+                          </m:ctrlPr>
+                        </m:funcPr>
+                        <m:fName>
+                          <m:limLow>
+                            <m:limLowPr>
+                              <m:ctrlPr>
+                                <a:rPr lang="de-DE" sz="2400" i="1" smtClean="0">
+                                  <a:solidFill>
+                                    <a:schemeClr val="accent6">
+                                      <a:lumMod val="50000"/>
+                                    </a:schemeClr>
+                                  </a:solidFill>
+                                  <a:latin typeface="Cambria Math" panose="02040503050406030204" pitchFamily="18" charset="0"/>
+                                </a:rPr>
+                              </m:ctrlPr>
+                            </m:limLowPr>
+                            <m:e>
+                              <m:r>
+                                <m:rPr>
+                                  <m:sty m:val="p"/>
+                                </m:rPr>
+                                <a:rPr lang="de-DE" sz="2400" i="0" smtClean="0">
+                                  <a:solidFill>
+                                    <a:schemeClr val="accent6">
+                                      <a:lumMod val="50000"/>
+                                    </a:schemeClr>
+                                  </a:solidFill>
+                                  <a:latin typeface="Cambria Math" panose="02040503050406030204" pitchFamily="18" charset="0"/>
+                                </a:rPr>
+                                <m:t>lim</m:t>
+                              </m:r>
+                            </m:e>
+                            <m:lim>
+                              <m:r>
+                                <a:rPr lang="de-DE" sz="2400" b="1" i="1" smtClean="0">
+                                  <a:solidFill>
+                                    <a:schemeClr val="accent6">
+                                      <a:lumMod val="50000"/>
+                                    </a:schemeClr>
+                                  </a:solidFill>
+                                  <a:latin typeface="Cambria Math" panose="02040503050406030204" pitchFamily="18" charset="0"/>
+                                  <a:ea typeface="Cambria Math" panose="02040503050406030204" pitchFamily="18" charset="0"/>
+                                </a:rPr>
+                                <m:t>𝒙</m:t>
+                              </m:r>
+                              <m:r>
+                                <a:rPr lang="de-DE" sz="2400" b="1" i="1" smtClean="0">
+                                  <a:solidFill>
+                                    <a:schemeClr val="accent6">
+                                      <a:lumMod val="50000"/>
+                                    </a:schemeClr>
+                                  </a:solidFill>
+                                  <a:latin typeface="Cambria Math" panose="02040503050406030204" pitchFamily="18" charset="0"/>
+                                  <a:ea typeface="Cambria Math" panose="02040503050406030204" pitchFamily="18" charset="0"/>
+                                </a:rPr>
+                                <m:t>→∞</m:t>
+                              </m:r>
+                            </m:lim>
+                          </m:limLow>
+                        </m:fName>
+                        <m:e>
+                          <m:sSub>
+                            <m:sSubPr>
+                              <m:ctrlPr>
+                                <a:rPr lang="de-DE" sz="2400" b="1" i="1" smtClean="0">
+                                  <a:solidFill>
+                                    <a:schemeClr val="accent6">
+                                      <a:lumMod val="50000"/>
+                                    </a:schemeClr>
+                                  </a:solidFill>
+                                  <a:latin typeface="Cambria Math" panose="02040503050406030204" pitchFamily="18" charset="0"/>
+                                </a:rPr>
+                              </m:ctrlPr>
+                            </m:sSubPr>
+                            <m:e>
+                              <m:r>
+                                <a:rPr lang="de-DE" sz="2400" b="1" i="1" smtClean="0">
+                                  <a:solidFill>
+                                    <a:schemeClr val="accent6">
+                                      <a:lumMod val="50000"/>
+                                    </a:schemeClr>
+                                  </a:solidFill>
+                                  <a:latin typeface="Cambria Math" panose="02040503050406030204" pitchFamily="18" charset="0"/>
+                                </a:rPr>
+                                <m:t>𝑭</m:t>
+                              </m:r>
+                            </m:e>
+                            <m:sub>
+                              <m:r>
+                                <a:rPr lang="de-DE" sz="2400" b="1" i="1" smtClean="0">
+                                  <a:solidFill>
+                                    <a:schemeClr val="accent6">
+                                      <a:lumMod val="50000"/>
+                                    </a:schemeClr>
+                                  </a:solidFill>
+                                  <a:latin typeface="Cambria Math" panose="02040503050406030204" pitchFamily="18" charset="0"/>
+                                </a:rPr>
+                                <m:t>𝟏</m:t>
+                              </m:r>
+                            </m:sub>
+                          </m:sSub>
+                          <m:d>
+                            <m:dPr>
+                              <m:ctrlPr>
+                                <a:rPr lang="de-DE" sz="2400" b="1" i="1" smtClean="0">
+                                  <a:solidFill>
+                                    <a:schemeClr val="accent6">
+                                      <a:lumMod val="50000"/>
+                                    </a:schemeClr>
+                                  </a:solidFill>
+                                  <a:latin typeface="Cambria Math" panose="02040503050406030204" pitchFamily="18" charset="0"/>
+                                </a:rPr>
+                              </m:ctrlPr>
+                            </m:dPr>
+                            <m:e>
+                              <m:r>
+                                <a:rPr lang="de-DE" sz="2400" b="1" i="1" smtClean="0">
+                                  <a:solidFill>
+                                    <a:schemeClr val="accent6">
+                                      <a:lumMod val="50000"/>
+                                    </a:schemeClr>
+                                  </a:solidFill>
+                                  <a:latin typeface="Cambria Math" panose="02040503050406030204" pitchFamily="18" charset="0"/>
+                                </a:rPr>
+                                <m:t>𝒙</m:t>
+                              </m:r>
+                            </m:e>
+                          </m:d>
+                          <m:r>
+                            <a:rPr lang="de-DE" sz="2400" b="1" i="1" smtClean="0">
+                              <a:solidFill>
+                                <a:schemeClr val="accent6">
+                                  <a:lumMod val="50000"/>
+                                </a:schemeClr>
+                              </a:solidFill>
+                              <a:latin typeface="Cambria Math" panose="02040503050406030204" pitchFamily="18" charset="0"/>
+                            </a:rPr>
+                            <m:t>−</m:t>
+                          </m:r>
+                          <m:sSub>
+                            <m:sSubPr>
+                              <m:ctrlPr>
+                                <a:rPr lang="de-DE" sz="2400" i="1">
+                                  <a:solidFill>
+                                    <a:schemeClr val="accent6">
+                                      <a:lumMod val="50000"/>
+                                    </a:schemeClr>
+                                  </a:solidFill>
+                                  <a:latin typeface="Cambria Math" panose="02040503050406030204" pitchFamily="18" charset="0"/>
+                                </a:rPr>
+                              </m:ctrlPr>
+                            </m:sSubPr>
+                            <m:e>
+                              <m:r>
+                                <a:rPr lang="de-DE" sz="2400" i="1">
+                                  <a:solidFill>
+                                    <a:schemeClr val="accent6">
+                                      <a:lumMod val="50000"/>
+                                    </a:schemeClr>
+                                  </a:solidFill>
+                                  <a:latin typeface="Cambria Math" panose="02040503050406030204" pitchFamily="18" charset="0"/>
+                                </a:rPr>
+                                <m:t>𝑭</m:t>
+                              </m:r>
+                            </m:e>
+                            <m:sub>
+                              <m:r>
+                                <a:rPr lang="de-DE" sz="2400" b="1" i="1" smtClean="0">
+                                  <a:solidFill>
+                                    <a:schemeClr val="accent6">
+                                      <a:lumMod val="50000"/>
+                                    </a:schemeClr>
+                                  </a:solidFill>
+                                  <a:latin typeface="Cambria Math" panose="02040503050406030204" pitchFamily="18" charset="0"/>
+                                </a:rPr>
+                                <m:t>𝟐</m:t>
+                              </m:r>
+                            </m:sub>
+                          </m:sSub>
+                          <m:d>
+                            <m:dPr>
+                              <m:ctrlPr>
+                                <a:rPr lang="de-DE" sz="2400" i="1">
+                                  <a:solidFill>
+                                    <a:schemeClr val="accent6">
+                                      <a:lumMod val="50000"/>
+                                    </a:schemeClr>
+                                  </a:solidFill>
+                                  <a:latin typeface="Cambria Math" panose="02040503050406030204" pitchFamily="18" charset="0"/>
+                                </a:rPr>
+                              </m:ctrlPr>
+                            </m:dPr>
+                            <m:e>
+                              <m:r>
+                                <a:rPr lang="de-DE" sz="2400" i="1">
+                                  <a:solidFill>
+                                    <a:schemeClr val="accent6">
+                                      <a:lumMod val="50000"/>
+                                    </a:schemeClr>
+                                  </a:solidFill>
+                                  <a:latin typeface="Cambria Math" panose="02040503050406030204" pitchFamily="18" charset="0"/>
+                                </a:rPr>
+                                <m:t>𝒙</m:t>
+                              </m:r>
+                            </m:e>
+                          </m:d>
+                          <m:r>
+                            <a:rPr lang="de-DE" sz="2400" b="1" i="1" smtClean="0">
+                              <a:solidFill>
+                                <a:schemeClr val="accent6">
+                                  <a:lumMod val="50000"/>
+                                </a:schemeClr>
+                              </a:solidFill>
+                              <a:latin typeface="Cambria Math" panose="02040503050406030204" pitchFamily="18" charset="0"/>
+                              <a:ea typeface="Cambria Math" panose="02040503050406030204" pitchFamily="18" charset="0"/>
+                            </a:rPr>
+                            <m:t>=</m:t>
+                          </m:r>
+                        </m:e>
+                      </m:func>
+                      <m:r>
+                        <a:rPr lang="de-DE" sz="2400" b="1" i="0" smtClean="0">
+                          <a:solidFill>
+                            <a:schemeClr val="accent6">
+                              <a:lumMod val="50000"/>
+                            </a:schemeClr>
+                          </a:solidFill>
+                          <a:latin typeface="Cambria Math" panose="02040503050406030204" pitchFamily="18" charset="0"/>
+                        </a:rPr>
+                        <m:t>𝟎</m:t>
+                      </m:r>
+                    </m:oMath>
+                  </m:oMathPara>
+                </a14:m>
+                <a:endParaRPr lang="de-DE" sz="2400" b="1" dirty="0" smtClean="0">
+                  <a:solidFill>
+                    <a:schemeClr val="accent6">
+                      <a:lumMod val="50000"/>
+                    </a:schemeClr>
+                  </a:solidFill>
+                </a:endParaRPr>
+              </a:p>
+              <a:p>
+                <a:pPr fontAlgn="t">
+                  <a:lnSpc>
+                    <a:spcPct val="150000"/>
+                  </a:lnSpc>
+                </a:pPr>
+                <a:r>
+                  <a:rPr lang="de-DE" sz="2400" dirty="0" smtClean="0">
+                    <a:solidFill>
+                      <a:schemeClr val="accent6">
+                        <a:lumMod val="50000"/>
+                      </a:schemeClr>
+                    </a:solidFill>
+                  </a:rPr>
+                  <a:t>Beispiel:</a:t>
+                </a:r>
+              </a:p>
+              <a:p>
+                <a:pPr algn="ctr" fontAlgn="t">
+                  <a:lnSpc>
+                    <a:spcPct val="150000"/>
+                  </a:lnSpc>
+                </a:pPr>
+                <a14:m>
+                  <m:oMathPara xmlns:m="http://schemas.openxmlformats.org/officeDocument/2006/math">
+                    <m:oMathParaPr>
+                      <m:jc m:val="centerGroup"/>
+                    </m:oMathParaPr>
+                    <m:oMath xmlns:m="http://schemas.openxmlformats.org/officeDocument/2006/math">
+                      <m:f>
+                        <m:fPr>
+                          <m:ctrlPr>
+                            <a:rPr lang="ru-RU" sz="2400">
+                              <a:solidFill>
+                                <a:schemeClr val="accent6">
+                                  <a:lumMod val="50000"/>
+                                </a:schemeClr>
+                              </a:solidFill>
+                            </a:rPr>
+                          </m:ctrlPr>
+                        </m:fPr>
+                        <m:num>
+                          <m:r>
+                            <a:rPr lang="de-DE" sz="2400">
+                              <a:solidFill>
+                                <a:schemeClr val="accent6">
+                                  <a:lumMod val="50000"/>
+                                </a:schemeClr>
+                              </a:solidFill>
+                            </a:rPr>
+                            <m:t>𝒅𝒚</m:t>
+                          </m:r>
+                        </m:num>
+                        <m:den>
+                          <m:r>
+                            <a:rPr lang="de-DE" sz="2400">
+                              <a:solidFill>
+                                <a:schemeClr val="accent6">
+                                  <a:lumMod val="50000"/>
+                                </a:schemeClr>
+                              </a:solidFill>
+                            </a:rPr>
+                            <m:t>𝒅𝒙</m:t>
+                          </m:r>
+                        </m:den>
+                      </m:f>
+                      <m:r>
+                        <a:rPr lang="de-DE" sz="2400">
+                          <a:solidFill>
+                            <a:schemeClr val="accent6">
+                              <a:lumMod val="50000"/>
+                            </a:schemeClr>
+                          </a:solidFill>
+                        </a:rPr>
+                        <m:t>=−</m:t>
+                      </m:r>
+                      <m:r>
+                        <a:rPr lang="de-DE" sz="2400">
+                          <a:solidFill>
+                            <a:schemeClr val="accent6">
+                              <a:lumMod val="50000"/>
+                            </a:schemeClr>
+                          </a:solidFill>
+                        </a:rPr>
+                        <m:t>𝒚</m:t>
+                      </m:r>
+                      <m:d>
+                        <m:dPr>
+                          <m:ctrlPr>
+                            <a:rPr lang="ru-RU" sz="2400">
+                              <a:solidFill>
+                                <a:schemeClr val="accent6">
+                                  <a:lumMod val="50000"/>
+                                </a:schemeClr>
+                              </a:solidFill>
+                            </a:rPr>
+                          </m:ctrlPr>
+                        </m:dPr>
+                        <m:e>
+                          <m:r>
+                            <a:rPr lang="de-DE" sz="2400">
+                              <a:solidFill>
+                                <a:schemeClr val="accent6">
+                                  <a:lumMod val="50000"/>
+                                </a:schemeClr>
+                              </a:solidFill>
+                            </a:rPr>
+                            <m:t>𝒙</m:t>
+                          </m:r>
+                        </m:e>
+                      </m:d>
+                    </m:oMath>
+                  </m:oMathPara>
+                </a14:m>
+                <a:endParaRPr lang="de-DE" sz="2400" dirty="0" smtClean="0">
+                  <a:solidFill>
+                    <a:schemeClr val="accent6">
+                      <a:lumMod val="50000"/>
+                    </a:schemeClr>
+                  </a:solidFill>
+                </a:endParaRPr>
+              </a:p>
+              <a:p>
+                <a:pPr algn="ctr" fontAlgn="t">
+                  <a:lnSpc>
+                    <a:spcPct val="150000"/>
+                  </a:lnSpc>
+                </a:pPr>
+                <a14:m>
+                  <m:oMath xmlns:m="http://schemas.openxmlformats.org/officeDocument/2006/math">
+                    <m:sSub>
+                      <m:sSubPr>
+                        <m:ctrlPr>
+                          <a:rPr lang="ru-RU" sz="2400">
+                            <a:solidFill>
+                              <a:schemeClr val="accent6">
+                                <a:lumMod val="50000"/>
+                              </a:schemeClr>
+                            </a:solidFill>
+                          </a:rPr>
+                        </m:ctrlPr>
+                      </m:sSubPr>
+                      <m:e>
+                        <m:r>
+                          <a:rPr lang="de-DE" sz="2400">
+                            <a:solidFill>
+                              <a:schemeClr val="accent6">
+                                <a:lumMod val="50000"/>
+                              </a:schemeClr>
+                            </a:solidFill>
+                          </a:rPr>
+                          <m:t>𝑭</m:t>
+                        </m:r>
+                      </m:e>
+                      <m:sub>
+                        <m:r>
+                          <a:rPr lang="de-DE" sz="2400">
+                            <a:solidFill>
+                              <a:schemeClr val="accent6">
+                                <a:lumMod val="50000"/>
+                              </a:schemeClr>
+                            </a:solidFill>
+                          </a:rPr>
+                          <m:t>𝟏</m:t>
+                        </m:r>
+                      </m:sub>
+                    </m:sSub>
+                    <m:d>
+                      <m:dPr>
+                        <m:ctrlPr>
+                          <a:rPr lang="ru-RU" sz="2400">
+                            <a:solidFill>
+                              <a:schemeClr val="accent6">
+                                <a:lumMod val="50000"/>
+                              </a:schemeClr>
+                            </a:solidFill>
+                          </a:rPr>
+                        </m:ctrlPr>
+                      </m:dPr>
+                      <m:e>
+                        <m:r>
+                          <a:rPr lang="de-DE" sz="2400">
+                            <a:solidFill>
+                              <a:schemeClr val="accent6">
+                                <a:lumMod val="50000"/>
+                              </a:schemeClr>
+                            </a:solidFill>
+                          </a:rPr>
+                          <m:t>𝒙</m:t>
+                        </m:r>
+                      </m:e>
+                    </m:d>
+                    <m:r>
+                      <a:rPr lang="de-DE" sz="2400">
+                        <a:solidFill>
+                          <a:schemeClr val="accent6">
+                            <a:lumMod val="50000"/>
+                          </a:schemeClr>
+                        </a:solidFill>
+                      </a:rPr>
+                      <m:t>=</m:t>
+                    </m:r>
+                    <m:sSub>
+                      <m:sSubPr>
+                        <m:ctrlPr>
+                          <a:rPr lang="ru-RU" sz="2400">
+                            <a:solidFill>
+                              <a:schemeClr val="accent6">
+                                <a:lumMod val="50000"/>
+                              </a:schemeClr>
+                            </a:solidFill>
+                          </a:rPr>
+                        </m:ctrlPr>
+                      </m:sSubPr>
+                      <m:e>
+                        <m:r>
+                          <a:rPr lang="de-DE" sz="2400">
+                            <a:solidFill>
+                              <a:schemeClr val="accent6">
+                                <a:lumMod val="50000"/>
+                              </a:schemeClr>
+                            </a:solidFill>
+                          </a:rPr>
+                          <m:t>𝒄</m:t>
+                        </m:r>
+                      </m:e>
+                      <m:sub>
+                        <m:r>
+                          <a:rPr lang="de-DE" sz="2400">
+                            <a:solidFill>
+                              <a:schemeClr val="accent6">
+                                <a:lumMod val="50000"/>
+                              </a:schemeClr>
+                            </a:solidFill>
+                          </a:rPr>
+                          <m:t>𝟏</m:t>
+                        </m:r>
+                      </m:sub>
+                    </m:sSub>
+                    <m:sSup>
+                      <m:sSupPr>
+                        <m:ctrlPr>
+                          <a:rPr lang="ru-RU" sz="2400">
+                            <a:solidFill>
+                              <a:schemeClr val="accent6">
+                                <a:lumMod val="50000"/>
+                              </a:schemeClr>
+                            </a:solidFill>
+                          </a:rPr>
+                        </m:ctrlPr>
+                      </m:sSupPr>
+                      <m:e>
+                        <m:r>
+                          <a:rPr lang="de-DE" sz="2400">
+                            <a:solidFill>
+                              <a:schemeClr val="accent6">
+                                <a:lumMod val="50000"/>
+                              </a:schemeClr>
+                            </a:solidFill>
+                          </a:rPr>
+                          <m:t>𝒆</m:t>
+                        </m:r>
+                      </m:e>
+                      <m:sup>
+                        <m:r>
+                          <a:rPr lang="de-DE" sz="2400">
+                            <a:solidFill>
+                              <a:schemeClr val="accent6">
+                                <a:lumMod val="50000"/>
+                              </a:schemeClr>
+                            </a:solidFill>
+                          </a:rPr>
+                          <m:t>−</m:t>
+                        </m:r>
+                        <m:r>
+                          <a:rPr lang="de-DE" sz="2400">
+                            <a:solidFill>
+                              <a:schemeClr val="accent6">
+                                <a:lumMod val="50000"/>
+                              </a:schemeClr>
+                            </a:solidFill>
+                          </a:rPr>
+                          <m:t>𝒙</m:t>
+                        </m:r>
+                      </m:sup>
+                    </m:sSup>
+                    <m:r>
+                      <a:rPr lang="de-DE" sz="2400">
+                        <a:solidFill>
+                          <a:schemeClr val="accent6">
+                            <a:lumMod val="50000"/>
+                          </a:schemeClr>
+                        </a:solidFill>
+                      </a:rPr>
+                      <m:t>            </m:t>
+                    </m:r>
+                    <m:sSub>
+                      <m:sSubPr>
+                        <m:ctrlPr>
+                          <a:rPr lang="ru-RU" sz="2400">
+                            <a:solidFill>
+                              <a:schemeClr val="accent6">
+                                <a:lumMod val="50000"/>
+                              </a:schemeClr>
+                            </a:solidFill>
+                          </a:rPr>
+                        </m:ctrlPr>
+                      </m:sSubPr>
+                      <m:e>
+                        <m:r>
+                          <a:rPr lang="de-DE" sz="2400">
+                            <a:solidFill>
+                              <a:schemeClr val="accent6">
+                                <a:lumMod val="50000"/>
+                              </a:schemeClr>
+                            </a:solidFill>
+                          </a:rPr>
+                          <m:t>𝑭</m:t>
+                        </m:r>
+                      </m:e>
+                      <m:sub>
+                        <m:r>
+                          <a:rPr lang="de-DE" sz="2400">
+                            <a:solidFill>
+                              <a:schemeClr val="accent6">
+                                <a:lumMod val="50000"/>
+                              </a:schemeClr>
+                            </a:solidFill>
+                          </a:rPr>
+                          <m:t>𝟐</m:t>
+                        </m:r>
+                      </m:sub>
+                    </m:sSub>
+                    <m:d>
+                      <m:dPr>
+                        <m:ctrlPr>
+                          <a:rPr lang="ru-RU" sz="2400">
+                            <a:solidFill>
+                              <a:schemeClr val="accent6">
+                                <a:lumMod val="50000"/>
+                              </a:schemeClr>
+                            </a:solidFill>
+                          </a:rPr>
+                        </m:ctrlPr>
+                      </m:dPr>
+                      <m:e>
+                        <m:r>
+                          <a:rPr lang="de-DE" sz="2400">
+                            <a:solidFill>
+                              <a:schemeClr val="accent6">
+                                <a:lumMod val="50000"/>
+                              </a:schemeClr>
+                            </a:solidFill>
+                          </a:rPr>
+                          <m:t>𝒙</m:t>
+                        </m:r>
+                      </m:e>
+                    </m:d>
+                    <m:r>
+                      <a:rPr lang="de-DE" sz="2400">
+                        <a:solidFill>
+                          <a:schemeClr val="accent6">
+                            <a:lumMod val="50000"/>
+                          </a:schemeClr>
+                        </a:solidFill>
+                      </a:rPr>
+                      <m:t>=</m:t>
+                    </m:r>
+                    <m:sSub>
+                      <m:sSubPr>
+                        <m:ctrlPr>
+                          <a:rPr lang="ru-RU" sz="2400">
+                            <a:solidFill>
+                              <a:schemeClr val="accent6">
+                                <a:lumMod val="50000"/>
+                              </a:schemeClr>
+                            </a:solidFill>
+                          </a:rPr>
+                        </m:ctrlPr>
+                      </m:sSubPr>
+                      <m:e>
+                        <m:r>
+                          <a:rPr lang="de-DE" sz="2400">
+                            <a:solidFill>
+                              <a:schemeClr val="accent6">
+                                <a:lumMod val="50000"/>
+                              </a:schemeClr>
+                            </a:solidFill>
+                          </a:rPr>
+                          <m:t>𝒄</m:t>
+                        </m:r>
+                      </m:e>
+                      <m:sub>
+                        <m:r>
+                          <a:rPr lang="de-DE" sz="2400">
+                            <a:solidFill>
+                              <a:schemeClr val="accent6">
+                                <a:lumMod val="50000"/>
+                              </a:schemeClr>
+                            </a:solidFill>
+                          </a:rPr>
+                          <m:t>𝟐</m:t>
+                        </m:r>
+                      </m:sub>
+                    </m:sSub>
+                    <m:sSup>
+                      <m:sSupPr>
+                        <m:ctrlPr>
+                          <a:rPr lang="ru-RU" sz="2400">
+                            <a:solidFill>
+                              <a:schemeClr val="accent6">
+                                <a:lumMod val="50000"/>
+                              </a:schemeClr>
+                            </a:solidFill>
+                          </a:rPr>
+                        </m:ctrlPr>
+                      </m:sSupPr>
+                      <m:e>
+                        <m:r>
+                          <a:rPr lang="de-DE" sz="2400">
+                            <a:solidFill>
+                              <a:schemeClr val="accent6">
+                                <a:lumMod val="50000"/>
+                              </a:schemeClr>
+                            </a:solidFill>
+                          </a:rPr>
+                          <m:t>𝒆</m:t>
+                        </m:r>
+                      </m:e>
+                      <m:sup>
+                        <m:r>
+                          <a:rPr lang="de-DE" sz="2400">
+                            <a:solidFill>
+                              <a:schemeClr val="accent6">
+                                <a:lumMod val="50000"/>
+                              </a:schemeClr>
+                            </a:solidFill>
+                          </a:rPr>
+                          <m:t>−</m:t>
+                        </m:r>
+                        <m:r>
+                          <a:rPr lang="de-DE" sz="2400">
+                            <a:solidFill>
+                              <a:schemeClr val="accent6">
+                                <a:lumMod val="50000"/>
+                              </a:schemeClr>
+                            </a:solidFill>
+                          </a:rPr>
+                          <m:t>𝒙</m:t>
+                        </m:r>
+                      </m:sup>
+                    </m:sSup>
+                  </m:oMath>
+                </a14:m>
+                <a:r>
+                  <a:rPr lang="de-DE" sz="2400" dirty="0">
+                    <a:solidFill>
+                      <a:schemeClr val="accent6">
+                        <a:lumMod val="50000"/>
+                      </a:schemeClr>
+                    </a:solidFill>
+                  </a:rPr>
+                  <a:t> </a:t>
+                </a:r>
+                <a:endParaRPr lang="ru-RU" sz="2400" dirty="0">
+                  <a:solidFill>
+                    <a:schemeClr val="accent6">
+                      <a:lumMod val="50000"/>
+                    </a:schemeClr>
+                  </a:solidFill>
+                </a:endParaRPr>
+              </a:p>
+              <a:p>
+                <a:pPr algn="ctr" fontAlgn="t">
+                  <a:lnSpc>
+                    <a:spcPct val="150000"/>
+                  </a:lnSpc>
+                </a:pPr>
+                <a14:m>
+                  <m:oMathPara xmlns:m="http://schemas.openxmlformats.org/officeDocument/2006/math">
+                    <m:oMathParaPr>
+                      <m:jc m:val="centerGroup"/>
+                    </m:oMathParaPr>
+                    <m:oMath xmlns:m="http://schemas.openxmlformats.org/officeDocument/2006/math">
+                      <m:func>
+                        <m:funcPr>
+                          <m:ctrlPr>
+                            <a:rPr lang="ru-RU" sz="2400">
+                              <a:solidFill>
+                                <a:schemeClr val="accent6">
+                                  <a:lumMod val="50000"/>
+                                </a:schemeClr>
+                              </a:solidFill>
+                            </a:rPr>
+                          </m:ctrlPr>
+                        </m:funcPr>
+                        <m:fName>
+                          <m:limLow>
+                            <m:limLowPr>
+                              <m:ctrlPr>
+                                <a:rPr lang="ru-RU" sz="2400">
+                                  <a:solidFill>
+                                    <a:schemeClr val="accent6">
+                                      <a:lumMod val="50000"/>
+                                    </a:schemeClr>
+                                  </a:solidFill>
+                                </a:rPr>
+                              </m:ctrlPr>
+                            </m:limLowPr>
+                            <m:e>
+                              <m:r>
+                                <a:rPr lang="de-DE" sz="2400">
+                                  <a:solidFill>
+                                    <a:schemeClr val="accent6">
+                                      <a:lumMod val="50000"/>
+                                    </a:schemeClr>
+                                  </a:solidFill>
+                                </a:rPr>
+                                <m:t>𝒍𝒊𝒎</m:t>
+                              </m:r>
+                            </m:e>
+                            <m:lim>
+                              <m:r>
+                                <a:rPr lang="de-DE" sz="2400">
+                                  <a:solidFill>
+                                    <a:schemeClr val="accent6">
+                                      <a:lumMod val="50000"/>
+                                    </a:schemeClr>
+                                  </a:solidFill>
+                                </a:rPr>
+                                <m:t>𝒙</m:t>
+                              </m:r>
+                              <m:r>
+                                <a:rPr lang="de-DE" sz="2400">
+                                  <a:solidFill>
+                                    <a:schemeClr val="accent6">
+                                      <a:lumMod val="50000"/>
+                                    </a:schemeClr>
+                                  </a:solidFill>
+                                </a:rPr>
+                                <m:t>→∞</m:t>
+                              </m:r>
+                            </m:lim>
+                          </m:limLow>
+                        </m:fName>
+                        <m:e>
+                          <m:sSub>
+                            <m:sSubPr>
+                              <m:ctrlPr>
+                                <a:rPr lang="ru-RU" sz="2400">
+                                  <a:solidFill>
+                                    <a:schemeClr val="accent6">
+                                      <a:lumMod val="50000"/>
+                                    </a:schemeClr>
+                                  </a:solidFill>
+                                </a:rPr>
+                              </m:ctrlPr>
+                            </m:sSubPr>
+                            <m:e>
+                              <m:r>
+                                <a:rPr lang="de-DE" sz="2400">
+                                  <a:solidFill>
+                                    <a:schemeClr val="accent6">
+                                      <a:lumMod val="50000"/>
+                                    </a:schemeClr>
+                                  </a:solidFill>
+                                </a:rPr>
+                                <m:t>𝑭</m:t>
+                              </m:r>
+                            </m:e>
+                            <m:sub>
+                              <m:r>
+                                <a:rPr lang="de-DE" sz="2400">
+                                  <a:solidFill>
+                                    <a:schemeClr val="accent6">
+                                      <a:lumMod val="50000"/>
+                                    </a:schemeClr>
+                                  </a:solidFill>
+                                </a:rPr>
+                                <m:t>𝟏</m:t>
+                              </m:r>
+                            </m:sub>
+                          </m:sSub>
+                          <m:d>
+                            <m:dPr>
+                              <m:ctrlPr>
+                                <a:rPr lang="ru-RU" sz="2400">
+                                  <a:solidFill>
+                                    <a:schemeClr val="accent6">
+                                      <a:lumMod val="50000"/>
+                                    </a:schemeClr>
+                                  </a:solidFill>
+                                </a:rPr>
+                              </m:ctrlPr>
+                            </m:dPr>
+                            <m:e>
+                              <m:r>
+                                <a:rPr lang="de-DE" sz="2400">
+                                  <a:solidFill>
+                                    <a:schemeClr val="accent6">
+                                      <a:lumMod val="50000"/>
+                                    </a:schemeClr>
+                                  </a:solidFill>
+                                </a:rPr>
+                                <m:t>𝒙</m:t>
+                              </m:r>
+                            </m:e>
+                          </m:d>
+                          <m:r>
+                            <a:rPr lang="de-DE" sz="2400">
+                              <a:solidFill>
+                                <a:schemeClr val="accent6">
+                                  <a:lumMod val="50000"/>
+                                </a:schemeClr>
+                              </a:solidFill>
+                            </a:rPr>
+                            <m:t>−</m:t>
+                          </m:r>
+                          <m:sSub>
+                            <m:sSubPr>
+                              <m:ctrlPr>
+                                <a:rPr lang="ru-RU" sz="2400">
+                                  <a:solidFill>
+                                    <a:schemeClr val="accent6">
+                                      <a:lumMod val="50000"/>
+                                    </a:schemeClr>
+                                  </a:solidFill>
+                                </a:rPr>
+                              </m:ctrlPr>
+                            </m:sSubPr>
+                            <m:e>
+                              <m:r>
+                                <a:rPr lang="de-DE" sz="2400">
+                                  <a:solidFill>
+                                    <a:schemeClr val="accent6">
+                                      <a:lumMod val="50000"/>
+                                    </a:schemeClr>
+                                  </a:solidFill>
+                                </a:rPr>
+                                <m:t>𝑭</m:t>
+                              </m:r>
+                            </m:e>
+                            <m:sub>
+                              <m:r>
+                                <a:rPr lang="de-DE" sz="2400">
+                                  <a:solidFill>
+                                    <a:schemeClr val="accent6">
+                                      <a:lumMod val="50000"/>
+                                    </a:schemeClr>
+                                  </a:solidFill>
+                                </a:rPr>
+                                <m:t>𝟐</m:t>
+                              </m:r>
+                            </m:sub>
+                          </m:sSub>
+                          <m:d>
+                            <m:dPr>
+                              <m:ctrlPr>
+                                <a:rPr lang="ru-RU" sz="2400">
+                                  <a:solidFill>
+                                    <a:schemeClr val="accent6">
+                                      <a:lumMod val="50000"/>
+                                    </a:schemeClr>
+                                  </a:solidFill>
+                                </a:rPr>
+                              </m:ctrlPr>
+                            </m:dPr>
+                            <m:e>
+                              <m:r>
+                                <a:rPr lang="de-DE" sz="2400">
+                                  <a:solidFill>
+                                    <a:schemeClr val="accent6">
+                                      <a:lumMod val="50000"/>
+                                    </a:schemeClr>
+                                  </a:solidFill>
+                                </a:rPr>
+                                <m:t>𝒙</m:t>
+                              </m:r>
+                            </m:e>
+                          </m:d>
+                        </m:e>
+                      </m:func>
+                      <m:func>
+                        <m:funcPr>
+                          <m:ctrlPr>
+                            <a:rPr lang="ru-RU" sz="2400">
+                              <a:solidFill>
+                                <a:schemeClr val="accent6">
+                                  <a:lumMod val="50000"/>
+                                </a:schemeClr>
+                              </a:solidFill>
+                            </a:rPr>
+                          </m:ctrlPr>
+                        </m:funcPr>
+                        <m:fName>
+                          <m:limLow>
+                            <m:limLowPr>
+                              <m:ctrlPr>
+                                <a:rPr lang="ru-RU" sz="2400">
+                                  <a:solidFill>
+                                    <a:schemeClr val="accent6">
+                                      <a:lumMod val="50000"/>
+                                    </a:schemeClr>
+                                  </a:solidFill>
+                                </a:rPr>
+                              </m:ctrlPr>
+                            </m:limLowPr>
+                            <m:e>
+                              <m:r>
+                                <a:rPr lang="de-DE" sz="2400">
+                                  <a:solidFill>
+                                    <a:schemeClr val="accent6">
+                                      <a:lumMod val="50000"/>
+                                    </a:schemeClr>
+                                  </a:solidFill>
+                                </a:rPr>
+                                <m:t>=</m:t>
+                              </m:r>
+                              <m:r>
+                                <a:rPr lang="de-DE" sz="2400">
+                                  <a:solidFill>
+                                    <a:schemeClr val="accent6">
+                                      <a:lumMod val="50000"/>
+                                    </a:schemeClr>
+                                  </a:solidFill>
+                                </a:rPr>
+                                <m:t>𝒍𝒊𝒎</m:t>
+                              </m:r>
+                            </m:e>
+                            <m:lim>
+                              <m:r>
+                                <a:rPr lang="de-DE" sz="2400">
+                                  <a:solidFill>
+                                    <a:schemeClr val="accent6">
+                                      <a:lumMod val="50000"/>
+                                    </a:schemeClr>
+                                  </a:solidFill>
+                                </a:rPr>
+                                <m:t>𝒙</m:t>
+                              </m:r>
+                              <m:r>
+                                <a:rPr lang="de-DE" sz="2400">
+                                  <a:solidFill>
+                                    <a:schemeClr val="accent6">
+                                      <a:lumMod val="50000"/>
+                                    </a:schemeClr>
+                                  </a:solidFill>
+                                </a:rPr>
+                                <m:t>→∞</m:t>
+                              </m:r>
+                            </m:lim>
+                          </m:limLow>
+                        </m:fName>
+                        <m:e>
+                          <m:sSub>
+                            <m:sSubPr>
+                              <m:ctrlPr>
+                                <a:rPr lang="ru-RU" sz="2400">
+                                  <a:solidFill>
+                                    <a:schemeClr val="accent6">
+                                      <a:lumMod val="50000"/>
+                                    </a:schemeClr>
+                                  </a:solidFill>
+                                </a:rPr>
+                              </m:ctrlPr>
+                            </m:sSubPr>
+                            <m:e>
+                              <m:r>
+                                <a:rPr lang="de-DE" sz="2400">
+                                  <a:solidFill>
+                                    <a:schemeClr val="accent6">
+                                      <a:lumMod val="50000"/>
+                                    </a:schemeClr>
+                                  </a:solidFill>
+                                </a:rPr>
+                                <m:t>𝒄</m:t>
+                              </m:r>
+                            </m:e>
+                            <m:sub>
+                              <m:r>
+                                <a:rPr lang="de-DE" sz="2400">
+                                  <a:solidFill>
+                                    <a:schemeClr val="accent6">
+                                      <a:lumMod val="50000"/>
+                                    </a:schemeClr>
+                                  </a:solidFill>
+                                </a:rPr>
+                                <m:t>𝟏</m:t>
+                              </m:r>
+                            </m:sub>
+                          </m:sSub>
+                          <m:sSup>
+                            <m:sSupPr>
+                              <m:ctrlPr>
+                                <a:rPr lang="ru-RU" sz="2400">
+                                  <a:solidFill>
+                                    <a:schemeClr val="accent6">
+                                      <a:lumMod val="50000"/>
+                                    </a:schemeClr>
+                                  </a:solidFill>
+                                </a:rPr>
+                              </m:ctrlPr>
+                            </m:sSupPr>
+                            <m:e>
+                              <m:r>
+                                <a:rPr lang="de-DE" sz="2400">
+                                  <a:solidFill>
+                                    <a:schemeClr val="accent6">
+                                      <a:lumMod val="50000"/>
+                                    </a:schemeClr>
+                                  </a:solidFill>
+                                </a:rPr>
+                                <m:t>𝒆</m:t>
+                              </m:r>
+                            </m:e>
+                            <m:sup>
+                              <m:r>
+                                <a:rPr lang="de-DE" sz="2400">
+                                  <a:solidFill>
+                                    <a:schemeClr val="accent6">
+                                      <a:lumMod val="50000"/>
+                                    </a:schemeClr>
+                                  </a:solidFill>
+                                </a:rPr>
+                                <m:t>−</m:t>
+                              </m:r>
+                              <m:r>
+                                <a:rPr lang="de-DE" sz="2400">
+                                  <a:solidFill>
+                                    <a:schemeClr val="accent6">
+                                      <a:lumMod val="50000"/>
+                                    </a:schemeClr>
+                                  </a:solidFill>
+                                </a:rPr>
+                                <m:t>𝒙</m:t>
+                              </m:r>
+                            </m:sup>
+                          </m:sSup>
+                          <m:r>
+                            <a:rPr lang="de-DE" sz="2400">
+                              <a:solidFill>
+                                <a:schemeClr val="accent6">
+                                  <a:lumMod val="50000"/>
+                                </a:schemeClr>
+                              </a:solidFill>
+                            </a:rPr>
+                            <m:t>−</m:t>
+                          </m:r>
+                          <m:sSub>
+                            <m:sSubPr>
+                              <m:ctrlPr>
+                                <a:rPr lang="ru-RU" sz="2400">
+                                  <a:solidFill>
+                                    <a:schemeClr val="accent6">
+                                      <a:lumMod val="50000"/>
+                                    </a:schemeClr>
+                                  </a:solidFill>
+                                </a:rPr>
+                              </m:ctrlPr>
+                            </m:sSubPr>
+                            <m:e>
+                              <m:r>
+                                <a:rPr lang="de-DE" sz="2400">
+                                  <a:solidFill>
+                                    <a:schemeClr val="accent6">
+                                      <a:lumMod val="50000"/>
+                                    </a:schemeClr>
+                                  </a:solidFill>
+                                </a:rPr>
+                                <m:t>𝒄</m:t>
+                              </m:r>
+                            </m:e>
+                            <m:sub>
+                              <m:r>
+                                <a:rPr lang="de-DE" sz="2400">
+                                  <a:solidFill>
+                                    <a:schemeClr val="accent6">
+                                      <a:lumMod val="50000"/>
+                                    </a:schemeClr>
+                                  </a:solidFill>
+                                </a:rPr>
+                                <m:t>𝟐</m:t>
+                              </m:r>
+                            </m:sub>
+                          </m:sSub>
+                          <m:sSup>
+                            <m:sSupPr>
+                              <m:ctrlPr>
+                                <a:rPr lang="ru-RU" sz="2400">
+                                  <a:solidFill>
+                                    <a:schemeClr val="accent6">
+                                      <a:lumMod val="50000"/>
+                                    </a:schemeClr>
+                                  </a:solidFill>
+                                </a:rPr>
+                              </m:ctrlPr>
+                            </m:sSupPr>
+                            <m:e>
+                              <m:r>
+                                <a:rPr lang="de-DE" sz="2400">
+                                  <a:solidFill>
+                                    <a:schemeClr val="accent6">
+                                      <a:lumMod val="50000"/>
+                                    </a:schemeClr>
+                                  </a:solidFill>
+                                </a:rPr>
+                                <m:t>𝒆</m:t>
+                              </m:r>
+                            </m:e>
+                            <m:sup>
+                              <m:r>
+                                <a:rPr lang="de-DE" sz="2400">
+                                  <a:solidFill>
+                                    <a:schemeClr val="accent6">
+                                      <a:lumMod val="50000"/>
+                                    </a:schemeClr>
+                                  </a:solidFill>
+                                </a:rPr>
+                                <m:t>−</m:t>
+                              </m:r>
+                              <m:r>
+                                <a:rPr lang="de-DE" sz="2400">
+                                  <a:solidFill>
+                                    <a:schemeClr val="accent6">
+                                      <a:lumMod val="50000"/>
+                                    </a:schemeClr>
+                                  </a:solidFill>
+                                </a:rPr>
+                                <m:t>𝒙</m:t>
+                              </m:r>
+                            </m:sup>
+                          </m:sSup>
+                          <m:r>
+                            <a:rPr lang="de-DE" sz="2400">
+                              <a:solidFill>
+                                <a:schemeClr val="accent6">
+                                  <a:lumMod val="50000"/>
+                                </a:schemeClr>
+                              </a:solidFill>
+                            </a:rPr>
+                            <m:t>=</m:t>
+                          </m:r>
+                        </m:e>
+                      </m:func>
+                    </m:oMath>
+                  </m:oMathPara>
+                </a14:m>
+                <a:endParaRPr lang="de-DE" sz="2400" dirty="0">
+                  <a:solidFill>
+                    <a:schemeClr val="accent6">
+                      <a:lumMod val="50000"/>
+                    </a:schemeClr>
+                  </a:solidFill>
+                </a:endParaRPr>
+              </a:p>
+              <a:p>
+                <a:pPr algn="ctr" fontAlgn="t">
+                  <a:lnSpc>
+                    <a:spcPct val="150000"/>
+                  </a:lnSpc>
+                </a:pPr>
+                <a14:m>
+                  <m:oMathPara xmlns:m="http://schemas.openxmlformats.org/officeDocument/2006/math">
+                    <m:oMathParaPr>
+                      <m:jc m:val="centerGroup"/>
+                    </m:oMathParaPr>
+                    <m:oMath xmlns:m="http://schemas.openxmlformats.org/officeDocument/2006/math">
+                      <m:r>
+                        <a:rPr lang="de-DE" sz="2400">
+                          <a:solidFill>
+                            <a:schemeClr val="accent6">
+                              <a:lumMod val="50000"/>
+                            </a:schemeClr>
+                          </a:solidFill>
+                        </a:rPr>
+                        <m:t>=</m:t>
+                      </m:r>
+                      <m:func>
+                        <m:funcPr>
+                          <m:ctrlPr>
+                            <a:rPr lang="ru-RU" sz="2400">
+                              <a:solidFill>
+                                <a:schemeClr val="accent6">
+                                  <a:lumMod val="50000"/>
+                                </a:schemeClr>
+                              </a:solidFill>
+                            </a:rPr>
+                          </m:ctrlPr>
+                        </m:funcPr>
+                        <m:fName>
+                          <m:sSub>
+                            <m:sSubPr>
+                              <m:ctrlPr>
+                                <a:rPr lang="ru-RU" sz="2400">
+                                  <a:solidFill>
+                                    <a:schemeClr val="accent6">
+                                      <a:lumMod val="50000"/>
+                                    </a:schemeClr>
+                                  </a:solidFill>
+                                </a:rPr>
+                              </m:ctrlPr>
+                            </m:sSubPr>
+                            <m:e>
+                              <m:r>
+                                <a:rPr lang="de-DE" sz="2400">
+                                  <a:solidFill>
+                                    <a:schemeClr val="accent6">
+                                      <a:lumMod val="50000"/>
+                                    </a:schemeClr>
+                                  </a:solidFill>
+                                </a:rPr>
+                                <m:t>(</m:t>
+                              </m:r>
+                              <m:r>
+                                <a:rPr lang="de-DE" sz="2400">
+                                  <a:solidFill>
+                                    <a:schemeClr val="accent6">
+                                      <a:lumMod val="50000"/>
+                                    </a:schemeClr>
+                                  </a:solidFill>
+                                </a:rPr>
+                                <m:t>𝒄</m:t>
+                              </m:r>
+                            </m:e>
+                            <m:sub>
+                              <m:r>
+                                <a:rPr lang="de-DE" sz="2400">
+                                  <a:solidFill>
+                                    <a:schemeClr val="accent6">
+                                      <a:lumMod val="50000"/>
+                                    </a:schemeClr>
+                                  </a:solidFill>
+                                </a:rPr>
+                                <m:t>𝟏</m:t>
+                              </m:r>
+                            </m:sub>
+                          </m:sSub>
+                          <m:r>
+                            <a:rPr lang="de-DE" sz="2400">
+                              <a:solidFill>
+                                <a:schemeClr val="accent6">
+                                  <a:lumMod val="50000"/>
+                                </a:schemeClr>
+                              </a:solidFill>
+                            </a:rPr>
+                            <m:t>−</m:t>
+                          </m:r>
+                          <m:sSub>
+                            <m:sSubPr>
+                              <m:ctrlPr>
+                                <a:rPr lang="ru-RU" sz="2400">
+                                  <a:solidFill>
+                                    <a:schemeClr val="accent6">
+                                      <a:lumMod val="50000"/>
+                                    </a:schemeClr>
+                                  </a:solidFill>
+                                </a:rPr>
+                              </m:ctrlPr>
+                            </m:sSubPr>
+                            <m:e>
+                              <m:r>
+                                <a:rPr lang="de-DE" sz="2400">
+                                  <a:solidFill>
+                                    <a:schemeClr val="accent6">
+                                      <a:lumMod val="50000"/>
+                                    </a:schemeClr>
+                                  </a:solidFill>
+                                </a:rPr>
+                                <m:t>𝒄</m:t>
+                              </m:r>
+                            </m:e>
+                            <m:sub>
+                              <m:r>
+                                <a:rPr lang="de-DE" sz="2400">
+                                  <a:solidFill>
+                                    <a:schemeClr val="accent6">
+                                      <a:lumMod val="50000"/>
+                                    </a:schemeClr>
+                                  </a:solidFill>
+                                </a:rPr>
+                                <m:t>𝟐</m:t>
+                              </m:r>
+                            </m:sub>
+                          </m:sSub>
+                          <m:r>
+                            <a:rPr lang="de-DE" sz="2400">
+                              <a:solidFill>
+                                <a:schemeClr val="accent6">
+                                  <a:lumMod val="50000"/>
+                                </a:schemeClr>
+                              </a:solidFill>
+                            </a:rPr>
+                            <m:t>)</m:t>
+                          </m:r>
+                          <m:limLow>
+                            <m:limLowPr>
+                              <m:ctrlPr>
+                                <a:rPr lang="ru-RU" sz="2400">
+                                  <a:solidFill>
+                                    <a:schemeClr val="accent6">
+                                      <a:lumMod val="50000"/>
+                                    </a:schemeClr>
+                                  </a:solidFill>
+                                </a:rPr>
+                              </m:ctrlPr>
+                            </m:limLowPr>
+                            <m:e>
+                              <m:r>
+                                <a:rPr lang="de-DE" sz="2400">
+                                  <a:solidFill>
+                                    <a:schemeClr val="accent6">
+                                      <a:lumMod val="50000"/>
+                                    </a:schemeClr>
+                                  </a:solidFill>
+                                </a:rPr>
+                                <m:t>𝒍𝒊𝒎</m:t>
+                              </m:r>
+                            </m:e>
+                            <m:lim>
+                              <m:r>
+                                <a:rPr lang="de-DE" sz="2400">
+                                  <a:solidFill>
+                                    <a:schemeClr val="accent6">
+                                      <a:lumMod val="50000"/>
+                                    </a:schemeClr>
+                                  </a:solidFill>
+                                </a:rPr>
+                                <m:t>𝒙</m:t>
+                              </m:r>
+                              <m:r>
+                                <a:rPr lang="de-DE" sz="2400">
+                                  <a:solidFill>
+                                    <a:schemeClr val="accent6">
+                                      <a:lumMod val="50000"/>
+                                    </a:schemeClr>
+                                  </a:solidFill>
+                                </a:rPr>
+                                <m:t>→∞</m:t>
+                              </m:r>
+                            </m:lim>
+                          </m:limLow>
+                        </m:fName>
+                        <m:e>
+                          <m:sSup>
+                            <m:sSupPr>
+                              <m:ctrlPr>
+                                <a:rPr lang="ru-RU" sz="2400">
+                                  <a:solidFill>
+                                    <a:schemeClr val="accent6">
+                                      <a:lumMod val="50000"/>
+                                    </a:schemeClr>
+                                  </a:solidFill>
+                                </a:rPr>
+                              </m:ctrlPr>
+                            </m:sSupPr>
+                            <m:e>
+                              <m:r>
+                                <a:rPr lang="de-DE" sz="2400">
+                                  <a:solidFill>
+                                    <a:schemeClr val="accent6">
+                                      <a:lumMod val="50000"/>
+                                    </a:schemeClr>
+                                  </a:solidFill>
+                                </a:rPr>
+                                <m:t>𝒆</m:t>
+                              </m:r>
+                            </m:e>
+                            <m:sup>
+                              <m:r>
+                                <a:rPr lang="de-DE" sz="2400">
+                                  <a:solidFill>
+                                    <a:schemeClr val="accent6">
+                                      <a:lumMod val="50000"/>
+                                    </a:schemeClr>
+                                  </a:solidFill>
+                                </a:rPr>
+                                <m:t>−</m:t>
+                              </m:r>
+                              <m:r>
+                                <a:rPr lang="de-DE" sz="2400">
+                                  <a:solidFill>
+                                    <a:schemeClr val="accent6">
+                                      <a:lumMod val="50000"/>
+                                    </a:schemeClr>
+                                  </a:solidFill>
+                                </a:rPr>
+                                <m:t>𝒙</m:t>
+                              </m:r>
+                            </m:sup>
+                          </m:sSup>
+                          <m:r>
+                            <a:rPr lang="de-DE" sz="2400">
+                              <a:solidFill>
+                                <a:schemeClr val="accent6">
+                                  <a:lumMod val="50000"/>
+                                </a:schemeClr>
+                              </a:solidFill>
+                            </a:rPr>
+                            <m:t>=</m:t>
+                          </m:r>
+                        </m:e>
+                      </m:func>
+                      <m:r>
+                        <a:rPr lang="de-DE" sz="2400">
+                          <a:solidFill>
+                            <a:schemeClr val="accent6">
+                              <a:lumMod val="50000"/>
+                            </a:schemeClr>
+                          </a:solidFill>
+                        </a:rPr>
+                        <m:t>𝟎</m:t>
+                      </m:r>
+                    </m:oMath>
+                  </m:oMathPara>
+                </a14:m>
+                <a:endParaRPr lang="ru-RU" sz="2400" dirty="0">
+                  <a:solidFill>
+                    <a:schemeClr val="accent6">
+                      <a:lumMod val="50000"/>
+                    </a:schemeClr>
+                  </a:solidFill>
+                </a:endParaRPr>
+              </a:p>
+              <a:p>
+                <a:pPr fontAlgn="t">
+                  <a:lnSpc>
+                    <a:spcPct val="150000"/>
+                  </a:lnSpc>
+                </a:pPr>
+                <a:endParaRPr lang="de-DE" sz="2400" b="1" dirty="0" smtClean="0">
+                  <a:solidFill>
+                    <a:schemeClr val="accent6">
+                      <a:lumMod val="50000"/>
+                    </a:schemeClr>
+                  </a:solidFill>
+                </a:endParaRPr>
+              </a:p>
+              <a:p>
+                <a:pPr fontAlgn="t">
+                  <a:lnSpc>
+                    <a:spcPct val="150000"/>
+                  </a:lnSpc>
+                </a:pPr>
+                <a:endParaRPr lang="de-DE" sz="2400" dirty="0" smtClean="0">
+                  <a:solidFill>
+                    <a:schemeClr val="accent6">
+                      <a:lumMod val="50000"/>
+                    </a:schemeClr>
+                  </a:solidFill>
+                </a:endParaRPr>
+              </a:p>
+              <a:p>
+                <a:pPr fontAlgn="t">
+                  <a:lnSpc>
+                    <a:spcPct val="150000"/>
+                  </a:lnSpc>
+                </a:pPr>
+                <a:endParaRPr lang="de-DE" sz="2400" dirty="0">
+                  <a:solidFill>
+                    <a:schemeClr val="accent6">
+                      <a:lumMod val="50000"/>
+                    </a:schemeClr>
+                  </a:solidFill>
+                </a:endParaRPr>
+              </a:p>
+            </p:txBody>
+          </p:sp>
+        </mc:Choice>
+        <mc:Fallback>
+          <p:sp>
+            <p:nvSpPr>
+              <p:cNvPr id="4" name="Inhaltsplatzhalter 12">
+                <a:extLst>
+                  <a:ext uri="{FF2B5EF4-FFF2-40B4-BE49-F238E27FC236}">
+                    <a16:creationId xmlns:a16="http://schemas.microsoft.com/office/drawing/2014/main" id="{07645024-0585-4061-B4E7-0E97AFA8FA8A}"/>
+                  </a:ext>
+                </a:extLst>
+              </p:cNvPr>
+              <p:cNvSpPr>
+                <a:spLocks noGrp="1" noRot="1" noChangeAspect="1" noMove="1" noResize="1" noEditPoints="1" noAdjustHandles="1" noChangeArrowheads="1" noChangeShapeType="1" noTextEdit="1"/>
+              </p:cNvSpPr>
+              <p:nvPr>
+                <p:ph idx="1"/>
+              </p:nvPr>
+            </p:nvSpPr>
+            <p:spPr>
+              <a:xfrm>
+                <a:off x="479376" y="1237986"/>
+                <a:ext cx="10943704" cy="4598718"/>
+              </a:xfrm>
+              <a:prstGeom prst="rect">
+                <a:avLst/>
+              </a:prstGeom>
+              <a:blipFill>
+                <a:blip r:embed="rId3"/>
+                <a:stretch>
+                  <a:fillRect l="-1727" b="-9416"/>
+                </a:stretch>
+              </a:blipFill>
+            </p:spPr>
+            <p:txBody>
+              <a:bodyPr/>
+              <a:lstStyle/>
+              <a:p>
+                <a:r>
+                  <a:rPr lang="ru-RU">
+                    <a:noFill/>
+                  </a:rPr>
+                  <a:t> </a:t>
+                </a:r>
+              </a:p>
+            </p:txBody>
+          </p:sp>
+        </mc:Fallback>
+      </mc:AlternateContent>
+    </p:spTree>
+    <p:extLst>
+      <p:ext uri="{BB962C8B-B14F-4D97-AF65-F5344CB8AC3E}">
+        <p14:creationId xmlns:p14="http://schemas.microsoft.com/office/powerpoint/2010/main" val="1669403033"/>
+      </p:ext>
+    </p:extLst>
+  </p:cSld>
+  <p:clrMapOvr>
+    <a:masterClrMapping/>
+  </p:clrMapOvr>
+  <mc:AlternateContent xmlns:mc="http://schemas.openxmlformats.org/markup-compatibility/2006" xmlns:p14="http://schemas.microsoft.com/office/powerpoint/2010/main">
+    <mc:Choice Requires="p14">
+      <p:transition spd="med" p14:dur="700">
+        <p:fade/>
+      </p:transition>
+    </mc:Choice>
+    <mc:Fallback xmlns="">
+      <p:transition spd="med">
+        <p:fade/>
+      </p:transition>
+    </mc:Fallback>
+  </mc:AlternateContent>
+</p:sld>
+</file>
+
 <file path=ppt/slides/slide4.xml><?xml version="1.0" encoding="utf-8"?>
+<p:sld xmlns:a="http://schemas.openxmlformats.org/drawingml/2006/main" xmlns:r="http://schemas.openxmlformats.org/officeDocument/2006/relationships" xmlns:p="http://schemas.openxmlformats.org/presentationml/2006/main">
+  <p:cSld>
+    <p:spTree>
+      <p:nvGrpSpPr>
+        <p:cNvPr id="1" name=""/>
+        <p:cNvGrpSpPr/>
+        <p:nvPr/>
+      </p:nvGrpSpPr>
+      <p:grpSpPr>
+        <a:xfrm>
+          <a:off x="0" y="0"/>
+          <a:ext cx="0" cy="0"/>
+          <a:chOff x="0" y="0"/>
+          <a:chExt cx="0" cy="0"/>
+        </a:xfrm>
+      </p:grpSpPr>
+      <p:sp>
+        <p:nvSpPr>
+          <p:cNvPr id="3" name="Заголовок 2"/>
+          <p:cNvSpPr>
+            <a:spLocks noGrp="1"/>
+          </p:cNvSpPr>
+          <p:nvPr>
+            <p:ph type="title"/>
+          </p:nvPr>
+        </p:nvSpPr>
+        <p:spPr/>
+        <p:txBody>
+          <a:bodyPr/>
+          <a:lstStyle/>
+          <a:p>
+            <a:r>
+              <a:rPr lang="en-US" dirty="0"/>
+              <a:t> </a:t>
+            </a:r>
+            <a:r>
+              <a:rPr lang="en-US" dirty="0" err="1"/>
+              <a:t>Lösung</a:t>
+            </a:r>
+            <a:r>
+              <a:rPr lang="en-US" dirty="0"/>
+              <a:t> </a:t>
+            </a:r>
+            <a:r>
+              <a:rPr lang="en-US" dirty="0" err="1"/>
+              <a:t>einer</a:t>
+            </a:r>
+            <a:r>
+              <a:rPr lang="en-US" dirty="0"/>
+              <a:t> </a:t>
+            </a:r>
+            <a:r>
+              <a:rPr lang="en-US" dirty="0" err="1" smtClean="0"/>
+              <a:t>Differentialgleichung</a:t>
+            </a:r>
+            <a:r>
+              <a:rPr lang="en-US" dirty="0" smtClean="0"/>
+              <a:t>  </a:t>
+            </a:r>
+            <a:endParaRPr lang="ru-RU" dirty="0"/>
+          </a:p>
+        </p:txBody>
+      </p:sp>
+      <mc:AlternateContent xmlns:mc="http://schemas.openxmlformats.org/markup-compatibility/2006">
+        <mc:Choice xmlns:a14="http://schemas.microsoft.com/office/drawing/2010/main" Requires="a14">
+          <p:sp>
+            <p:nvSpPr>
+              <p:cNvPr id="4" name="Inhaltsplatzhalter 12">
+                <a:extLst>
+                  <a:ext uri="{FF2B5EF4-FFF2-40B4-BE49-F238E27FC236}">
+                    <a16:creationId xmlns:a16="http://schemas.microsoft.com/office/drawing/2014/main" id="{07645024-0585-4061-B4E7-0E97AFA8FA8A}"/>
+                  </a:ext>
+                </a:extLst>
+              </p:cNvPr>
+              <p:cNvSpPr>
+                <a:spLocks noGrp="1"/>
+              </p:cNvSpPr>
+              <p:nvPr>
+                <p:ph idx="1"/>
+              </p:nvPr>
+            </p:nvSpPr>
+            <p:spPr>
+              <a:xfrm>
+                <a:off x="479376" y="1237986"/>
+                <a:ext cx="10943704" cy="4598718"/>
+              </a:xfrm>
+              <a:prstGeom prst="rect">
+                <a:avLst/>
+              </a:prstGeom>
+            </p:spPr>
+            <p:txBody>
+              <a:bodyPr lIns="0" numCol="3">
+                <a:noAutofit/>
+              </a:bodyPr>
+              <a:lstStyle/>
+              <a:p>
+                <a:pPr fontAlgn="t">
+                  <a:lnSpc>
+                    <a:spcPct val="150000"/>
+                  </a:lnSpc>
+                </a:pPr>
+                <a:r>
+                  <a:rPr lang="de-DE" sz="2400" dirty="0" smtClean="0">
+                    <a:solidFill>
+                      <a:schemeClr val="accent6">
+                        <a:lumMod val="50000"/>
+                      </a:schemeClr>
+                    </a:solidFill>
+                  </a:rPr>
+                  <a:t> stabil</a:t>
+                </a:r>
+                <a:endParaRPr lang="de-DE" sz="2400" dirty="0">
+                  <a:solidFill>
+                    <a:schemeClr val="accent6">
+                      <a:lumMod val="50000"/>
+                    </a:schemeClr>
+                  </a:solidFill>
+                </a:endParaRPr>
+              </a:p>
+              <a:p>
+                <a14:m>
+                  <m:oMathPara xmlns:m="http://schemas.openxmlformats.org/officeDocument/2006/math">
+                    <m:oMathParaPr>
+                      <m:jc m:val="centerGroup"/>
+                    </m:oMathParaPr>
+                    <m:oMath xmlns:m="http://schemas.openxmlformats.org/officeDocument/2006/math">
+                      <m:r>
+                        <a:rPr lang="de-DE" sz="2400">
+                          <a:solidFill>
+                            <a:schemeClr val="accent6">
+                              <a:lumMod val="50000"/>
+                            </a:schemeClr>
+                          </a:solidFill>
+                        </a:rPr>
+                        <m:t>∀</m:t>
+                      </m:r>
+                      <m:r>
+                        <a:rPr lang="de-DE" sz="2400">
+                          <a:solidFill>
+                            <a:schemeClr val="accent6">
+                              <a:lumMod val="50000"/>
+                            </a:schemeClr>
+                          </a:solidFill>
+                        </a:rPr>
+                        <m:t>𝑲</m:t>
+                      </m:r>
+                      <m:r>
+                        <a:rPr lang="de-DE" sz="2400">
+                          <a:solidFill>
+                            <a:schemeClr val="accent6">
+                              <a:lumMod val="50000"/>
+                            </a:schemeClr>
+                          </a:solidFill>
+                        </a:rPr>
+                        <m:t>  ∃</m:t>
+                      </m:r>
+                      <m:r>
+                        <a:rPr lang="de-DE" sz="2400">
+                          <a:solidFill>
+                            <a:schemeClr val="accent6">
+                              <a:lumMod val="50000"/>
+                            </a:schemeClr>
+                          </a:solidFill>
+                        </a:rPr>
+                        <m:t>𝜺</m:t>
+                      </m:r>
+                      <m:r>
+                        <a:rPr lang="de-DE" sz="2400">
+                          <a:solidFill>
+                            <a:schemeClr val="accent6">
+                              <a:lumMod val="50000"/>
+                            </a:schemeClr>
+                          </a:solidFill>
+                        </a:rPr>
+                        <m:t>  </m:t>
+                      </m:r>
+                    </m:oMath>
+                  </m:oMathPara>
+                </a14:m>
+                <a:endParaRPr lang="ru-RU" sz="2400" dirty="0">
+                  <a:solidFill>
+                    <a:schemeClr val="accent6">
+                      <a:lumMod val="50000"/>
+                    </a:schemeClr>
+                  </a:solidFill>
+                </a:endParaRPr>
+              </a:p>
+              <a:p>
+                <a14:m>
+                  <m:oMathPara xmlns:m="http://schemas.openxmlformats.org/officeDocument/2006/math">
+                    <m:oMathParaPr>
+                      <m:jc m:val="centerGroup"/>
+                    </m:oMathParaPr>
+                    <m:oMath xmlns:m="http://schemas.openxmlformats.org/officeDocument/2006/math">
+                      <m:d>
+                        <m:dPr>
+                          <m:begChr m:val="‖"/>
+                          <m:endChr m:val="‖"/>
+                          <m:ctrlPr>
+                            <a:rPr lang="ru-RU" sz="2400">
+                              <a:solidFill>
+                                <a:schemeClr val="accent6">
+                                  <a:lumMod val="50000"/>
+                                </a:schemeClr>
+                              </a:solidFill>
+                            </a:rPr>
+                          </m:ctrlPr>
+                        </m:dPr>
+                        <m:e>
+                          <m:sSub>
+                            <m:sSubPr>
+                              <m:ctrlPr>
+                                <a:rPr lang="ru-RU" sz="2400">
+                                  <a:solidFill>
+                                    <a:schemeClr val="accent6">
+                                      <a:lumMod val="50000"/>
+                                    </a:schemeClr>
+                                  </a:solidFill>
+                                </a:rPr>
+                              </m:ctrlPr>
+                            </m:sSubPr>
+                            <m:e>
+                              <m:r>
+                                <a:rPr lang="de-DE" sz="2400">
+                                  <a:solidFill>
+                                    <a:schemeClr val="accent6">
+                                      <a:lumMod val="50000"/>
+                                    </a:schemeClr>
+                                  </a:solidFill>
+                                </a:rPr>
+                                <m:t>𝑭</m:t>
+                              </m:r>
+                            </m:e>
+                            <m:sub>
+                              <m:r>
+                                <a:rPr lang="de-DE" sz="2400">
+                                  <a:solidFill>
+                                    <a:schemeClr val="accent6">
+                                      <a:lumMod val="50000"/>
+                                    </a:schemeClr>
+                                  </a:solidFill>
+                                </a:rPr>
+                                <m:t>𝟏</m:t>
+                              </m:r>
+                            </m:sub>
+                          </m:sSub>
+                          <m:d>
+                            <m:dPr>
+                              <m:ctrlPr>
+                                <a:rPr lang="ru-RU" sz="2400">
+                                  <a:solidFill>
+                                    <a:schemeClr val="accent6">
+                                      <a:lumMod val="50000"/>
+                                    </a:schemeClr>
+                                  </a:solidFill>
+                                </a:rPr>
+                              </m:ctrlPr>
+                            </m:dPr>
+                            <m:e>
+                              <m:r>
+                                <a:rPr lang="de-DE" sz="2400">
+                                  <a:solidFill>
+                                    <a:schemeClr val="accent6">
+                                      <a:lumMod val="50000"/>
+                                    </a:schemeClr>
+                                  </a:solidFill>
+                                </a:rPr>
+                                <m:t>𝟎</m:t>
+                              </m:r>
+                            </m:e>
+                          </m:d>
+                          <m:r>
+                            <a:rPr lang="de-DE" sz="2400">
+                              <a:solidFill>
+                                <a:schemeClr val="accent6">
+                                  <a:lumMod val="50000"/>
+                                </a:schemeClr>
+                              </a:solidFill>
+                            </a:rPr>
+                            <m:t>−</m:t>
+                          </m:r>
+                          <m:sSub>
+                            <m:sSubPr>
+                              <m:ctrlPr>
+                                <a:rPr lang="ru-RU" sz="2400">
+                                  <a:solidFill>
+                                    <a:schemeClr val="accent6">
+                                      <a:lumMod val="50000"/>
+                                    </a:schemeClr>
+                                  </a:solidFill>
+                                </a:rPr>
+                              </m:ctrlPr>
+                            </m:sSubPr>
+                            <m:e>
+                              <m:r>
+                                <a:rPr lang="de-DE" sz="2400">
+                                  <a:solidFill>
+                                    <a:schemeClr val="accent6">
+                                      <a:lumMod val="50000"/>
+                                    </a:schemeClr>
+                                  </a:solidFill>
+                                </a:rPr>
+                                <m:t>𝑭</m:t>
+                              </m:r>
+                            </m:e>
+                            <m:sub>
+                              <m:r>
+                                <a:rPr lang="de-DE" sz="2400">
+                                  <a:solidFill>
+                                    <a:schemeClr val="accent6">
+                                      <a:lumMod val="50000"/>
+                                    </a:schemeClr>
+                                  </a:solidFill>
+                                </a:rPr>
+                                <m:t>𝟐</m:t>
+                              </m:r>
+                            </m:sub>
+                          </m:sSub>
+                          <m:d>
+                            <m:dPr>
+                              <m:ctrlPr>
+                                <a:rPr lang="ru-RU" sz="2400">
+                                  <a:solidFill>
+                                    <a:schemeClr val="accent6">
+                                      <a:lumMod val="50000"/>
+                                    </a:schemeClr>
+                                  </a:solidFill>
+                                </a:rPr>
+                              </m:ctrlPr>
+                            </m:dPr>
+                            <m:e>
+                              <m:r>
+                                <a:rPr lang="de-DE" sz="2400">
+                                  <a:solidFill>
+                                    <a:schemeClr val="accent6">
+                                      <a:lumMod val="50000"/>
+                                    </a:schemeClr>
+                                  </a:solidFill>
+                                </a:rPr>
+                                <m:t>𝟎</m:t>
+                              </m:r>
+                            </m:e>
+                          </m:d>
+                        </m:e>
+                      </m:d>
+                      <m:r>
+                        <a:rPr lang="ru-RU" sz="2400">
+                          <a:solidFill>
+                            <a:schemeClr val="accent6">
+                              <a:lumMod val="50000"/>
+                            </a:schemeClr>
+                          </a:solidFill>
+                        </a:rPr>
+                        <m:t>&lt;</m:t>
+                      </m:r>
+                      <m:r>
+                        <a:rPr lang="ru-RU" sz="2400">
+                          <a:solidFill>
+                            <a:schemeClr val="accent6">
+                              <a:lumMod val="50000"/>
+                            </a:schemeClr>
+                          </a:solidFill>
+                        </a:rPr>
+                        <m:t>𝜀</m:t>
+                      </m:r>
+                    </m:oMath>
+                  </m:oMathPara>
+                </a14:m>
+                <a:endParaRPr lang="ru-RU" sz="2400" dirty="0">
+                  <a:solidFill>
+                    <a:schemeClr val="accent6">
+                      <a:lumMod val="50000"/>
+                    </a:schemeClr>
+                  </a:solidFill>
+                </a:endParaRPr>
+              </a:p>
+              <a:p>
+                <a14:m>
+                  <m:oMathPara xmlns:m="http://schemas.openxmlformats.org/officeDocument/2006/math">
+                    <m:oMathParaPr>
+                      <m:jc m:val="centerGroup"/>
+                    </m:oMathParaPr>
+                    <m:oMath xmlns:m="http://schemas.openxmlformats.org/officeDocument/2006/math">
+                      <m:func>
+                        <m:funcPr>
+                          <m:ctrlPr>
+                            <a:rPr lang="ru-RU" sz="2400">
+                              <a:solidFill>
+                                <a:schemeClr val="accent6">
+                                  <a:lumMod val="50000"/>
+                                </a:schemeClr>
+                              </a:solidFill>
+                            </a:rPr>
+                          </m:ctrlPr>
+                        </m:funcPr>
+                        <m:fName>
+                          <m:limLow>
+                            <m:limLowPr>
+                              <m:ctrlPr>
+                                <a:rPr lang="ru-RU" sz="2400">
+                                  <a:solidFill>
+                                    <a:schemeClr val="accent6">
+                                      <a:lumMod val="50000"/>
+                                    </a:schemeClr>
+                                  </a:solidFill>
+                                </a:rPr>
+                              </m:ctrlPr>
+                            </m:limLowPr>
+                            <m:e>
+                              <m:r>
+                                <a:rPr lang="de-DE" sz="2400">
+                                  <a:solidFill>
+                                    <a:schemeClr val="accent6">
+                                      <a:lumMod val="50000"/>
+                                    </a:schemeClr>
+                                  </a:solidFill>
+                                </a:rPr>
+                                <m:t>𝒍𝒊𝒎</m:t>
+                              </m:r>
+                            </m:e>
+                            <m:lim>
+                              <m:r>
+                                <a:rPr lang="de-DE" sz="2400">
+                                  <a:solidFill>
+                                    <a:schemeClr val="accent6">
+                                      <a:lumMod val="50000"/>
+                                    </a:schemeClr>
+                                  </a:solidFill>
+                                </a:rPr>
+                                <m:t>𝒙</m:t>
+                              </m:r>
+                              <m:r>
+                                <a:rPr lang="de-DE" sz="2400">
+                                  <a:solidFill>
+                                    <a:schemeClr val="accent6">
+                                      <a:lumMod val="50000"/>
+                                    </a:schemeClr>
+                                  </a:solidFill>
+                                </a:rPr>
+                                <m:t>→∞</m:t>
+                              </m:r>
+                            </m:lim>
+                          </m:limLow>
+                        </m:fName>
+                        <m:e>
+                          <m:sSub>
+                            <m:sSubPr>
+                              <m:ctrlPr>
+                                <a:rPr lang="ru-RU" sz="2400">
+                                  <a:solidFill>
+                                    <a:schemeClr val="accent6">
+                                      <a:lumMod val="50000"/>
+                                    </a:schemeClr>
+                                  </a:solidFill>
+                                </a:rPr>
+                              </m:ctrlPr>
+                            </m:sSubPr>
+                            <m:e>
+                              <m:r>
+                                <a:rPr lang="de-DE" sz="2400">
+                                  <a:solidFill>
+                                    <a:schemeClr val="accent6">
+                                      <a:lumMod val="50000"/>
+                                    </a:schemeClr>
+                                  </a:solidFill>
+                                </a:rPr>
+                                <m:t>𝑭</m:t>
+                              </m:r>
+                            </m:e>
+                            <m:sub>
+                              <m:r>
+                                <a:rPr lang="de-DE" sz="2400">
+                                  <a:solidFill>
+                                    <a:schemeClr val="accent6">
+                                      <a:lumMod val="50000"/>
+                                    </a:schemeClr>
+                                  </a:solidFill>
+                                </a:rPr>
+                                <m:t>𝟏</m:t>
+                              </m:r>
+                            </m:sub>
+                          </m:sSub>
+                          <m:d>
+                            <m:dPr>
+                              <m:ctrlPr>
+                                <a:rPr lang="ru-RU" sz="2400">
+                                  <a:solidFill>
+                                    <a:schemeClr val="accent6">
+                                      <a:lumMod val="50000"/>
+                                    </a:schemeClr>
+                                  </a:solidFill>
+                                </a:rPr>
+                              </m:ctrlPr>
+                            </m:dPr>
+                            <m:e>
+                              <m:r>
+                                <a:rPr lang="de-DE" sz="2400">
+                                  <a:solidFill>
+                                    <a:schemeClr val="accent6">
+                                      <a:lumMod val="50000"/>
+                                    </a:schemeClr>
+                                  </a:solidFill>
+                                </a:rPr>
+                                <m:t>𝒙</m:t>
+                              </m:r>
+                            </m:e>
+                          </m:d>
+                          <m:r>
+                            <a:rPr lang="de-DE" sz="2400">
+                              <a:solidFill>
+                                <a:schemeClr val="accent6">
+                                  <a:lumMod val="50000"/>
+                                </a:schemeClr>
+                              </a:solidFill>
+                            </a:rPr>
+                            <m:t>−</m:t>
+                          </m:r>
+                          <m:sSub>
+                            <m:sSubPr>
+                              <m:ctrlPr>
+                                <a:rPr lang="ru-RU" sz="2400">
+                                  <a:solidFill>
+                                    <a:schemeClr val="accent6">
+                                      <a:lumMod val="50000"/>
+                                    </a:schemeClr>
+                                  </a:solidFill>
+                                </a:rPr>
+                              </m:ctrlPr>
+                            </m:sSubPr>
+                            <m:e>
+                              <m:r>
+                                <a:rPr lang="de-DE" sz="2400">
+                                  <a:solidFill>
+                                    <a:schemeClr val="accent6">
+                                      <a:lumMod val="50000"/>
+                                    </a:schemeClr>
+                                  </a:solidFill>
+                                </a:rPr>
+                                <m:t>𝑭</m:t>
+                              </m:r>
+                            </m:e>
+                            <m:sub>
+                              <m:r>
+                                <a:rPr lang="de-DE" sz="2400">
+                                  <a:solidFill>
+                                    <a:schemeClr val="accent6">
+                                      <a:lumMod val="50000"/>
+                                    </a:schemeClr>
+                                  </a:solidFill>
+                                </a:rPr>
+                                <m:t>𝟐</m:t>
+                              </m:r>
+                            </m:sub>
+                          </m:sSub>
+                          <m:d>
+                            <m:dPr>
+                              <m:ctrlPr>
+                                <a:rPr lang="ru-RU" sz="2400">
+                                  <a:solidFill>
+                                    <a:schemeClr val="accent6">
+                                      <a:lumMod val="50000"/>
+                                    </a:schemeClr>
+                                  </a:solidFill>
+                                </a:rPr>
+                              </m:ctrlPr>
+                            </m:dPr>
+                            <m:e>
+                              <m:r>
+                                <a:rPr lang="de-DE" sz="2400">
+                                  <a:solidFill>
+                                    <a:schemeClr val="accent6">
+                                      <a:lumMod val="50000"/>
+                                    </a:schemeClr>
+                                  </a:solidFill>
+                                </a:rPr>
+                                <m:t>𝒙</m:t>
+                              </m:r>
+                            </m:e>
+                          </m:d>
+                          <m:r>
+                            <a:rPr lang="de-DE" sz="2400">
+                              <a:solidFill>
+                                <a:schemeClr val="accent6">
+                                  <a:lumMod val="50000"/>
+                                </a:schemeClr>
+                              </a:solidFill>
+                            </a:rPr>
+                            <m:t>&lt;</m:t>
+                          </m:r>
+                          <m:r>
+                            <a:rPr lang="de-DE" sz="2400">
+                              <a:solidFill>
+                                <a:schemeClr val="accent6">
+                                  <a:lumMod val="50000"/>
+                                </a:schemeClr>
+                              </a:solidFill>
+                            </a:rPr>
+                            <m:t>𝑲</m:t>
+                          </m:r>
+                        </m:e>
+                      </m:func>
+                    </m:oMath>
+                  </m:oMathPara>
+                </a14:m>
+                <a:endParaRPr lang="ru-RU" sz="2400" dirty="0">
+                  <a:solidFill>
+                    <a:schemeClr val="accent6">
+                      <a:lumMod val="50000"/>
+                    </a:schemeClr>
+                  </a:solidFill>
+                </a:endParaRPr>
+              </a:p>
+              <a:p>
+                <a:pPr fontAlgn="t">
+                  <a:lnSpc>
+                    <a:spcPct val="150000"/>
+                  </a:lnSpc>
+                </a:pPr>
+                <a:endParaRPr lang="de-DE" sz="2400" dirty="0" smtClean="0">
+                  <a:solidFill>
+                    <a:schemeClr val="accent6">
+                      <a:lumMod val="50000"/>
+                    </a:schemeClr>
+                  </a:solidFill>
+                </a:endParaRPr>
+              </a:p>
+              <a:p>
+                <a:pPr fontAlgn="t">
+                  <a:lnSpc>
+                    <a:spcPct val="150000"/>
+                  </a:lnSpc>
+                </a:pPr>
+                <a:r>
+                  <a:rPr lang="de-DE" sz="2400" dirty="0" smtClean="0">
+                    <a:solidFill>
+                      <a:schemeClr val="accent6">
+                        <a:lumMod val="50000"/>
+                      </a:schemeClr>
+                    </a:solidFill>
+                  </a:rPr>
+                  <a:t>Beispiel:</a:t>
+                </a:r>
+              </a:p>
+              <a:p>
+                <a:pPr fontAlgn="t">
+                  <a:lnSpc>
+                    <a:spcPct val="150000"/>
+                  </a:lnSpc>
+                </a:pPr>
+                <a:endParaRPr lang="de-DE" sz="2400" b="1" dirty="0" smtClean="0">
+                  <a:solidFill>
+                    <a:schemeClr val="accent6">
+                      <a:lumMod val="50000"/>
+                    </a:schemeClr>
+                  </a:solidFill>
+                </a:endParaRPr>
+              </a:p>
+              <a:p>
+                <a:pPr fontAlgn="t">
+                  <a:lnSpc>
+                    <a:spcPct val="150000"/>
+                  </a:lnSpc>
+                </a:pPr>
+                <a:endParaRPr lang="de-DE" sz="2400" dirty="0" smtClean="0">
+                  <a:solidFill>
+                    <a:schemeClr val="accent6">
+                      <a:lumMod val="50000"/>
+                    </a:schemeClr>
+                  </a:solidFill>
+                </a:endParaRPr>
+              </a:p>
+              <a:p>
+                <a:pPr fontAlgn="t">
+                  <a:lnSpc>
+                    <a:spcPct val="150000"/>
+                  </a:lnSpc>
+                </a:pPr>
+                <a:endParaRPr lang="de-DE" sz="2400" dirty="0">
+                  <a:solidFill>
+                    <a:schemeClr val="accent6">
+                      <a:lumMod val="50000"/>
+                    </a:schemeClr>
+                  </a:solidFill>
+                </a:endParaRPr>
+              </a:p>
+            </p:txBody>
+          </p:sp>
+        </mc:Choice>
+        <mc:Fallback>
+          <p:sp>
+            <p:nvSpPr>
+              <p:cNvPr id="4" name="Inhaltsplatzhalter 12">
+                <a:extLst>
+                  <a:ext uri="{FF2B5EF4-FFF2-40B4-BE49-F238E27FC236}">
+                    <a16:creationId xmlns:a16="http://schemas.microsoft.com/office/drawing/2014/main" id="{07645024-0585-4061-B4E7-0E97AFA8FA8A}"/>
+                  </a:ext>
+                </a:extLst>
+              </p:cNvPr>
+              <p:cNvSpPr>
+                <a:spLocks noGrp="1" noRot="1" noChangeAspect="1" noMove="1" noResize="1" noEditPoints="1" noAdjustHandles="1" noChangeArrowheads="1" noChangeShapeType="1" noTextEdit="1"/>
+              </p:cNvSpPr>
+              <p:nvPr>
+                <p:ph idx="1"/>
+              </p:nvPr>
+            </p:nvSpPr>
+            <p:spPr>
+              <a:xfrm>
+                <a:off x="479376" y="1237986"/>
+                <a:ext cx="10943704" cy="4598718"/>
+              </a:xfrm>
+              <a:prstGeom prst="rect">
+                <a:avLst/>
+              </a:prstGeom>
+              <a:blipFill>
+                <a:blip r:embed="rId3"/>
+                <a:stretch>
+                  <a:fillRect l="-1727"/>
+                </a:stretch>
+              </a:blipFill>
+            </p:spPr>
+            <p:txBody>
+              <a:bodyPr/>
+              <a:lstStyle/>
+              <a:p>
+                <a:r>
+                  <a:rPr lang="ru-RU">
+                    <a:noFill/>
+                  </a:rPr>
+                  <a:t> </a:t>
+                </a:r>
+              </a:p>
+            </p:txBody>
+          </p:sp>
+        </mc:Fallback>
+      </mc:AlternateContent>
+    </p:spTree>
+    <p:extLst>
+      <p:ext uri="{BB962C8B-B14F-4D97-AF65-F5344CB8AC3E}">
+        <p14:creationId xmlns:p14="http://schemas.microsoft.com/office/powerpoint/2010/main" val="1903615472"/>
+      </p:ext>
+    </p:extLst>
+  </p:cSld>
+  <p:clrMapOvr>
+    <a:masterClrMapping/>
+  </p:clrMapOvr>
+  <mc:AlternateContent xmlns:mc="http://schemas.openxmlformats.org/markup-compatibility/2006" xmlns:p14="http://schemas.microsoft.com/office/powerpoint/2010/main">
+    <mc:Choice Requires="p14">
+      <p:transition spd="med" p14:dur="700">
+        <p:fade/>
+      </p:transition>
+    </mc:Choice>
+    <mc:Fallback xmlns="">
+      <p:transition spd="med">
+        <p:fade/>
+      </p:transition>
+    </mc:Fallback>
+  </mc:AlternateContent>
+</p:sld>
+</file>
+
+<file path=ppt/slides/slide5.xml><?xml version="1.0" encoding="utf-8"?>
+<p:sld xmlns:a="http://schemas.openxmlformats.org/drawingml/2006/main" xmlns:r="http://schemas.openxmlformats.org/officeDocument/2006/relationships" xmlns:p="http://schemas.openxmlformats.org/presentationml/2006/main">
+  <p:cSld>
+    <p:spTree>
+      <p:nvGrpSpPr>
+        <p:cNvPr id="1" name=""/>
+        <p:cNvGrpSpPr/>
+        <p:nvPr/>
+      </p:nvGrpSpPr>
+      <p:grpSpPr>
+        <a:xfrm>
+          <a:off x="0" y="0"/>
+          <a:ext cx="0" cy="0"/>
+          <a:chOff x="0" y="0"/>
+          <a:chExt cx="0" cy="0"/>
+        </a:xfrm>
+      </p:grpSpPr>
+      <p:sp>
+        <p:nvSpPr>
+          <p:cNvPr id="3" name="Заголовок 2"/>
+          <p:cNvSpPr>
+            <a:spLocks noGrp="1"/>
+          </p:cNvSpPr>
+          <p:nvPr>
+            <p:ph type="title"/>
+          </p:nvPr>
+        </p:nvSpPr>
+        <p:spPr/>
+        <p:txBody>
+          <a:bodyPr/>
+          <a:lstStyle/>
+          <a:p>
+            <a:r>
+              <a:rPr lang="en-US" dirty="0"/>
+              <a:t> </a:t>
+            </a:r>
+            <a:r>
+              <a:rPr lang="en-US" dirty="0" err="1"/>
+              <a:t>Lösung</a:t>
+            </a:r>
+            <a:r>
+              <a:rPr lang="en-US" dirty="0"/>
+              <a:t> </a:t>
+            </a:r>
+            <a:r>
+              <a:rPr lang="en-US" dirty="0" err="1"/>
+              <a:t>einer</a:t>
+            </a:r>
+            <a:r>
+              <a:rPr lang="en-US" dirty="0"/>
+              <a:t> </a:t>
+            </a:r>
+            <a:r>
+              <a:rPr lang="en-US" dirty="0" err="1" smtClean="0"/>
+              <a:t>Differentialgleichung</a:t>
+            </a:r>
+            <a:r>
+              <a:rPr lang="en-US" dirty="0" smtClean="0"/>
+              <a:t>  </a:t>
+            </a:r>
+            <a:endParaRPr lang="ru-RU" dirty="0"/>
+          </a:p>
+        </p:txBody>
+      </p:sp>
+      <mc:AlternateContent xmlns:mc="http://schemas.openxmlformats.org/markup-compatibility/2006">
+        <mc:Choice xmlns:a14="http://schemas.microsoft.com/office/drawing/2010/main" Requires="a14">
+          <p:sp>
+            <p:nvSpPr>
+              <p:cNvPr id="4" name="Inhaltsplatzhalter 12">
+                <a:extLst>
+                  <a:ext uri="{FF2B5EF4-FFF2-40B4-BE49-F238E27FC236}">
+                    <a16:creationId xmlns:a16="http://schemas.microsoft.com/office/drawing/2014/main" id="{07645024-0585-4061-B4E7-0E97AFA8FA8A}"/>
+                  </a:ext>
+                </a:extLst>
+              </p:cNvPr>
+              <p:cNvSpPr>
+                <a:spLocks noGrp="1"/>
+              </p:cNvSpPr>
+              <p:nvPr>
+                <p:ph idx="1"/>
+              </p:nvPr>
+            </p:nvSpPr>
+            <p:spPr>
+              <a:xfrm>
+                <a:off x="479376" y="1237986"/>
+                <a:ext cx="10943704" cy="4598718"/>
+              </a:xfrm>
+              <a:prstGeom prst="rect">
+                <a:avLst/>
+              </a:prstGeom>
+            </p:spPr>
+            <p:txBody>
+              <a:bodyPr lIns="0" numCol="3">
+                <a:noAutofit/>
+              </a:bodyPr>
+              <a:lstStyle/>
+              <a:p>
+                <a:pPr fontAlgn="t">
+                  <a:lnSpc>
+                    <a:spcPct val="150000"/>
+                  </a:lnSpc>
+                </a:pPr>
+                <a:r>
+                  <a:rPr lang="de-DE" sz="2400" dirty="0" smtClean="0">
+                    <a:solidFill>
+                      <a:schemeClr val="accent6">
+                        <a:lumMod val="50000"/>
+                      </a:schemeClr>
+                    </a:solidFill>
+                  </a:rPr>
+                  <a:t> unstabil</a:t>
+                </a:r>
+              </a:p>
+              <a:p>
+                <a:r>
+                  <a:rPr lang="de-DE" i="1" dirty="0"/>
+                  <a:t> </a:t>
+                </a:r>
+                <a:endParaRPr lang="ru-RU" sz="2400" i="1" dirty="0">
+                  <a:solidFill>
+                    <a:schemeClr val="accent6">
+                      <a:lumMod val="50000"/>
+                    </a:schemeClr>
+                  </a:solidFill>
+                  <a:latin typeface="Cambria Math" panose="02040503050406030204" pitchFamily="18" charset="0"/>
+                </a:endParaRPr>
+              </a:p>
+              <a:p>
+                <a14:m>
+                  <m:oMathPara xmlns:m="http://schemas.openxmlformats.org/officeDocument/2006/math">
+                    <m:oMathParaPr>
+                      <m:jc m:val="centerGroup"/>
+                    </m:oMathParaPr>
+                    <m:oMath xmlns:m="http://schemas.openxmlformats.org/officeDocument/2006/math">
+                      <m:r>
+                        <a:rPr lang="de-DE" sz="2400" i="1">
+                          <a:solidFill>
+                            <a:schemeClr val="accent6">
+                              <a:lumMod val="50000"/>
+                            </a:schemeClr>
+                          </a:solidFill>
+                          <a:latin typeface="Cambria Math" panose="02040503050406030204" pitchFamily="18" charset="0"/>
+                        </a:rPr>
+                        <m:t>∃ </m:t>
+                      </m:r>
+                      <m:r>
+                        <a:rPr lang="de-DE" sz="2400" i="1">
+                          <a:solidFill>
+                            <a:schemeClr val="accent6">
+                              <a:lumMod val="50000"/>
+                            </a:schemeClr>
+                          </a:solidFill>
+                          <a:latin typeface="Cambria Math" panose="02040503050406030204" pitchFamily="18" charset="0"/>
+                        </a:rPr>
+                        <m:t>𝑲</m:t>
+                      </m:r>
+                      <m:r>
+                        <a:rPr lang="de-DE" sz="2400" b="1" i="1" smtClean="0">
+                          <a:solidFill>
+                            <a:schemeClr val="accent6">
+                              <a:lumMod val="50000"/>
+                            </a:schemeClr>
+                          </a:solidFill>
+                          <a:latin typeface="Cambria Math" panose="02040503050406030204" pitchFamily="18" charset="0"/>
+                        </a:rPr>
+                        <m:t>   </m:t>
+                      </m:r>
+                      <m:r>
+                        <a:rPr lang="de-DE" sz="2400" i="1">
+                          <a:solidFill>
+                            <a:schemeClr val="accent6">
+                              <a:lumMod val="50000"/>
+                            </a:schemeClr>
+                          </a:solidFill>
+                          <a:latin typeface="Cambria Math" panose="02040503050406030204" pitchFamily="18" charset="0"/>
+                        </a:rPr>
+                        <m:t> </m:t>
+                      </m:r>
+                      <m:r>
+                        <a:rPr lang="de-DE" sz="2400" i="1">
+                          <a:solidFill>
+                            <a:schemeClr val="accent6">
+                              <a:lumMod val="50000"/>
+                            </a:schemeClr>
+                          </a:solidFill>
+                          <a:latin typeface="Cambria Math" panose="02040503050406030204" pitchFamily="18" charset="0"/>
+                        </a:rPr>
+                        <m:t>∀</m:t>
+                      </m:r>
+                      <m:r>
+                        <a:rPr lang="de-DE" sz="2400" i="1">
+                          <a:solidFill>
+                            <a:schemeClr val="accent6">
+                              <a:lumMod val="50000"/>
+                            </a:schemeClr>
+                          </a:solidFill>
+                          <a:latin typeface="Cambria Math" panose="02040503050406030204" pitchFamily="18" charset="0"/>
+                        </a:rPr>
+                        <m:t>𝜺</m:t>
+                      </m:r>
+                      <m:r>
+                        <a:rPr lang="de-DE" sz="2400" i="1">
+                          <a:solidFill>
+                            <a:schemeClr val="accent6">
+                              <a:lumMod val="50000"/>
+                            </a:schemeClr>
+                          </a:solidFill>
+                          <a:latin typeface="Cambria Math" panose="02040503050406030204" pitchFamily="18" charset="0"/>
+                        </a:rPr>
+                        <m:t>  </m:t>
+                      </m:r>
+                    </m:oMath>
+                  </m:oMathPara>
+                </a14:m>
+                <a:endParaRPr lang="ru-RU" sz="2400" i="1" dirty="0">
+                  <a:solidFill>
+                    <a:schemeClr val="accent6">
+                      <a:lumMod val="50000"/>
+                    </a:schemeClr>
+                  </a:solidFill>
+                  <a:latin typeface="Cambria Math" panose="02040503050406030204" pitchFamily="18" charset="0"/>
+                </a:endParaRPr>
+              </a:p>
+              <a:p>
+                <a:pPr/>
+                <a14:m>
+                  <m:oMathPara xmlns:m="http://schemas.openxmlformats.org/officeDocument/2006/math">
+                    <m:oMathParaPr>
+                      <m:jc m:val="centerGroup"/>
+                    </m:oMathParaPr>
+                    <m:oMath xmlns:m="http://schemas.openxmlformats.org/officeDocument/2006/math">
+                      <m:d>
+                        <m:dPr>
+                          <m:begChr m:val="‖"/>
+                          <m:endChr m:val="‖"/>
+                          <m:ctrlPr>
+                            <a:rPr lang="ru-RU" sz="2400" i="1">
+                              <a:solidFill>
+                                <a:schemeClr val="accent6">
+                                  <a:lumMod val="50000"/>
+                                </a:schemeClr>
+                              </a:solidFill>
+                              <a:latin typeface="Cambria Math" panose="02040503050406030204" pitchFamily="18" charset="0"/>
+                            </a:rPr>
+                          </m:ctrlPr>
+                        </m:dPr>
+                        <m:e>
+                          <m:sSub>
+                            <m:sSubPr>
+                              <m:ctrlPr>
+                                <a:rPr lang="ru-RU" sz="2400" i="1">
+                                  <a:solidFill>
+                                    <a:schemeClr val="accent6">
+                                      <a:lumMod val="50000"/>
+                                    </a:schemeClr>
+                                  </a:solidFill>
+                                  <a:latin typeface="Cambria Math" panose="02040503050406030204" pitchFamily="18" charset="0"/>
+                                </a:rPr>
+                              </m:ctrlPr>
+                            </m:sSubPr>
+                            <m:e>
+                              <m:r>
+                                <a:rPr lang="de-DE" sz="2400">
+                                  <a:solidFill>
+                                    <a:schemeClr val="accent6">
+                                      <a:lumMod val="50000"/>
+                                    </a:schemeClr>
+                                  </a:solidFill>
+                                  <a:latin typeface="Cambria Math" panose="02040503050406030204" pitchFamily="18" charset="0"/>
+                                </a:rPr>
+                                <m:t>𝑭</m:t>
+                              </m:r>
+                            </m:e>
+                            <m:sub>
+                              <m:r>
+                                <a:rPr lang="de-DE" sz="2400">
+                                  <a:solidFill>
+                                    <a:schemeClr val="accent6">
+                                      <a:lumMod val="50000"/>
+                                    </a:schemeClr>
+                                  </a:solidFill>
+                                  <a:latin typeface="Cambria Math" panose="02040503050406030204" pitchFamily="18" charset="0"/>
+                                </a:rPr>
+                                <m:t>𝟏</m:t>
+                              </m:r>
+                            </m:sub>
+                          </m:sSub>
+                          <m:d>
+                            <m:dPr>
+                              <m:ctrlPr>
+                                <a:rPr lang="ru-RU" sz="2400" i="1">
+                                  <a:solidFill>
+                                    <a:schemeClr val="accent6">
+                                      <a:lumMod val="50000"/>
+                                    </a:schemeClr>
+                                  </a:solidFill>
+                                  <a:latin typeface="Cambria Math" panose="02040503050406030204" pitchFamily="18" charset="0"/>
+                                </a:rPr>
+                              </m:ctrlPr>
+                            </m:dPr>
+                            <m:e>
+                              <m:r>
+                                <a:rPr lang="de-DE" sz="2400">
+                                  <a:solidFill>
+                                    <a:schemeClr val="accent6">
+                                      <a:lumMod val="50000"/>
+                                    </a:schemeClr>
+                                  </a:solidFill>
+                                  <a:latin typeface="Cambria Math" panose="02040503050406030204" pitchFamily="18" charset="0"/>
+                                </a:rPr>
+                                <m:t>𝟎</m:t>
+                              </m:r>
+                            </m:e>
+                          </m:d>
+                          <m:r>
+                            <a:rPr lang="de-DE" sz="2400">
+                              <a:solidFill>
+                                <a:schemeClr val="accent6">
+                                  <a:lumMod val="50000"/>
+                                </a:schemeClr>
+                              </a:solidFill>
+                              <a:latin typeface="Cambria Math" panose="02040503050406030204" pitchFamily="18" charset="0"/>
+                            </a:rPr>
+                            <m:t>−</m:t>
+                          </m:r>
+                          <m:sSub>
+                            <m:sSubPr>
+                              <m:ctrlPr>
+                                <a:rPr lang="ru-RU" sz="2400" i="1">
+                                  <a:solidFill>
+                                    <a:schemeClr val="accent6">
+                                      <a:lumMod val="50000"/>
+                                    </a:schemeClr>
+                                  </a:solidFill>
+                                  <a:latin typeface="Cambria Math" panose="02040503050406030204" pitchFamily="18" charset="0"/>
+                                </a:rPr>
+                              </m:ctrlPr>
+                            </m:sSubPr>
+                            <m:e>
+                              <m:r>
+                                <a:rPr lang="de-DE" sz="2400">
+                                  <a:solidFill>
+                                    <a:schemeClr val="accent6">
+                                      <a:lumMod val="50000"/>
+                                    </a:schemeClr>
+                                  </a:solidFill>
+                                  <a:latin typeface="Cambria Math" panose="02040503050406030204" pitchFamily="18" charset="0"/>
+                                </a:rPr>
+                                <m:t>𝑭</m:t>
+                              </m:r>
+                            </m:e>
+                            <m:sub>
+                              <m:r>
+                                <a:rPr lang="de-DE" sz="2400">
+                                  <a:solidFill>
+                                    <a:schemeClr val="accent6">
+                                      <a:lumMod val="50000"/>
+                                    </a:schemeClr>
+                                  </a:solidFill>
+                                  <a:latin typeface="Cambria Math" panose="02040503050406030204" pitchFamily="18" charset="0"/>
+                                </a:rPr>
+                                <m:t>𝟐</m:t>
+                              </m:r>
+                            </m:sub>
+                          </m:sSub>
+                          <m:d>
+                            <m:dPr>
+                              <m:ctrlPr>
+                                <a:rPr lang="ru-RU" sz="2400" i="1">
+                                  <a:solidFill>
+                                    <a:schemeClr val="accent6">
+                                      <a:lumMod val="50000"/>
+                                    </a:schemeClr>
+                                  </a:solidFill>
+                                  <a:latin typeface="Cambria Math" panose="02040503050406030204" pitchFamily="18" charset="0"/>
+                                </a:rPr>
+                              </m:ctrlPr>
+                            </m:dPr>
+                            <m:e>
+                              <m:r>
+                                <a:rPr lang="de-DE" sz="2400">
+                                  <a:solidFill>
+                                    <a:schemeClr val="accent6">
+                                      <a:lumMod val="50000"/>
+                                    </a:schemeClr>
+                                  </a:solidFill>
+                                  <a:latin typeface="Cambria Math" panose="02040503050406030204" pitchFamily="18" charset="0"/>
+                                </a:rPr>
+                                <m:t>𝟎</m:t>
+                              </m:r>
+                            </m:e>
+                          </m:d>
+                        </m:e>
+                      </m:d>
+                      <m:r>
+                        <a:rPr lang="ru-RU" sz="2400">
+                          <a:solidFill>
+                            <a:schemeClr val="accent6">
+                              <a:lumMod val="50000"/>
+                            </a:schemeClr>
+                          </a:solidFill>
+                          <a:latin typeface="Cambria Math" panose="02040503050406030204" pitchFamily="18" charset="0"/>
+                        </a:rPr>
+                        <m:t>&lt;</m:t>
+                      </m:r>
+                      <m:r>
+                        <a:rPr lang="ru-RU" sz="2400">
+                          <a:solidFill>
+                            <a:schemeClr val="accent6">
+                              <a:lumMod val="50000"/>
+                            </a:schemeClr>
+                          </a:solidFill>
+                          <a:latin typeface="Cambria Math" panose="02040503050406030204" pitchFamily="18" charset="0"/>
+                        </a:rPr>
+                        <m:t>𝜀</m:t>
+                      </m:r>
+                    </m:oMath>
+                  </m:oMathPara>
+                </a14:m>
+                <a:endParaRPr lang="ru-RU" sz="2400" dirty="0">
+                  <a:solidFill>
+                    <a:schemeClr val="accent6">
+                      <a:lumMod val="50000"/>
+                    </a:schemeClr>
+                  </a:solidFill>
+                </a:endParaRPr>
+              </a:p>
+              <a:p>
+                <a:pPr/>
+                <a14:m>
+                  <m:oMathPara xmlns:m="http://schemas.openxmlformats.org/officeDocument/2006/math">
+                    <m:oMathParaPr>
+                      <m:jc m:val="centerGroup"/>
+                    </m:oMathParaPr>
+                    <m:oMath xmlns:m="http://schemas.openxmlformats.org/officeDocument/2006/math">
+                      <m:func>
+                        <m:funcPr>
+                          <m:ctrlPr>
+                            <a:rPr lang="ru-RU" sz="2400" i="1">
+                              <a:solidFill>
+                                <a:schemeClr val="accent6">
+                                  <a:lumMod val="50000"/>
+                                </a:schemeClr>
+                              </a:solidFill>
+                              <a:latin typeface="Cambria Math" panose="02040503050406030204" pitchFamily="18" charset="0"/>
+                            </a:rPr>
+                          </m:ctrlPr>
+                        </m:funcPr>
+                        <m:fName>
+                          <m:limLow>
+                            <m:limLowPr>
+                              <m:ctrlPr>
+                                <a:rPr lang="ru-RU" sz="2400" i="1">
+                                  <a:solidFill>
+                                    <a:schemeClr val="accent6">
+                                      <a:lumMod val="50000"/>
+                                    </a:schemeClr>
+                                  </a:solidFill>
+                                  <a:latin typeface="Cambria Math" panose="02040503050406030204" pitchFamily="18" charset="0"/>
+                                </a:rPr>
+                              </m:ctrlPr>
+                            </m:limLowPr>
+                            <m:e>
+                              <m:r>
+                                <a:rPr lang="de-DE" sz="2400">
+                                  <a:solidFill>
+                                    <a:schemeClr val="accent6">
+                                      <a:lumMod val="50000"/>
+                                    </a:schemeClr>
+                                  </a:solidFill>
+                                  <a:latin typeface="Cambria Math" panose="02040503050406030204" pitchFamily="18" charset="0"/>
+                                </a:rPr>
+                                <m:t>𝒍𝒊𝒎</m:t>
+                              </m:r>
+                            </m:e>
+                            <m:lim>
+                              <m:r>
+                                <a:rPr lang="de-DE" sz="2400">
+                                  <a:solidFill>
+                                    <a:schemeClr val="accent6">
+                                      <a:lumMod val="50000"/>
+                                    </a:schemeClr>
+                                  </a:solidFill>
+                                  <a:latin typeface="Cambria Math" panose="02040503050406030204" pitchFamily="18" charset="0"/>
+                                </a:rPr>
+                                <m:t>𝒙</m:t>
+                              </m:r>
+                              <m:r>
+                                <a:rPr lang="de-DE" sz="2400">
+                                  <a:solidFill>
+                                    <a:schemeClr val="accent6">
+                                      <a:lumMod val="50000"/>
+                                    </a:schemeClr>
+                                  </a:solidFill>
+                                  <a:latin typeface="Cambria Math" panose="02040503050406030204" pitchFamily="18" charset="0"/>
+                                </a:rPr>
+                                <m:t>→∞</m:t>
+                              </m:r>
+                            </m:lim>
+                          </m:limLow>
+                        </m:fName>
+                        <m:e>
+                          <m:sSub>
+                            <m:sSubPr>
+                              <m:ctrlPr>
+                                <a:rPr lang="ru-RU" sz="2400" i="1">
+                                  <a:solidFill>
+                                    <a:schemeClr val="accent6">
+                                      <a:lumMod val="50000"/>
+                                    </a:schemeClr>
+                                  </a:solidFill>
+                                  <a:latin typeface="Cambria Math" panose="02040503050406030204" pitchFamily="18" charset="0"/>
+                                </a:rPr>
+                              </m:ctrlPr>
+                            </m:sSubPr>
+                            <m:e>
+                              <m:r>
+                                <a:rPr lang="de-DE" sz="2400">
+                                  <a:solidFill>
+                                    <a:schemeClr val="accent6">
+                                      <a:lumMod val="50000"/>
+                                    </a:schemeClr>
+                                  </a:solidFill>
+                                  <a:latin typeface="Cambria Math" panose="02040503050406030204" pitchFamily="18" charset="0"/>
+                                </a:rPr>
+                                <m:t>𝑭</m:t>
+                              </m:r>
+                            </m:e>
+                            <m:sub>
+                              <m:r>
+                                <a:rPr lang="de-DE" sz="2400">
+                                  <a:solidFill>
+                                    <a:schemeClr val="accent6">
+                                      <a:lumMod val="50000"/>
+                                    </a:schemeClr>
+                                  </a:solidFill>
+                                  <a:latin typeface="Cambria Math" panose="02040503050406030204" pitchFamily="18" charset="0"/>
+                                </a:rPr>
+                                <m:t>𝟏</m:t>
+                              </m:r>
+                            </m:sub>
+                          </m:sSub>
+                          <m:d>
+                            <m:dPr>
+                              <m:ctrlPr>
+                                <a:rPr lang="ru-RU" sz="2400" i="1">
+                                  <a:solidFill>
+                                    <a:schemeClr val="accent6">
+                                      <a:lumMod val="50000"/>
+                                    </a:schemeClr>
+                                  </a:solidFill>
+                                  <a:latin typeface="Cambria Math" panose="02040503050406030204" pitchFamily="18" charset="0"/>
+                                </a:rPr>
+                              </m:ctrlPr>
+                            </m:dPr>
+                            <m:e>
+                              <m:r>
+                                <a:rPr lang="de-DE" sz="2400">
+                                  <a:solidFill>
+                                    <a:schemeClr val="accent6">
+                                      <a:lumMod val="50000"/>
+                                    </a:schemeClr>
+                                  </a:solidFill>
+                                  <a:latin typeface="Cambria Math" panose="02040503050406030204" pitchFamily="18" charset="0"/>
+                                </a:rPr>
+                                <m:t>𝒙</m:t>
+                              </m:r>
+                            </m:e>
+                          </m:d>
+                          <m:r>
+                            <a:rPr lang="de-DE" sz="2400">
+                              <a:solidFill>
+                                <a:schemeClr val="accent6">
+                                  <a:lumMod val="50000"/>
+                                </a:schemeClr>
+                              </a:solidFill>
+                              <a:latin typeface="Cambria Math" panose="02040503050406030204" pitchFamily="18" charset="0"/>
+                            </a:rPr>
+                            <m:t>−</m:t>
+                          </m:r>
+                          <m:sSub>
+                            <m:sSubPr>
+                              <m:ctrlPr>
+                                <a:rPr lang="ru-RU" sz="2400" i="1">
+                                  <a:solidFill>
+                                    <a:schemeClr val="accent6">
+                                      <a:lumMod val="50000"/>
+                                    </a:schemeClr>
+                                  </a:solidFill>
+                                  <a:latin typeface="Cambria Math" panose="02040503050406030204" pitchFamily="18" charset="0"/>
+                                </a:rPr>
+                              </m:ctrlPr>
+                            </m:sSubPr>
+                            <m:e>
+                              <m:r>
+                                <a:rPr lang="de-DE" sz="2400">
+                                  <a:solidFill>
+                                    <a:schemeClr val="accent6">
+                                      <a:lumMod val="50000"/>
+                                    </a:schemeClr>
+                                  </a:solidFill>
+                                  <a:latin typeface="Cambria Math" panose="02040503050406030204" pitchFamily="18" charset="0"/>
+                                </a:rPr>
+                                <m:t>𝑭</m:t>
+                              </m:r>
+                            </m:e>
+                            <m:sub>
+                              <m:r>
+                                <a:rPr lang="de-DE" sz="2400">
+                                  <a:solidFill>
+                                    <a:schemeClr val="accent6">
+                                      <a:lumMod val="50000"/>
+                                    </a:schemeClr>
+                                  </a:solidFill>
+                                  <a:latin typeface="Cambria Math" panose="02040503050406030204" pitchFamily="18" charset="0"/>
+                                </a:rPr>
+                                <m:t>𝟐</m:t>
+                              </m:r>
+                            </m:sub>
+                          </m:sSub>
+                          <m:d>
+                            <m:dPr>
+                              <m:ctrlPr>
+                                <a:rPr lang="ru-RU" sz="2400" i="1">
+                                  <a:solidFill>
+                                    <a:schemeClr val="accent6">
+                                      <a:lumMod val="50000"/>
+                                    </a:schemeClr>
+                                  </a:solidFill>
+                                  <a:latin typeface="Cambria Math" panose="02040503050406030204" pitchFamily="18" charset="0"/>
+                                </a:rPr>
+                              </m:ctrlPr>
+                            </m:dPr>
+                            <m:e>
+                              <m:r>
+                                <a:rPr lang="de-DE" sz="2400">
+                                  <a:solidFill>
+                                    <a:schemeClr val="accent6">
+                                      <a:lumMod val="50000"/>
+                                    </a:schemeClr>
+                                  </a:solidFill>
+                                  <a:latin typeface="Cambria Math" panose="02040503050406030204" pitchFamily="18" charset="0"/>
+                                </a:rPr>
+                                <m:t>𝒙</m:t>
+                              </m:r>
+                            </m:e>
+                          </m:d>
+                          <m:r>
+                            <a:rPr lang="de-DE" sz="2400" b="1" i="0" smtClean="0">
+                              <a:solidFill>
+                                <a:schemeClr val="accent6">
+                                  <a:lumMod val="50000"/>
+                                </a:schemeClr>
+                              </a:solidFill>
+                              <a:latin typeface="Cambria Math" panose="02040503050406030204" pitchFamily="18" charset="0"/>
+                            </a:rPr>
+                            <m:t>&gt;</m:t>
+                          </m:r>
+                          <m:r>
+                            <a:rPr lang="de-DE" sz="2400">
+                              <a:solidFill>
+                                <a:schemeClr val="accent6">
+                                  <a:lumMod val="50000"/>
+                                </a:schemeClr>
+                              </a:solidFill>
+                              <a:latin typeface="Cambria Math" panose="02040503050406030204" pitchFamily="18" charset="0"/>
+                            </a:rPr>
+                            <m:t>𝑲</m:t>
+                          </m:r>
+                        </m:e>
+                      </m:func>
+                    </m:oMath>
+                  </m:oMathPara>
+                </a14:m>
+                <a:endParaRPr lang="de-DE" sz="2400" dirty="0" smtClean="0">
+                  <a:solidFill>
+                    <a:schemeClr val="accent6">
+                      <a:lumMod val="50000"/>
+                    </a:schemeClr>
+                  </a:solidFill>
+                </a:endParaRPr>
+              </a:p>
+              <a:p>
+                <a:pPr fontAlgn="t">
+                  <a:lnSpc>
+                    <a:spcPct val="150000"/>
+                  </a:lnSpc>
+                </a:pPr>
+                <a:r>
+                  <a:rPr lang="de-DE" sz="2400" dirty="0" smtClean="0">
+                    <a:solidFill>
+                      <a:schemeClr val="accent6">
+                        <a:lumMod val="50000"/>
+                      </a:schemeClr>
+                    </a:solidFill>
+                  </a:rPr>
+                  <a:t>Beispiel:</a:t>
+                </a:r>
+              </a:p>
+              <a:p>
+                <a:pPr algn="ctr" fontAlgn="t">
+                  <a:lnSpc>
+                    <a:spcPct val="150000"/>
+                  </a:lnSpc>
+                </a:pPr>
+                <a14:m>
+                  <m:oMathPara xmlns:m="http://schemas.openxmlformats.org/officeDocument/2006/math">
+                    <m:oMathParaPr>
+                      <m:jc m:val="centerGroup"/>
+                    </m:oMathParaPr>
+                    <m:oMath xmlns:m="http://schemas.openxmlformats.org/officeDocument/2006/math">
+                      <m:f>
+                        <m:fPr>
+                          <m:ctrlPr>
+                            <a:rPr lang="ru-RU" sz="2400" i="1">
+                              <a:solidFill>
+                                <a:schemeClr val="accent6">
+                                  <a:lumMod val="50000"/>
+                                </a:schemeClr>
+                              </a:solidFill>
+                              <a:latin typeface="Cambria Math" panose="02040503050406030204" pitchFamily="18" charset="0"/>
+                            </a:rPr>
+                          </m:ctrlPr>
+                        </m:fPr>
+                        <m:num>
+                          <m:r>
+                            <a:rPr lang="de-DE" sz="2400">
+                              <a:solidFill>
+                                <a:schemeClr val="accent6">
+                                  <a:lumMod val="50000"/>
+                                </a:schemeClr>
+                              </a:solidFill>
+                              <a:latin typeface="Cambria Math" panose="02040503050406030204" pitchFamily="18" charset="0"/>
+                            </a:rPr>
+                            <m:t>𝒅𝒚</m:t>
+                          </m:r>
+                        </m:num>
+                        <m:den>
+                          <m:r>
+                            <a:rPr lang="de-DE" sz="2400">
+                              <a:solidFill>
+                                <a:schemeClr val="accent6">
+                                  <a:lumMod val="50000"/>
+                                </a:schemeClr>
+                              </a:solidFill>
+                              <a:latin typeface="Cambria Math" panose="02040503050406030204" pitchFamily="18" charset="0"/>
+                            </a:rPr>
+                            <m:t>𝒅𝒙</m:t>
+                          </m:r>
+                        </m:den>
+                      </m:f>
+                      <m:r>
+                        <a:rPr lang="de-DE" sz="2400">
+                          <a:solidFill>
+                            <a:schemeClr val="accent6">
+                              <a:lumMod val="50000"/>
+                            </a:schemeClr>
+                          </a:solidFill>
+                          <a:latin typeface="Cambria Math" panose="02040503050406030204" pitchFamily="18" charset="0"/>
+                        </a:rPr>
+                        <m:t>=−</m:t>
+                      </m:r>
+                      <m:r>
+                        <a:rPr lang="de-DE" sz="2400">
+                          <a:solidFill>
+                            <a:schemeClr val="accent6">
+                              <a:lumMod val="50000"/>
+                            </a:schemeClr>
+                          </a:solidFill>
+                          <a:latin typeface="Cambria Math" panose="02040503050406030204" pitchFamily="18" charset="0"/>
+                        </a:rPr>
+                        <m:t>𝒚</m:t>
+                      </m:r>
+                      <m:d>
+                        <m:dPr>
+                          <m:ctrlPr>
+                            <a:rPr lang="ru-RU" sz="2400" i="1">
+                              <a:solidFill>
+                                <a:schemeClr val="accent6">
+                                  <a:lumMod val="50000"/>
+                                </a:schemeClr>
+                              </a:solidFill>
+                              <a:latin typeface="Cambria Math" panose="02040503050406030204" pitchFamily="18" charset="0"/>
+                            </a:rPr>
+                          </m:ctrlPr>
+                        </m:dPr>
+                        <m:e>
+                          <m:r>
+                            <a:rPr lang="de-DE" sz="2400">
+                              <a:solidFill>
+                                <a:schemeClr val="accent6">
+                                  <a:lumMod val="50000"/>
+                                </a:schemeClr>
+                              </a:solidFill>
+                              <a:latin typeface="Cambria Math" panose="02040503050406030204" pitchFamily="18" charset="0"/>
+                            </a:rPr>
+                            <m:t>𝒙</m:t>
+                          </m:r>
+                        </m:e>
+                      </m:d>
+                    </m:oMath>
+                  </m:oMathPara>
+                </a14:m>
+                <a:endParaRPr lang="de-DE" sz="2400" dirty="0">
+                  <a:solidFill>
+                    <a:schemeClr val="accent6">
+                      <a:lumMod val="50000"/>
+                    </a:schemeClr>
+                  </a:solidFill>
+                </a:endParaRPr>
+              </a:p>
+              <a:p>
+                <a:pPr algn="ctr" fontAlgn="t">
+                  <a:lnSpc>
+                    <a:spcPct val="150000"/>
+                  </a:lnSpc>
+                </a:pPr>
+                <a14:m>
+                  <m:oMath xmlns:m="http://schemas.openxmlformats.org/officeDocument/2006/math">
+                    <m:sSub>
+                      <m:sSubPr>
+                        <m:ctrlPr>
+                          <a:rPr lang="ru-RU" sz="2400" i="1">
+                            <a:solidFill>
+                              <a:schemeClr val="accent6">
+                                <a:lumMod val="50000"/>
+                              </a:schemeClr>
+                            </a:solidFill>
+                            <a:latin typeface="Cambria Math" panose="02040503050406030204" pitchFamily="18" charset="0"/>
+                          </a:rPr>
+                        </m:ctrlPr>
+                      </m:sSubPr>
+                      <m:e>
+                        <m:r>
+                          <a:rPr lang="de-DE" sz="2400">
+                            <a:solidFill>
+                              <a:schemeClr val="accent6">
+                                <a:lumMod val="50000"/>
+                              </a:schemeClr>
+                            </a:solidFill>
+                            <a:latin typeface="Cambria Math" panose="02040503050406030204" pitchFamily="18" charset="0"/>
+                          </a:rPr>
+                          <m:t>𝑭</m:t>
+                        </m:r>
+                      </m:e>
+                      <m:sub>
+                        <m:r>
+                          <a:rPr lang="de-DE" sz="2400">
+                            <a:solidFill>
+                              <a:schemeClr val="accent6">
+                                <a:lumMod val="50000"/>
+                              </a:schemeClr>
+                            </a:solidFill>
+                            <a:latin typeface="Cambria Math" panose="02040503050406030204" pitchFamily="18" charset="0"/>
+                          </a:rPr>
+                          <m:t>𝟏</m:t>
+                        </m:r>
+                      </m:sub>
+                    </m:sSub>
+                    <m:d>
+                      <m:dPr>
+                        <m:ctrlPr>
+                          <a:rPr lang="ru-RU" sz="2400" i="1">
+                            <a:solidFill>
+                              <a:schemeClr val="accent6">
+                                <a:lumMod val="50000"/>
+                              </a:schemeClr>
+                            </a:solidFill>
+                            <a:latin typeface="Cambria Math" panose="02040503050406030204" pitchFamily="18" charset="0"/>
+                          </a:rPr>
+                        </m:ctrlPr>
+                      </m:dPr>
+                      <m:e>
+                        <m:r>
+                          <a:rPr lang="de-DE" sz="2400">
+                            <a:solidFill>
+                              <a:schemeClr val="accent6">
+                                <a:lumMod val="50000"/>
+                              </a:schemeClr>
+                            </a:solidFill>
+                            <a:latin typeface="Cambria Math" panose="02040503050406030204" pitchFamily="18" charset="0"/>
+                          </a:rPr>
+                          <m:t>𝒙</m:t>
+                        </m:r>
+                      </m:e>
+                    </m:d>
+                    <m:r>
+                      <a:rPr lang="de-DE" sz="2400">
+                        <a:solidFill>
+                          <a:schemeClr val="accent6">
+                            <a:lumMod val="50000"/>
+                          </a:schemeClr>
+                        </a:solidFill>
+                        <a:latin typeface="Cambria Math" panose="02040503050406030204" pitchFamily="18" charset="0"/>
+                      </a:rPr>
+                      <m:t>=</m:t>
+                    </m:r>
+                    <m:sSub>
+                      <m:sSubPr>
+                        <m:ctrlPr>
+                          <a:rPr lang="ru-RU" sz="2400" i="1">
+                            <a:solidFill>
+                              <a:schemeClr val="accent6">
+                                <a:lumMod val="50000"/>
+                              </a:schemeClr>
+                            </a:solidFill>
+                            <a:latin typeface="Cambria Math" panose="02040503050406030204" pitchFamily="18" charset="0"/>
+                          </a:rPr>
+                        </m:ctrlPr>
+                      </m:sSubPr>
+                      <m:e>
+                        <m:r>
+                          <a:rPr lang="de-DE" sz="2400">
+                            <a:solidFill>
+                              <a:schemeClr val="accent6">
+                                <a:lumMod val="50000"/>
+                              </a:schemeClr>
+                            </a:solidFill>
+                            <a:latin typeface="Cambria Math" panose="02040503050406030204" pitchFamily="18" charset="0"/>
+                          </a:rPr>
+                          <m:t>𝒄</m:t>
+                        </m:r>
+                      </m:e>
+                      <m:sub>
+                        <m:r>
+                          <a:rPr lang="de-DE" sz="2400">
+                            <a:solidFill>
+                              <a:schemeClr val="accent6">
+                                <a:lumMod val="50000"/>
+                              </a:schemeClr>
+                            </a:solidFill>
+                            <a:latin typeface="Cambria Math" panose="02040503050406030204" pitchFamily="18" charset="0"/>
+                          </a:rPr>
+                          <m:t>𝟏</m:t>
+                        </m:r>
+                      </m:sub>
+                    </m:sSub>
+                    <m:sSup>
+                      <m:sSupPr>
+                        <m:ctrlPr>
+                          <a:rPr lang="ru-RU" sz="2400" i="1">
+                            <a:solidFill>
+                              <a:schemeClr val="accent6">
+                                <a:lumMod val="50000"/>
+                              </a:schemeClr>
+                            </a:solidFill>
+                            <a:latin typeface="Cambria Math" panose="02040503050406030204" pitchFamily="18" charset="0"/>
+                          </a:rPr>
+                        </m:ctrlPr>
+                      </m:sSupPr>
+                      <m:e>
+                        <m:r>
+                          <a:rPr lang="de-DE" sz="2400">
+                            <a:solidFill>
+                              <a:schemeClr val="accent6">
+                                <a:lumMod val="50000"/>
+                              </a:schemeClr>
+                            </a:solidFill>
+                            <a:latin typeface="Cambria Math" panose="02040503050406030204" pitchFamily="18" charset="0"/>
+                          </a:rPr>
+                          <m:t>𝒆</m:t>
+                        </m:r>
+                      </m:e>
+                      <m:sup>
+                        <m:r>
+                          <a:rPr lang="de-DE" sz="2400">
+                            <a:solidFill>
+                              <a:schemeClr val="accent6">
+                                <a:lumMod val="50000"/>
+                              </a:schemeClr>
+                            </a:solidFill>
+                            <a:latin typeface="Cambria Math" panose="02040503050406030204" pitchFamily="18" charset="0"/>
+                          </a:rPr>
+                          <m:t>−</m:t>
+                        </m:r>
+                        <m:r>
+                          <a:rPr lang="de-DE" sz="2400">
+                            <a:solidFill>
+                              <a:schemeClr val="accent6">
+                                <a:lumMod val="50000"/>
+                              </a:schemeClr>
+                            </a:solidFill>
+                            <a:latin typeface="Cambria Math" panose="02040503050406030204" pitchFamily="18" charset="0"/>
+                          </a:rPr>
+                          <m:t>𝒙</m:t>
+                        </m:r>
+                      </m:sup>
+                    </m:sSup>
+                    <m:r>
+                      <a:rPr lang="de-DE" sz="2400">
+                        <a:solidFill>
+                          <a:schemeClr val="accent6">
+                            <a:lumMod val="50000"/>
+                          </a:schemeClr>
+                        </a:solidFill>
+                        <a:latin typeface="Cambria Math" panose="02040503050406030204" pitchFamily="18" charset="0"/>
+                      </a:rPr>
+                      <m:t>            </m:t>
+                    </m:r>
+                    <m:sSub>
+                      <m:sSubPr>
+                        <m:ctrlPr>
+                          <a:rPr lang="ru-RU" sz="2400" i="1">
+                            <a:solidFill>
+                              <a:schemeClr val="accent6">
+                                <a:lumMod val="50000"/>
+                              </a:schemeClr>
+                            </a:solidFill>
+                            <a:latin typeface="Cambria Math" panose="02040503050406030204" pitchFamily="18" charset="0"/>
+                          </a:rPr>
+                        </m:ctrlPr>
+                      </m:sSubPr>
+                      <m:e>
+                        <m:r>
+                          <a:rPr lang="de-DE" sz="2400">
+                            <a:solidFill>
+                              <a:schemeClr val="accent6">
+                                <a:lumMod val="50000"/>
+                              </a:schemeClr>
+                            </a:solidFill>
+                            <a:latin typeface="Cambria Math" panose="02040503050406030204" pitchFamily="18" charset="0"/>
+                          </a:rPr>
+                          <m:t>𝑭</m:t>
+                        </m:r>
+                      </m:e>
+                      <m:sub>
+                        <m:r>
+                          <a:rPr lang="de-DE" sz="2400">
+                            <a:solidFill>
+                              <a:schemeClr val="accent6">
+                                <a:lumMod val="50000"/>
+                              </a:schemeClr>
+                            </a:solidFill>
+                            <a:latin typeface="Cambria Math" panose="02040503050406030204" pitchFamily="18" charset="0"/>
+                          </a:rPr>
+                          <m:t>𝟐</m:t>
+                        </m:r>
+                      </m:sub>
+                    </m:sSub>
+                    <m:d>
+                      <m:dPr>
+                        <m:ctrlPr>
+                          <a:rPr lang="ru-RU" sz="2400" i="1">
+                            <a:solidFill>
+                              <a:schemeClr val="accent6">
+                                <a:lumMod val="50000"/>
+                              </a:schemeClr>
+                            </a:solidFill>
+                            <a:latin typeface="Cambria Math" panose="02040503050406030204" pitchFamily="18" charset="0"/>
+                          </a:rPr>
+                        </m:ctrlPr>
+                      </m:dPr>
+                      <m:e>
+                        <m:r>
+                          <a:rPr lang="de-DE" sz="2400">
+                            <a:solidFill>
+                              <a:schemeClr val="accent6">
+                                <a:lumMod val="50000"/>
+                              </a:schemeClr>
+                            </a:solidFill>
+                            <a:latin typeface="Cambria Math" panose="02040503050406030204" pitchFamily="18" charset="0"/>
+                          </a:rPr>
+                          <m:t>𝒙</m:t>
+                        </m:r>
+                      </m:e>
+                    </m:d>
+                    <m:r>
+                      <a:rPr lang="de-DE" sz="2400">
+                        <a:solidFill>
+                          <a:schemeClr val="accent6">
+                            <a:lumMod val="50000"/>
+                          </a:schemeClr>
+                        </a:solidFill>
+                        <a:latin typeface="Cambria Math" panose="02040503050406030204" pitchFamily="18" charset="0"/>
+                      </a:rPr>
+                      <m:t>=</m:t>
+                    </m:r>
+                    <m:sSub>
+                      <m:sSubPr>
+                        <m:ctrlPr>
+                          <a:rPr lang="ru-RU" sz="2400" i="1">
+                            <a:solidFill>
+                              <a:schemeClr val="accent6">
+                                <a:lumMod val="50000"/>
+                              </a:schemeClr>
+                            </a:solidFill>
+                            <a:latin typeface="Cambria Math" panose="02040503050406030204" pitchFamily="18" charset="0"/>
+                          </a:rPr>
+                        </m:ctrlPr>
+                      </m:sSubPr>
+                      <m:e>
+                        <m:r>
+                          <a:rPr lang="de-DE" sz="2400">
+                            <a:solidFill>
+                              <a:schemeClr val="accent6">
+                                <a:lumMod val="50000"/>
+                              </a:schemeClr>
+                            </a:solidFill>
+                            <a:latin typeface="Cambria Math" panose="02040503050406030204" pitchFamily="18" charset="0"/>
+                          </a:rPr>
+                          <m:t>𝒄</m:t>
+                        </m:r>
+                      </m:e>
+                      <m:sub>
+                        <m:r>
+                          <a:rPr lang="de-DE" sz="2400">
+                            <a:solidFill>
+                              <a:schemeClr val="accent6">
+                                <a:lumMod val="50000"/>
+                              </a:schemeClr>
+                            </a:solidFill>
+                            <a:latin typeface="Cambria Math" panose="02040503050406030204" pitchFamily="18" charset="0"/>
+                          </a:rPr>
+                          <m:t>𝟐</m:t>
+                        </m:r>
+                      </m:sub>
+                    </m:sSub>
+                    <m:sSup>
+                      <m:sSupPr>
+                        <m:ctrlPr>
+                          <a:rPr lang="ru-RU" sz="2400" i="1">
+                            <a:solidFill>
+                              <a:schemeClr val="accent6">
+                                <a:lumMod val="50000"/>
+                              </a:schemeClr>
+                            </a:solidFill>
+                            <a:latin typeface="Cambria Math" panose="02040503050406030204" pitchFamily="18" charset="0"/>
+                          </a:rPr>
+                        </m:ctrlPr>
+                      </m:sSupPr>
+                      <m:e>
+                        <m:r>
+                          <a:rPr lang="de-DE" sz="2400">
+                            <a:solidFill>
+                              <a:schemeClr val="accent6">
+                                <a:lumMod val="50000"/>
+                              </a:schemeClr>
+                            </a:solidFill>
+                            <a:latin typeface="Cambria Math" panose="02040503050406030204" pitchFamily="18" charset="0"/>
+                          </a:rPr>
+                          <m:t>𝒆</m:t>
+                        </m:r>
+                      </m:e>
+                      <m:sup>
+                        <m:r>
+                          <a:rPr lang="de-DE" sz="2400">
+                            <a:solidFill>
+                              <a:schemeClr val="accent6">
+                                <a:lumMod val="50000"/>
+                              </a:schemeClr>
+                            </a:solidFill>
+                            <a:latin typeface="Cambria Math" panose="02040503050406030204" pitchFamily="18" charset="0"/>
+                          </a:rPr>
+                          <m:t>−</m:t>
+                        </m:r>
+                        <m:r>
+                          <a:rPr lang="de-DE" sz="2400">
+                            <a:solidFill>
+                              <a:schemeClr val="accent6">
+                                <a:lumMod val="50000"/>
+                              </a:schemeClr>
+                            </a:solidFill>
+                            <a:latin typeface="Cambria Math" panose="02040503050406030204" pitchFamily="18" charset="0"/>
+                          </a:rPr>
+                          <m:t>𝒙</m:t>
+                        </m:r>
+                      </m:sup>
+                    </m:sSup>
+                  </m:oMath>
+                </a14:m>
+                <a:r>
+                  <a:rPr lang="de-DE" sz="2400" dirty="0">
+                    <a:solidFill>
+                      <a:schemeClr val="accent6">
+                        <a:lumMod val="50000"/>
+                      </a:schemeClr>
+                    </a:solidFill>
+                  </a:rPr>
+                  <a:t> </a:t>
+                </a:r>
+                <a:endParaRPr lang="ru-RU" sz="2400" dirty="0">
+                  <a:solidFill>
+                    <a:schemeClr val="accent6">
+                      <a:lumMod val="50000"/>
+                    </a:schemeClr>
+                  </a:solidFill>
+                </a:endParaRPr>
+              </a:p>
+              <a:p>
+                <a:pPr algn="ctr" fontAlgn="t">
+                  <a:lnSpc>
+                    <a:spcPct val="150000"/>
+                  </a:lnSpc>
+                </a:pPr>
+                <a14:m>
+                  <m:oMathPara xmlns:m="http://schemas.openxmlformats.org/officeDocument/2006/math">
+                    <m:oMathParaPr>
+                      <m:jc m:val="centerGroup"/>
+                    </m:oMathParaPr>
+                    <m:oMath xmlns:m="http://schemas.openxmlformats.org/officeDocument/2006/math">
+                      <m:func>
+                        <m:funcPr>
+                          <m:ctrlPr>
+                            <a:rPr lang="ru-RU" sz="2400" i="1">
+                              <a:solidFill>
+                                <a:schemeClr val="accent6">
+                                  <a:lumMod val="50000"/>
+                                </a:schemeClr>
+                              </a:solidFill>
+                              <a:latin typeface="Cambria Math" panose="02040503050406030204" pitchFamily="18" charset="0"/>
+                            </a:rPr>
+                          </m:ctrlPr>
+                        </m:funcPr>
+                        <m:fName>
+                          <m:limLow>
+                            <m:limLowPr>
+                              <m:ctrlPr>
+                                <a:rPr lang="ru-RU" sz="2400" i="1">
+                                  <a:solidFill>
+                                    <a:schemeClr val="accent6">
+                                      <a:lumMod val="50000"/>
+                                    </a:schemeClr>
+                                  </a:solidFill>
+                                  <a:latin typeface="Cambria Math" panose="02040503050406030204" pitchFamily="18" charset="0"/>
+                                </a:rPr>
+                              </m:ctrlPr>
+                            </m:limLowPr>
+                            <m:e>
+                              <m:r>
+                                <a:rPr lang="de-DE" sz="2400">
+                                  <a:solidFill>
+                                    <a:schemeClr val="accent6">
+                                      <a:lumMod val="50000"/>
+                                    </a:schemeClr>
+                                  </a:solidFill>
+                                  <a:latin typeface="Cambria Math" panose="02040503050406030204" pitchFamily="18" charset="0"/>
+                                </a:rPr>
+                                <m:t>𝒍𝒊𝒎</m:t>
+                              </m:r>
+                            </m:e>
+                            <m:lim>
+                              <m:r>
+                                <a:rPr lang="de-DE" sz="2400">
+                                  <a:solidFill>
+                                    <a:schemeClr val="accent6">
+                                      <a:lumMod val="50000"/>
+                                    </a:schemeClr>
+                                  </a:solidFill>
+                                  <a:latin typeface="Cambria Math" panose="02040503050406030204" pitchFamily="18" charset="0"/>
+                                </a:rPr>
+                                <m:t>𝒙</m:t>
+                              </m:r>
+                              <m:r>
+                                <a:rPr lang="de-DE" sz="2400">
+                                  <a:solidFill>
+                                    <a:schemeClr val="accent6">
+                                      <a:lumMod val="50000"/>
+                                    </a:schemeClr>
+                                  </a:solidFill>
+                                  <a:latin typeface="Cambria Math" panose="02040503050406030204" pitchFamily="18" charset="0"/>
+                                </a:rPr>
+                                <m:t>→∞</m:t>
+                              </m:r>
+                            </m:lim>
+                          </m:limLow>
+                        </m:fName>
+                        <m:e>
+                          <m:sSub>
+                            <m:sSubPr>
+                              <m:ctrlPr>
+                                <a:rPr lang="ru-RU" sz="2400" i="1">
+                                  <a:solidFill>
+                                    <a:schemeClr val="accent6">
+                                      <a:lumMod val="50000"/>
+                                    </a:schemeClr>
+                                  </a:solidFill>
+                                  <a:latin typeface="Cambria Math" panose="02040503050406030204" pitchFamily="18" charset="0"/>
+                                </a:rPr>
+                              </m:ctrlPr>
+                            </m:sSubPr>
+                            <m:e>
+                              <m:r>
+                                <a:rPr lang="de-DE" sz="2400">
+                                  <a:solidFill>
+                                    <a:schemeClr val="accent6">
+                                      <a:lumMod val="50000"/>
+                                    </a:schemeClr>
+                                  </a:solidFill>
+                                  <a:latin typeface="Cambria Math" panose="02040503050406030204" pitchFamily="18" charset="0"/>
+                                </a:rPr>
+                                <m:t>𝑭</m:t>
+                              </m:r>
+                            </m:e>
+                            <m:sub>
+                              <m:r>
+                                <a:rPr lang="de-DE" sz="2400">
+                                  <a:solidFill>
+                                    <a:schemeClr val="accent6">
+                                      <a:lumMod val="50000"/>
+                                    </a:schemeClr>
+                                  </a:solidFill>
+                                  <a:latin typeface="Cambria Math" panose="02040503050406030204" pitchFamily="18" charset="0"/>
+                                </a:rPr>
+                                <m:t>𝟏</m:t>
+                              </m:r>
+                            </m:sub>
+                          </m:sSub>
+                          <m:d>
+                            <m:dPr>
+                              <m:ctrlPr>
+                                <a:rPr lang="ru-RU" sz="2400" i="1">
+                                  <a:solidFill>
+                                    <a:schemeClr val="accent6">
+                                      <a:lumMod val="50000"/>
+                                    </a:schemeClr>
+                                  </a:solidFill>
+                                  <a:latin typeface="Cambria Math" panose="02040503050406030204" pitchFamily="18" charset="0"/>
+                                </a:rPr>
+                              </m:ctrlPr>
+                            </m:dPr>
+                            <m:e>
+                              <m:r>
+                                <a:rPr lang="de-DE" sz="2400">
+                                  <a:solidFill>
+                                    <a:schemeClr val="accent6">
+                                      <a:lumMod val="50000"/>
+                                    </a:schemeClr>
+                                  </a:solidFill>
+                                  <a:latin typeface="Cambria Math" panose="02040503050406030204" pitchFamily="18" charset="0"/>
+                                </a:rPr>
+                                <m:t>𝒙</m:t>
+                              </m:r>
+                            </m:e>
+                          </m:d>
+                          <m:r>
+                            <a:rPr lang="de-DE" sz="2400">
+                              <a:solidFill>
+                                <a:schemeClr val="accent6">
+                                  <a:lumMod val="50000"/>
+                                </a:schemeClr>
+                              </a:solidFill>
+                              <a:latin typeface="Cambria Math" panose="02040503050406030204" pitchFamily="18" charset="0"/>
+                            </a:rPr>
+                            <m:t>−</m:t>
+                          </m:r>
+                          <m:sSub>
+                            <m:sSubPr>
+                              <m:ctrlPr>
+                                <a:rPr lang="ru-RU" sz="2400" i="1">
+                                  <a:solidFill>
+                                    <a:schemeClr val="accent6">
+                                      <a:lumMod val="50000"/>
+                                    </a:schemeClr>
+                                  </a:solidFill>
+                                  <a:latin typeface="Cambria Math" panose="02040503050406030204" pitchFamily="18" charset="0"/>
+                                </a:rPr>
+                              </m:ctrlPr>
+                            </m:sSubPr>
+                            <m:e>
+                              <m:r>
+                                <a:rPr lang="de-DE" sz="2400">
+                                  <a:solidFill>
+                                    <a:schemeClr val="accent6">
+                                      <a:lumMod val="50000"/>
+                                    </a:schemeClr>
+                                  </a:solidFill>
+                                  <a:latin typeface="Cambria Math" panose="02040503050406030204" pitchFamily="18" charset="0"/>
+                                </a:rPr>
+                                <m:t>𝑭</m:t>
+                              </m:r>
+                            </m:e>
+                            <m:sub>
+                              <m:r>
+                                <a:rPr lang="de-DE" sz="2400">
+                                  <a:solidFill>
+                                    <a:schemeClr val="accent6">
+                                      <a:lumMod val="50000"/>
+                                    </a:schemeClr>
+                                  </a:solidFill>
+                                  <a:latin typeface="Cambria Math" panose="02040503050406030204" pitchFamily="18" charset="0"/>
+                                </a:rPr>
+                                <m:t>𝟐</m:t>
+                              </m:r>
+                            </m:sub>
+                          </m:sSub>
+                          <m:d>
+                            <m:dPr>
+                              <m:ctrlPr>
+                                <a:rPr lang="ru-RU" sz="2400" i="1">
+                                  <a:solidFill>
+                                    <a:schemeClr val="accent6">
+                                      <a:lumMod val="50000"/>
+                                    </a:schemeClr>
+                                  </a:solidFill>
+                                  <a:latin typeface="Cambria Math" panose="02040503050406030204" pitchFamily="18" charset="0"/>
+                                </a:rPr>
+                              </m:ctrlPr>
+                            </m:dPr>
+                            <m:e>
+                              <m:r>
+                                <a:rPr lang="de-DE" sz="2400">
+                                  <a:solidFill>
+                                    <a:schemeClr val="accent6">
+                                      <a:lumMod val="50000"/>
+                                    </a:schemeClr>
+                                  </a:solidFill>
+                                  <a:latin typeface="Cambria Math" panose="02040503050406030204" pitchFamily="18" charset="0"/>
+                                </a:rPr>
+                                <m:t>𝒙</m:t>
+                              </m:r>
+                            </m:e>
+                          </m:d>
+                        </m:e>
+                      </m:func>
+                      <m:func>
+                        <m:funcPr>
+                          <m:ctrlPr>
+                            <a:rPr lang="ru-RU" sz="2400" i="1">
+                              <a:solidFill>
+                                <a:schemeClr val="accent6">
+                                  <a:lumMod val="50000"/>
+                                </a:schemeClr>
+                              </a:solidFill>
+                              <a:latin typeface="Cambria Math" panose="02040503050406030204" pitchFamily="18" charset="0"/>
+                            </a:rPr>
+                          </m:ctrlPr>
+                        </m:funcPr>
+                        <m:fName>
+                          <m:limLow>
+                            <m:limLowPr>
+                              <m:ctrlPr>
+                                <a:rPr lang="ru-RU" sz="2400" i="1">
+                                  <a:solidFill>
+                                    <a:schemeClr val="accent6">
+                                      <a:lumMod val="50000"/>
+                                    </a:schemeClr>
+                                  </a:solidFill>
+                                  <a:latin typeface="Cambria Math" panose="02040503050406030204" pitchFamily="18" charset="0"/>
+                                </a:rPr>
+                              </m:ctrlPr>
+                            </m:limLowPr>
+                            <m:e>
+                              <m:r>
+                                <a:rPr lang="de-DE" sz="2400">
+                                  <a:solidFill>
+                                    <a:schemeClr val="accent6">
+                                      <a:lumMod val="50000"/>
+                                    </a:schemeClr>
+                                  </a:solidFill>
+                                  <a:latin typeface="Cambria Math" panose="02040503050406030204" pitchFamily="18" charset="0"/>
+                                </a:rPr>
+                                <m:t>=</m:t>
+                              </m:r>
+                              <m:r>
+                                <a:rPr lang="de-DE" sz="2400">
+                                  <a:solidFill>
+                                    <a:schemeClr val="accent6">
+                                      <a:lumMod val="50000"/>
+                                    </a:schemeClr>
+                                  </a:solidFill>
+                                  <a:latin typeface="Cambria Math" panose="02040503050406030204" pitchFamily="18" charset="0"/>
+                                </a:rPr>
+                                <m:t>𝒍𝒊𝒎</m:t>
+                              </m:r>
+                            </m:e>
+                            <m:lim>
+                              <m:r>
+                                <a:rPr lang="de-DE" sz="2400">
+                                  <a:solidFill>
+                                    <a:schemeClr val="accent6">
+                                      <a:lumMod val="50000"/>
+                                    </a:schemeClr>
+                                  </a:solidFill>
+                                  <a:latin typeface="Cambria Math" panose="02040503050406030204" pitchFamily="18" charset="0"/>
+                                </a:rPr>
+                                <m:t>𝒙</m:t>
+                              </m:r>
+                              <m:r>
+                                <a:rPr lang="de-DE" sz="2400">
+                                  <a:solidFill>
+                                    <a:schemeClr val="accent6">
+                                      <a:lumMod val="50000"/>
+                                    </a:schemeClr>
+                                  </a:solidFill>
+                                  <a:latin typeface="Cambria Math" panose="02040503050406030204" pitchFamily="18" charset="0"/>
+                                </a:rPr>
+                                <m:t>→∞</m:t>
+                              </m:r>
+                            </m:lim>
+                          </m:limLow>
+                        </m:fName>
+                        <m:e>
+                          <m:sSub>
+                            <m:sSubPr>
+                              <m:ctrlPr>
+                                <a:rPr lang="ru-RU" sz="2400" i="1">
+                                  <a:solidFill>
+                                    <a:schemeClr val="accent6">
+                                      <a:lumMod val="50000"/>
+                                    </a:schemeClr>
+                                  </a:solidFill>
+                                  <a:latin typeface="Cambria Math" panose="02040503050406030204" pitchFamily="18" charset="0"/>
+                                </a:rPr>
+                              </m:ctrlPr>
+                            </m:sSubPr>
+                            <m:e>
+                              <m:r>
+                                <a:rPr lang="de-DE" sz="2400">
+                                  <a:solidFill>
+                                    <a:schemeClr val="accent6">
+                                      <a:lumMod val="50000"/>
+                                    </a:schemeClr>
+                                  </a:solidFill>
+                                  <a:latin typeface="Cambria Math" panose="02040503050406030204" pitchFamily="18" charset="0"/>
+                                </a:rPr>
+                                <m:t>𝒄</m:t>
+                              </m:r>
+                            </m:e>
+                            <m:sub>
+                              <m:r>
+                                <a:rPr lang="de-DE" sz="2400">
+                                  <a:solidFill>
+                                    <a:schemeClr val="accent6">
+                                      <a:lumMod val="50000"/>
+                                    </a:schemeClr>
+                                  </a:solidFill>
+                                  <a:latin typeface="Cambria Math" panose="02040503050406030204" pitchFamily="18" charset="0"/>
+                                </a:rPr>
+                                <m:t>𝟏</m:t>
+                              </m:r>
+                            </m:sub>
+                          </m:sSub>
+                          <m:sSup>
+                            <m:sSupPr>
+                              <m:ctrlPr>
+                                <a:rPr lang="ru-RU" sz="2400" i="1">
+                                  <a:solidFill>
+                                    <a:schemeClr val="accent6">
+                                      <a:lumMod val="50000"/>
+                                    </a:schemeClr>
+                                  </a:solidFill>
+                                  <a:latin typeface="Cambria Math" panose="02040503050406030204" pitchFamily="18" charset="0"/>
+                                </a:rPr>
+                              </m:ctrlPr>
+                            </m:sSupPr>
+                            <m:e>
+                              <m:r>
+                                <a:rPr lang="de-DE" sz="2400">
+                                  <a:solidFill>
+                                    <a:schemeClr val="accent6">
+                                      <a:lumMod val="50000"/>
+                                    </a:schemeClr>
+                                  </a:solidFill>
+                                  <a:latin typeface="Cambria Math" panose="02040503050406030204" pitchFamily="18" charset="0"/>
+                                </a:rPr>
+                                <m:t>𝒆</m:t>
+                              </m:r>
+                            </m:e>
+                            <m:sup>
+                              <m:r>
+                                <a:rPr lang="de-DE" sz="2400">
+                                  <a:solidFill>
+                                    <a:schemeClr val="accent6">
+                                      <a:lumMod val="50000"/>
+                                    </a:schemeClr>
+                                  </a:solidFill>
+                                  <a:latin typeface="Cambria Math" panose="02040503050406030204" pitchFamily="18" charset="0"/>
+                                </a:rPr>
+                                <m:t>−</m:t>
+                              </m:r>
+                              <m:r>
+                                <a:rPr lang="de-DE" sz="2400">
+                                  <a:solidFill>
+                                    <a:schemeClr val="accent6">
+                                      <a:lumMod val="50000"/>
+                                    </a:schemeClr>
+                                  </a:solidFill>
+                                  <a:latin typeface="Cambria Math" panose="02040503050406030204" pitchFamily="18" charset="0"/>
+                                </a:rPr>
+                                <m:t>𝒙</m:t>
+                              </m:r>
+                            </m:sup>
+                          </m:sSup>
+                          <m:r>
+                            <a:rPr lang="de-DE" sz="2400">
+                              <a:solidFill>
+                                <a:schemeClr val="accent6">
+                                  <a:lumMod val="50000"/>
+                                </a:schemeClr>
+                              </a:solidFill>
+                              <a:latin typeface="Cambria Math" panose="02040503050406030204" pitchFamily="18" charset="0"/>
+                            </a:rPr>
+                            <m:t>−</m:t>
+                          </m:r>
+                          <m:sSub>
+                            <m:sSubPr>
+                              <m:ctrlPr>
+                                <a:rPr lang="ru-RU" sz="2400" i="1">
+                                  <a:solidFill>
+                                    <a:schemeClr val="accent6">
+                                      <a:lumMod val="50000"/>
+                                    </a:schemeClr>
+                                  </a:solidFill>
+                                  <a:latin typeface="Cambria Math" panose="02040503050406030204" pitchFamily="18" charset="0"/>
+                                </a:rPr>
+                              </m:ctrlPr>
+                            </m:sSubPr>
+                            <m:e>
+                              <m:r>
+                                <a:rPr lang="de-DE" sz="2400">
+                                  <a:solidFill>
+                                    <a:schemeClr val="accent6">
+                                      <a:lumMod val="50000"/>
+                                    </a:schemeClr>
+                                  </a:solidFill>
+                                  <a:latin typeface="Cambria Math" panose="02040503050406030204" pitchFamily="18" charset="0"/>
+                                </a:rPr>
+                                <m:t>𝒄</m:t>
+                              </m:r>
+                            </m:e>
+                            <m:sub>
+                              <m:r>
+                                <a:rPr lang="de-DE" sz="2400">
+                                  <a:solidFill>
+                                    <a:schemeClr val="accent6">
+                                      <a:lumMod val="50000"/>
+                                    </a:schemeClr>
+                                  </a:solidFill>
+                                  <a:latin typeface="Cambria Math" panose="02040503050406030204" pitchFamily="18" charset="0"/>
+                                </a:rPr>
+                                <m:t>𝟐</m:t>
+                              </m:r>
+                            </m:sub>
+                          </m:sSub>
+                          <m:sSup>
+                            <m:sSupPr>
+                              <m:ctrlPr>
+                                <a:rPr lang="ru-RU" sz="2400" i="1">
+                                  <a:solidFill>
+                                    <a:schemeClr val="accent6">
+                                      <a:lumMod val="50000"/>
+                                    </a:schemeClr>
+                                  </a:solidFill>
+                                  <a:latin typeface="Cambria Math" panose="02040503050406030204" pitchFamily="18" charset="0"/>
+                                </a:rPr>
+                              </m:ctrlPr>
+                            </m:sSupPr>
+                            <m:e>
+                              <m:r>
+                                <a:rPr lang="de-DE" sz="2400">
+                                  <a:solidFill>
+                                    <a:schemeClr val="accent6">
+                                      <a:lumMod val="50000"/>
+                                    </a:schemeClr>
+                                  </a:solidFill>
+                                  <a:latin typeface="Cambria Math" panose="02040503050406030204" pitchFamily="18" charset="0"/>
+                                </a:rPr>
+                                <m:t>𝒆</m:t>
+                              </m:r>
+                            </m:e>
+                            <m:sup>
+                              <m:r>
+                                <a:rPr lang="de-DE" sz="2400">
+                                  <a:solidFill>
+                                    <a:schemeClr val="accent6">
+                                      <a:lumMod val="50000"/>
+                                    </a:schemeClr>
+                                  </a:solidFill>
+                                  <a:latin typeface="Cambria Math" panose="02040503050406030204" pitchFamily="18" charset="0"/>
+                                </a:rPr>
+                                <m:t>−</m:t>
+                              </m:r>
+                              <m:r>
+                                <a:rPr lang="de-DE" sz="2400">
+                                  <a:solidFill>
+                                    <a:schemeClr val="accent6">
+                                      <a:lumMod val="50000"/>
+                                    </a:schemeClr>
+                                  </a:solidFill>
+                                  <a:latin typeface="Cambria Math" panose="02040503050406030204" pitchFamily="18" charset="0"/>
+                                </a:rPr>
+                                <m:t>𝒙</m:t>
+                              </m:r>
+                            </m:sup>
+                          </m:sSup>
+                          <m:r>
+                            <a:rPr lang="de-DE" sz="2400">
+                              <a:solidFill>
+                                <a:schemeClr val="accent6">
+                                  <a:lumMod val="50000"/>
+                                </a:schemeClr>
+                              </a:solidFill>
+                              <a:latin typeface="Cambria Math" panose="02040503050406030204" pitchFamily="18" charset="0"/>
+                            </a:rPr>
+                            <m:t>=</m:t>
+                          </m:r>
+                        </m:e>
+                      </m:func>
+                    </m:oMath>
+                  </m:oMathPara>
+                </a14:m>
+                <a:endParaRPr lang="de-DE" sz="2400" dirty="0">
+                  <a:solidFill>
+                    <a:schemeClr val="accent6">
+                      <a:lumMod val="50000"/>
+                    </a:schemeClr>
+                  </a:solidFill>
+                </a:endParaRPr>
+              </a:p>
+              <a:p>
+                <a:pPr algn="ctr" fontAlgn="t">
+                  <a:lnSpc>
+                    <a:spcPct val="150000"/>
+                  </a:lnSpc>
+                </a:pPr>
+                <a14:m>
+                  <m:oMathPara xmlns:m="http://schemas.openxmlformats.org/officeDocument/2006/math">
+                    <m:oMathParaPr>
+                      <m:jc m:val="centerGroup"/>
+                    </m:oMathParaPr>
+                    <m:oMath xmlns:m="http://schemas.openxmlformats.org/officeDocument/2006/math">
+                      <m:r>
+                        <a:rPr lang="de-DE" sz="2400">
+                          <a:solidFill>
+                            <a:schemeClr val="accent6">
+                              <a:lumMod val="50000"/>
+                            </a:schemeClr>
+                          </a:solidFill>
+                          <a:latin typeface="Cambria Math" panose="02040503050406030204" pitchFamily="18" charset="0"/>
+                        </a:rPr>
+                        <m:t>=</m:t>
+                      </m:r>
+                      <m:func>
+                        <m:funcPr>
+                          <m:ctrlPr>
+                            <a:rPr lang="ru-RU" sz="2400" i="1">
+                              <a:solidFill>
+                                <a:schemeClr val="accent6">
+                                  <a:lumMod val="50000"/>
+                                </a:schemeClr>
+                              </a:solidFill>
+                              <a:latin typeface="Cambria Math" panose="02040503050406030204" pitchFamily="18" charset="0"/>
+                            </a:rPr>
+                          </m:ctrlPr>
+                        </m:funcPr>
+                        <m:fName>
+                          <m:sSub>
+                            <m:sSubPr>
+                              <m:ctrlPr>
+                                <a:rPr lang="ru-RU" sz="2400" i="1">
+                                  <a:solidFill>
+                                    <a:schemeClr val="accent6">
+                                      <a:lumMod val="50000"/>
+                                    </a:schemeClr>
+                                  </a:solidFill>
+                                  <a:latin typeface="Cambria Math" panose="02040503050406030204" pitchFamily="18" charset="0"/>
+                                </a:rPr>
+                              </m:ctrlPr>
+                            </m:sSubPr>
+                            <m:e>
+                              <m:r>
+                                <a:rPr lang="de-DE" sz="2400">
+                                  <a:solidFill>
+                                    <a:schemeClr val="accent6">
+                                      <a:lumMod val="50000"/>
+                                    </a:schemeClr>
+                                  </a:solidFill>
+                                  <a:latin typeface="Cambria Math" panose="02040503050406030204" pitchFamily="18" charset="0"/>
+                                </a:rPr>
+                                <m:t>(</m:t>
+                              </m:r>
+                              <m:r>
+                                <a:rPr lang="de-DE" sz="2400">
+                                  <a:solidFill>
+                                    <a:schemeClr val="accent6">
+                                      <a:lumMod val="50000"/>
+                                    </a:schemeClr>
+                                  </a:solidFill>
+                                  <a:latin typeface="Cambria Math" panose="02040503050406030204" pitchFamily="18" charset="0"/>
+                                </a:rPr>
+                                <m:t>𝒄</m:t>
+                              </m:r>
+                            </m:e>
+                            <m:sub>
+                              <m:r>
+                                <a:rPr lang="de-DE" sz="2400">
+                                  <a:solidFill>
+                                    <a:schemeClr val="accent6">
+                                      <a:lumMod val="50000"/>
+                                    </a:schemeClr>
+                                  </a:solidFill>
+                                  <a:latin typeface="Cambria Math" panose="02040503050406030204" pitchFamily="18" charset="0"/>
+                                </a:rPr>
+                                <m:t>𝟏</m:t>
+                              </m:r>
+                            </m:sub>
+                          </m:sSub>
+                          <m:r>
+                            <a:rPr lang="de-DE" sz="2400">
+                              <a:solidFill>
+                                <a:schemeClr val="accent6">
+                                  <a:lumMod val="50000"/>
+                                </a:schemeClr>
+                              </a:solidFill>
+                              <a:latin typeface="Cambria Math" panose="02040503050406030204" pitchFamily="18" charset="0"/>
+                            </a:rPr>
+                            <m:t>−</m:t>
+                          </m:r>
+                          <m:sSub>
+                            <m:sSubPr>
+                              <m:ctrlPr>
+                                <a:rPr lang="ru-RU" sz="2400" i="1">
+                                  <a:solidFill>
+                                    <a:schemeClr val="accent6">
+                                      <a:lumMod val="50000"/>
+                                    </a:schemeClr>
+                                  </a:solidFill>
+                                  <a:latin typeface="Cambria Math" panose="02040503050406030204" pitchFamily="18" charset="0"/>
+                                </a:rPr>
+                              </m:ctrlPr>
+                            </m:sSubPr>
+                            <m:e>
+                              <m:r>
+                                <a:rPr lang="de-DE" sz="2400">
+                                  <a:solidFill>
+                                    <a:schemeClr val="accent6">
+                                      <a:lumMod val="50000"/>
+                                    </a:schemeClr>
+                                  </a:solidFill>
+                                  <a:latin typeface="Cambria Math" panose="02040503050406030204" pitchFamily="18" charset="0"/>
+                                </a:rPr>
+                                <m:t>𝒄</m:t>
+                              </m:r>
+                            </m:e>
+                            <m:sub>
+                              <m:r>
+                                <a:rPr lang="de-DE" sz="2400">
+                                  <a:solidFill>
+                                    <a:schemeClr val="accent6">
+                                      <a:lumMod val="50000"/>
+                                    </a:schemeClr>
+                                  </a:solidFill>
+                                  <a:latin typeface="Cambria Math" panose="02040503050406030204" pitchFamily="18" charset="0"/>
+                                </a:rPr>
+                                <m:t>𝟐</m:t>
+                              </m:r>
+                            </m:sub>
+                          </m:sSub>
+                          <m:r>
+                            <a:rPr lang="de-DE" sz="2400">
+                              <a:solidFill>
+                                <a:schemeClr val="accent6">
+                                  <a:lumMod val="50000"/>
+                                </a:schemeClr>
+                              </a:solidFill>
+                              <a:latin typeface="Cambria Math" panose="02040503050406030204" pitchFamily="18" charset="0"/>
+                            </a:rPr>
+                            <m:t>)</m:t>
+                          </m:r>
+                          <m:limLow>
+                            <m:limLowPr>
+                              <m:ctrlPr>
+                                <a:rPr lang="ru-RU" sz="2400" i="1">
+                                  <a:solidFill>
+                                    <a:schemeClr val="accent6">
+                                      <a:lumMod val="50000"/>
+                                    </a:schemeClr>
+                                  </a:solidFill>
+                                  <a:latin typeface="Cambria Math" panose="02040503050406030204" pitchFamily="18" charset="0"/>
+                                </a:rPr>
+                              </m:ctrlPr>
+                            </m:limLowPr>
+                            <m:e>
+                              <m:r>
+                                <a:rPr lang="de-DE" sz="2400">
+                                  <a:solidFill>
+                                    <a:schemeClr val="accent6">
+                                      <a:lumMod val="50000"/>
+                                    </a:schemeClr>
+                                  </a:solidFill>
+                                  <a:latin typeface="Cambria Math" panose="02040503050406030204" pitchFamily="18" charset="0"/>
+                                </a:rPr>
+                                <m:t>𝒍𝒊𝒎</m:t>
+                              </m:r>
+                            </m:e>
+                            <m:lim>
+                              <m:r>
+                                <a:rPr lang="de-DE" sz="2400">
+                                  <a:solidFill>
+                                    <a:schemeClr val="accent6">
+                                      <a:lumMod val="50000"/>
+                                    </a:schemeClr>
+                                  </a:solidFill>
+                                  <a:latin typeface="Cambria Math" panose="02040503050406030204" pitchFamily="18" charset="0"/>
+                                </a:rPr>
+                                <m:t>𝒙</m:t>
+                              </m:r>
+                              <m:r>
+                                <a:rPr lang="de-DE" sz="2400">
+                                  <a:solidFill>
+                                    <a:schemeClr val="accent6">
+                                      <a:lumMod val="50000"/>
+                                    </a:schemeClr>
+                                  </a:solidFill>
+                                  <a:latin typeface="Cambria Math" panose="02040503050406030204" pitchFamily="18" charset="0"/>
+                                </a:rPr>
+                                <m:t>→∞</m:t>
+                              </m:r>
+                            </m:lim>
+                          </m:limLow>
+                        </m:fName>
+                        <m:e>
+                          <m:sSup>
+                            <m:sSupPr>
+                              <m:ctrlPr>
+                                <a:rPr lang="ru-RU" sz="2400" i="1">
+                                  <a:solidFill>
+                                    <a:schemeClr val="accent6">
+                                      <a:lumMod val="50000"/>
+                                    </a:schemeClr>
+                                  </a:solidFill>
+                                  <a:latin typeface="Cambria Math" panose="02040503050406030204" pitchFamily="18" charset="0"/>
+                                </a:rPr>
+                              </m:ctrlPr>
+                            </m:sSupPr>
+                            <m:e>
+                              <m:r>
+                                <a:rPr lang="de-DE" sz="2400">
+                                  <a:solidFill>
+                                    <a:schemeClr val="accent6">
+                                      <a:lumMod val="50000"/>
+                                    </a:schemeClr>
+                                  </a:solidFill>
+                                  <a:latin typeface="Cambria Math" panose="02040503050406030204" pitchFamily="18" charset="0"/>
+                                </a:rPr>
+                                <m:t>𝒆</m:t>
+                              </m:r>
+                            </m:e>
+                            <m:sup>
+                              <m:r>
+                                <a:rPr lang="de-DE" sz="2400">
+                                  <a:solidFill>
+                                    <a:schemeClr val="accent6">
+                                      <a:lumMod val="50000"/>
+                                    </a:schemeClr>
+                                  </a:solidFill>
+                                  <a:latin typeface="Cambria Math" panose="02040503050406030204" pitchFamily="18" charset="0"/>
+                                </a:rPr>
+                                <m:t>−</m:t>
+                              </m:r>
+                              <m:r>
+                                <a:rPr lang="de-DE" sz="2400">
+                                  <a:solidFill>
+                                    <a:schemeClr val="accent6">
+                                      <a:lumMod val="50000"/>
+                                    </a:schemeClr>
+                                  </a:solidFill>
+                                  <a:latin typeface="Cambria Math" panose="02040503050406030204" pitchFamily="18" charset="0"/>
+                                </a:rPr>
+                                <m:t>𝒙</m:t>
+                              </m:r>
+                            </m:sup>
+                          </m:sSup>
+                          <m:r>
+                            <a:rPr lang="de-DE" sz="2400">
+                              <a:solidFill>
+                                <a:schemeClr val="accent6">
+                                  <a:lumMod val="50000"/>
+                                </a:schemeClr>
+                              </a:solidFill>
+                              <a:latin typeface="Cambria Math" panose="02040503050406030204" pitchFamily="18" charset="0"/>
+                            </a:rPr>
+                            <m:t>=</m:t>
+                          </m:r>
+                        </m:e>
+                      </m:func>
+                      <m:r>
+                        <a:rPr lang="de-DE" sz="2400">
+                          <a:solidFill>
+                            <a:schemeClr val="accent6">
+                              <a:lumMod val="50000"/>
+                            </a:schemeClr>
+                          </a:solidFill>
+                          <a:latin typeface="Cambria Math" panose="02040503050406030204" pitchFamily="18" charset="0"/>
+                        </a:rPr>
+                        <m:t>𝟎</m:t>
+                      </m:r>
+                    </m:oMath>
+                  </m:oMathPara>
+                </a14:m>
+                <a:endParaRPr lang="ru-RU" sz="2400" dirty="0">
+                  <a:solidFill>
+                    <a:schemeClr val="accent6">
+                      <a:lumMod val="50000"/>
+                    </a:schemeClr>
+                  </a:solidFill>
+                </a:endParaRPr>
+              </a:p>
+              <a:p>
+                <a:pPr fontAlgn="t">
+                  <a:lnSpc>
+                    <a:spcPct val="150000"/>
+                  </a:lnSpc>
+                </a:pPr>
+                <a:endParaRPr lang="de-DE" sz="2400" dirty="0" smtClean="0">
+                  <a:solidFill>
+                    <a:schemeClr val="accent6">
+                      <a:lumMod val="50000"/>
+                    </a:schemeClr>
+                  </a:solidFill>
+                </a:endParaRPr>
+              </a:p>
+              <a:p>
+                <a:pPr fontAlgn="t">
+                  <a:lnSpc>
+                    <a:spcPct val="150000"/>
+                  </a:lnSpc>
+                </a:pPr>
+                <a:endParaRPr lang="de-DE" sz="2400" dirty="0">
+                  <a:solidFill>
+                    <a:schemeClr val="accent6">
+                      <a:lumMod val="50000"/>
+                    </a:schemeClr>
+                  </a:solidFill>
+                </a:endParaRPr>
+              </a:p>
+            </p:txBody>
+          </p:sp>
+        </mc:Choice>
+        <mc:Fallback>
+          <p:sp>
+            <p:nvSpPr>
+              <p:cNvPr id="4" name="Inhaltsplatzhalter 12">
+                <a:extLst>
+                  <a:ext uri="{FF2B5EF4-FFF2-40B4-BE49-F238E27FC236}">
+                    <a16:creationId xmlns:a16="http://schemas.microsoft.com/office/drawing/2014/main" id="{07645024-0585-4061-B4E7-0E97AFA8FA8A}"/>
+                  </a:ext>
+                </a:extLst>
+              </p:cNvPr>
+              <p:cNvSpPr>
+                <a:spLocks noGrp="1" noRot="1" noChangeAspect="1" noMove="1" noResize="1" noEditPoints="1" noAdjustHandles="1" noChangeArrowheads="1" noChangeShapeType="1" noTextEdit="1"/>
+              </p:cNvSpPr>
+              <p:nvPr>
+                <p:ph idx="1"/>
+              </p:nvPr>
+            </p:nvSpPr>
+            <p:spPr>
+              <a:xfrm>
+                <a:off x="479376" y="1237986"/>
+                <a:ext cx="10943704" cy="4598718"/>
+              </a:xfrm>
+              <a:prstGeom prst="rect">
+                <a:avLst/>
+              </a:prstGeom>
+              <a:blipFill>
+                <a:blip r:embed="rId3"/>
+                <a:stretch>
+                  <a:fillRect l="-1727" b="-25729"/>
+                </a:stretch>
+              </a:blipFill>
+            </p:spPr>
+            <p:txBody>
+              <a:bodyPr/>
+              <a:lstStyle/>
+              <a:p>
+                <a:r>
+                  <a:rPr lang="ru-RU">
+                    <a:noFill/>
+                  </a:rPr>
+                  <a:t> </a:t>
+                </a:r>
+              </a:p>
+            </p:txBody>
+          </p:sp>
+        </mc:Fallback>
+      </mc:AlternateContent>
+    </p:spTree>
+    <p:extLst>
+      <p:ext uri="{BB962C8B-B14F-4D97-AF65-F5344CB8AC3E}">
+        <p14:creationId xmlns:p14="http://schemas.microsoft.com/office/powerpoint/2010/main" val="644616104"/>
+      </p:ext>
+    </p:extLst>
+  </p:cSld>
+  <p:clrMapOvr>
+    <a:masterClrMapping/>
+  </p:clrMapOvr>
+  <mc:AlternateContent xmlns:mc="http://schemas.openxmlformats.org/markup-compatibility/2006" xmlns:p14="http://schemas.microsoft.com/office/powerpoint/2010/main">
+    <mc:Choice Requires="p14">
+      <p:transition spd="med" p14:dur="700">
+        <p:fade/>
+      </p:transition>
+    </mc:Choice>
+    <mc:Fallback xmlns="">
+      <p:transition spd="med">
+        <p:fade/>
+      </p:transition>
+    </mc:Fallback>
+  </mc:AlternateContent>
+</p:sld>
+</file>
+
+<file path=ppt/slides/slide6.xml><?xml version="1.0" encoding="utf-8"?>
+<p:sld xmlns:a="http://schemas.openxmlformats.org/drawingml/2006/main" xmlns:r="http://schemas.openxmlformats.org/officeDocument/2006/relationships" xmlns:p="http://schemas.openxmlformats.org/presentationml/2006/main">
+  <p:cSld>
+    <p:spTree>
+      <p:nvGrpSpPr>
+        <p:cNvPr id="1" name=""/>
+        <p:cNvGrpSpPr/>
+        <p:nvPr/>
+      </p:nvGrpSpPr>
+      <p:grpSpPr>
+        <a:xfrm>
+          <a:off x="0" y="0"/>
+          <a:ext cx="0" cy="0"/>
+          <a:chOff x="0" y="0"/>
+          <a:chExt cx="0" cy="0"/>
+        </a:xfrm>
+      </p:grpSpPr>
+      <p:sp>
+        <p:nvSpPr>
+          <p:cNvPr id="2" name="Объект 1"/>
+          <p:cNvSpPr>
+            <a:spLocks noGrp="1"/>
+          </p:cNvSpPr>
+          <p:nvPr>
+            <p:ph idx="1"/>
+          </p:nvPr>
+        </p:nvSpPr>
+        <p:spPr/>
+        <p:txBody>
+          <a:bodyPr/>
+          <a:lstStyle/>
+          <a:p>
+            <a:pPr fontAlgn="t">
+              <a:lnSpc>
+                <a:spcPct val="150000"/>
+              </a:lnSpc>
+            </a:pPr>
+            <a:endParaRPr lang="de-DE" dirty="0">
+              <a:solidFill>
+                <a:schemeClr val="accent6">
+                  <a:lumMod val="50000"/>
+                </a:schemeClr>
+              </a:solidFill>
+            </a:endParaRPr>
+          </a:p>
+          <a:p>
+            <a:endParaRPr lang="ru-RU" dirty="0"/>
+          </a:p>
+        </p:txBody>
+      </p:sp>
+      <p:sp>
+        <p:nvSpPr>
+          <p:cNvPr id="3" name="Заголовок 2"/>
+          <p:cNvSpPr>
+            <a:spLocks noGrp="1"/>
+          </p:cNvSpPr>
+          <p:nvPr>
+            <p:ph type="title"/>
+          </p:nvPr>
+        </p:nvSpPr>
+        <p:spPr/>
+        <p:txBody>
+          <a:bodyPr/>
+          <a:lstStyle/>
+          <a:p>
+            <a:r>
+              <a:rPr lang="de-DE" dirty="0" smtClean="0">
+                <a:solidFill>
+                  <a:schemeClr val="accent6">
+                    <a:lumMod val="50000"/>
+                  </a:schemeClr>
+                </a:solidFill>
+              </a:rPr>
+              <a:t>Numerisches Verfahren. Rundungsfehler.</a:t>
+            </a:r>
+            <a:endParaRPr lang="ru-RU" dirty="0"/>
+          </a:p>
+        </p:txBody>
+      </p:sp>
+    </p:spTree>
+    <p:extLst>
+      <p:ext uri="{BB962C8B-B14F-4D97-AF65-F5344CB8AC3E}">
+        <p14:creationId xmlns:p14="http://schemas.microsoft.com/office/powerpoint/2010/main" val="2114714253"/>
+      </p:ext>
+    </p:extLst>
+  </p:cSld>
+  <p:clrMapOvr>
+    <a:masterClrMapping/>
+  </p:clrMapOvr>
+  <mc:AlternateContent xmlns:mc="http://schemas.openxmlformats.org/markup-compatibility/2006" xmlns:p14="http://schemas.microsoft.com/office/powerpoint/2010/main">
+    <mc:Choice Requires="p14">
+      <p:transition spd="med" p14:dur="700">
+        <p:fade/>
+      </p:transition>
+    </mc:Choice>
+    <mc:Fallback xmlns="">
+      <p:transition spd="med">
+        <p:fade/>
+      </p:transition>
+    </mc:Fallback>
+  </mc:AlternateContent>
+</p:sld>
+</file>
+
+<file path=ppt/slides/slide7.xml><?xml version="1.0" encoding="utf-8"?>
 <p:sld xmlns:a="http://schemas.openxmlformats.org/drawingml/2006/main" xmlns:r="http://schemas.openxmlformats.org/officeDocument/2006/relationships" xmlns:p="http://schemas.openxmlformats.org/presentationml/2006/main">
   <p:cSld>
     <p:spTree>
@@ -3568,7 +8258,7 @@
 </p:sld>
 </file>
 
-<file path=ppt/slides/slide5.xml><?xml version="1.0" encoding="utf-8"?>
+<file path=ppt/slides/slide8.xml><?xml version="1.0" encoding="utf-8"?>
 <p:sld xmlns:a="http://schemas.openxmlformats.org/drawingml/2006/main" xmlns:r="http://schemas.openxmlformats.org/officeDocument/2006/relationships" xmlns:p="http://schemas.openxmlformats.org/presentationml/2006/main">
   <p:cSld>
     <p:spTree>
@@ -3652,7 +8342,7 @@
 </p:sld>
 </file>
 
-<file path=ppt/slides/slide6.xml><?xml version="1.0" encoding="utf-8"?>
+<file path=ppt/slides/slide9.xml><?xml version="1.0" encoding="utf-8"?>
 <p:sld xmlns:a="http://schemas.openxmlformats.org/drawingml/2006/main" xmlns:r="http://schemas.openxmlformats.org/officeDocument/2006/relationships" xmlns:p="http://schemas.openxmlformats.org/presentationml/2006/main">
   <p:cSld>
     <p:spTree>
@@ -3671,66 +8361,134 @@
       </p:grpSpPr>
       <p:sp>
         <p:nvSpPr>
-          <p:cNvPr id="8" name="Titel 1"/>
-          <p:cNvSpPr txBox="1">
-            <a:spLocks/>
+          <p:cNvPr id="2" name="Объект 1"/>
+          <p:cNvSpPr>
+            <a:spLocks noGrp="1"/>
           </p:cNvSpPr>
-          <p:nvPr/>
+          <p:nvPr>
+            <p:ph idx="1"/>
+          </p:nvPr>
         </p:nvSpPr>
-        <p:spPr>
-          <a:xfrm>
-            <a:off x="623888" y="1268760"/>
-            <a:ext cx="7772400" cy="1470025"/>
-          </a:xfrm>
-          <a:prstGeom prst="rect">
-            <a:avLst/>
-          </a:prstGeom>
-        </p:spPr>
+        <p:spPr/>
         <p:txBody>
-          <a:bodyPr vert="horz" lIns="0" tIns="45720" rIns="91440" bIns="45720" rtlCol="0" anchor="ctr">
-            <a:normAutofit/>
-          </a:bodyPr>
-          <a:lstStyle>
-            <a:lvl1pPr algn="l" defTabSz="914400" rtl="0" eaLnBrk="1" latinLnBrk="0" hangingPunct="1">
-              <a:spcBef>
-                <a:spcPct val="0"/>
-              </a:spcBef>
-              <a:buNone/>
-              <a:defRPr sz="4400" kern="1200">
-                <a:solidFill>
-                  <a:schemeClr val="bg1"/>
-                </a:solidFill>
-                <a:latin typeface="Liberation Serif" pitchFamily="18" charset="0"/>
-                <a:ea typeface="+mj-ea"/>
-                <a:cs typeface="+mj-cs"/>
-              </a:defRPr>
-            </a:lvl1pPr>
-          </a:lstStyle>
+          <a:bodyPr/>
+          <a:lstStyle/>
           <a:p>
             <a:r>
-              <a:rPr lang="de-DE" sz="4000" dirty="0"/>
-              <a:t>Herzlichen Dank </a:t>
+              <a:rPr lang="de-DE" dirty="0" smtClean="0"/>
+              <a:t>[1] </a:t>
             </a:r>
-            <a:br>
-              <a:rPr lang="de-DE" sz="4000" dirty="0"/>
-            </a:br>
             <a:r>
-              <a:rPr lang="de-DE" sz="4000" dirty="0"/>
-              <a:t>für Ihre Aufmerksamkeit</a:t>
+              <a:rPr lang="en-US" dirty="0"/>
+              <a:t>Britannica, The Editors of </a:t>
             </a:r>
+            <a:r>
+              <a:rPr lang="en-US" dirty="0" err="1"/>
+              <a:t>Encyclopaedia</a:t>
+            </a:r>
+            <a:r>
+              <a:rPr lang="en-US" dirty="0"/>
+              <a:t>. "stability". Encyclopedia Britannica, 5 May. 2016, </a:t>
+            </a:r>
+            <a:r>
+              <a:rPr lang="en-US" dirty="0">
+                <a:hlinkClick r:id="rId2"/>
+              </a:rPr>
+              <a:t>https://www.britannica.com/science/stability-solution-of-equations. Accessed 10 December 2022</a:t>
+            </a:r>
+            <a:r>
+              <a:rPr lang="en-US" dirty="0" smtClean="0"/>
+              <a:t>.</a:t>
+            </a:r>
+          </a:p>
+          <a:p>
+            <a:endParaRPr lang="en-US" dirty="0"/>
+          </a:p>
+          <a:p>
+            <a:r>
+              <a:rPr lang="en-US" dirty="0" smtClean="0"/>
+              <a:t>[2]</a:t>
+            </a:r>
+            <a:r>
+              <a:rPr lang="ru-RU" dirty="0"/>
+              <a:t> </a:t>
+            </a:r>
+            <a:r>
+              <a:rPr lang="en-US" dirty="0" smtClean="0"/>
+              <a:t> </a:t>
+            </a:r>
+            <a:r>
+              <a:rPr lang="en-US" dirty="0"/>
+              <a:t>U.M. </a:t>
+            </a:r>
+            <a:r>
+              <a:rPr lang="en-US" dirty="0" err="1"/>
+              <a:t>Ascher</a:t>
+            </a:r>
+            <a:r>
+              <a:rPr lang="en-US" dirty="0"/>
+              <a:t> and L.R. </a:t>
+            </a:r>
+            <a:r>
+              <a:rPr lang="en-US" dirty="0" err="1"/>
+              <a:t>Petzold</a:t>
+            </a:r>
+            <a:r>
+              <a:rPr lang="en-US" dirty="0"/>
+              <a:t>, Computer Methods for Ordinary Differential Equations and Differential-Algebraic Equations, Society for Industrial and Applied Mathematics, 1998. </a:t>
+            </a:r>
+            <a:endParaRPr lang="en-US" dirty="0" smtClean="0"/>
+          </a:p>
+          <a:p>
+            <a:endParaRPr lang="en-US" dirty="0"/>
+          </a:p>
+        </p:txBody>
+      </p:sp>
+      <p:sp>
+        <p:nvSpPr>
+          <p:cNvPr id="3" name="Заголовок 2"/>
+          <p:cNvSpPr>
+            <a:spLocks noGrp="1"/>
+          </p:cNvSpPr>
+          <p:nvPr>
+            <p:ph type="title"/>
+          </p:nvPr>
+        </p:nvSpPr>
+        <p:spPr/>
+        <p:txBody>
+          <a:bodyPr/>
+          <a:lstStyle/>
+          <a:p>
+            <a:r>
+              <a:rPr lang="de-DE" dirty="0" smtClean="0"/>
+              <a:t>References</a:t>
+            </a:r>
+            <a:endParaRPr lang="ru-RU" dirty="0"/>
           </a:p>
         </p:txBody>
       </p:sp>
     </p:spTree>
     <p:extLst>
       <p:ext uri="{BB962C8B-B14F-4D97-AF65-F5344CB8AC3E}">
-        <p14:creationId xmlns:p14="http://schemas.microsoft.com/office/powerpoint/2010/main" val="4162257437"/>
+        <p14:creationId xmlns:p14="http://schemas.microsoft.com/office/powerpoint/2010/main" val="2961167868"/>
       </p:ext>
     </p:extLst>
   </p:cSld>
   <p:clrMapOvr>
     <a:masterClrMapping/>
   </p:clrMapOvr>
+  <mc:AlternateContent xmlns:mc="http://schemas.openxmlformats.org/markup-compatibility/2006" xmlns:p14="http://schemas.microsoft.com/office/powerpoint/2010/main">
+    <mc:Choice Requires="p14">
+      <p:transition spd="med" p14:dur="700">
+        <p:fade/>
+      </p:transition>
+    </mc:Choice>
+    <mc:Fallback xmlns="">
+      <p:transition spd="med">
+        <p:fade/>
+      </p:transition>
+    </mc:Fallback>
+  </mc:AlternateContent>
 </p:sld>
 </file>
 
